--- a/Godot Project/Concept.pptx
+++ b/Godot Project/Concept.pptx
@@ -271,7 +271,7 @@
           <a:p>
             <a:fld id="{0E6B98C6-4E2D-4493-BB6F-B0B550CAA038}" type="datetimeFigureOut">
               <a:rPr lang="en-US" smtClean="0"/>
-              <a:t>8/13/2024</a:t>
+              <a:t>8/24/2024</a:t>
             </a:fld>
             <a:endParaRPr lang="en-US"/>
           </a:p>
@@ -469,7 +469,7 @@
           <a:p>
             <a:fld id="{0E6B98C6-4E2D-4493-BB6F-B0B550CAA038}" type="datetimeFigureOut">
               <a:rPr lang="en-US" smtClean="0"/>
-              <a:t>8/13/2024</a:t>
+              <a:t>8/24/2024</a:t>
             </a:fld>
             <a:endParaRPr lang="en-US"/>
           </a:p>
@@ -677,7 +677,7 @@
           <a:p>
             <a:fld id="{0E6B98C6-4E2D-4493-BB6F-B0B550CAA038}" type="datetimeFigureOut">
               <a:rPr lang="en-US" smtClean="0"/>
-              <a:t>8/13/2024</a:t>
+              <a:t>8/24/2024</a:t>
             </a:fld>
             <a:endParaRPr lang="en-US"/>
           </a:p>
@@ -875,7 +875,7 @@
           <a:p>
             <a:fld id="{0E6B98C6-4E2D-4493-BB6F-B0B550CAA038}" type="datetimeFigureOut">
               <a:rPr lang="en-US" smtClean="0"/>
-              <a:t>8/13/2024</a:t>
+              <a:t>8/24/2024</a:t>
             </a:fld>
             <a:endParaRPr lang="en-US"/>
           </a:p>
@@ -1150,7 +1150,7 @@
           <a:p>
             <a:fld id="{0E6B98C6-4E2D-4493-BB6F-B0B550CAA038}" type="datetimeFigureOut">
               <a:rPr lang="en-US" smtClean="0"/>
-              <a:t>8/13/2024</a:t>
+              <a:t>8/24/2024</a:t>
             </a:fld>
             <a:endParaRPr lang="en-US"/>
           </a:p>
@@ -1415,7 +1415,7 @@
           <a:p>
             <a:fld id="{0E6B98C6-4E2D-4493-BB6F-B0B550CAA038}" type="datetimeFigureOut">
               <a:rPr lang="en-US" smtClean="0"/>
-              <a:t>8/13/2024</a:t>
+              <a:t>8/24/2024</a:t>
             </a:fld>
             <a:endParaRPr lang="en-US"/>
           </a:p>
@@ -1827,7 +1827,7 @@
           <a:p>
             <a:fld id="{0E6B98C6-4E2D-4493-BB6F-B0B550CAA038}" type="datetimeFigureOut">
               <a:rPr lang="en-US" smtClean="0"/>
-              <a:t>8/13/2024</a:t>
+              <a:t>8/24/2024</a:t>
             </a:fld>
             <a:endParaRPr lang="en-US"/>
           </a:p>
@@ -1968,7 +1968,7 @@
           <a:p>
             <a:fld id="{0E6B98C6-4E2D-4493-BB6F-B0B550CAA038}" type="datetimeFigureOut">
               <a:rPr lang="en-US" smtClean="0"/>
-              <a:t>8/13/2024</a:t>
+              <a:t>8/24/2024</a:t>
             </a:fld>
             <a:endParaRPr lang="en-US"/>
           </a:p>
@@ -2081,7 +2081,7 @@
           <a:p>
             <a:fld id="{0E6B98C6-4E2D-4493-BB6F-B0B550CAA038}" type="datetimeFigureOut">
               <a:rPr lang="en-US" smtClean="0"/>
-              <a:t>8/13/2024</a:t>
+              <a:t>8/24/2024</a:t>
             </a:fld>
             <a:endParaRPr lang="en-US"/>
           </a:p>
@@ -2392,7 +2392,7 @@
           <a:p>
             <a:fld id="{0E6B98C6-4E2D-4493-BB6F-B0B550CAA038}" type="datetimeFigureOut">
               <a:rPr lang="en-US" smtClean="0"/>
-              <a:t>8/13/2024</a:t>
+              <a:t>8/24/2024</a:t>
             </a:fld>
             <a:endParaRPr lang="en-US"/>
           </a:p>
@@ -2680,7 +2680,7 @@
           <a:p>
             <a:fld id="{0E6B98C6-4E2D-4493-BB6F-B0B550CAA038}" type="datetimeFigureOut">
               <a:rPr lang="en-US" smtClean="0"/>
-              <a:t>8/13/2024</a:t>
+              <a:t>8/24/2024</a:t>
             </a:fld>
             <a:endParaRPr lang="en-US"/>
           </a:p>
@@ -2921,7 +2921,7 @@
           <a:p>
             <a:fld id="{0E6B98C6-4E2D-4493-BB6F-B0B550CAA038}" type="datetimeFigureOut">
               <a:rPr lang="en-US" smtClean="0"/>
-              <a:t>8/13/2024</a:t>
+              <a:t>8/24/2024</a:t>
             </a:fld>
             <a:endParaRPr lang="en-US"/>
           </a:p>
@@ -13062,6 +13062,239 @@
           </a:prstGeom>
         </p:spPr>
       </p:pic>
+      <p:sp>
+        <p:nvSpPr>
+          <p:cNvPr id="5" name="TextBox 4">
+            <a:extLst>
+              <a:ext uri="{FF2B5EF4-FFF2-40B4-BE49-F238E27FC236}">
+                <a16:creationId xmlns:a16="http://schemas.microsoft.com/office/drawing/2014/main" id="{B7110627-2270-B649-03C1-F346A343FAA6}"/>
+              </a:ext>
+            </a:extLst>
+          </p:cNvPr>
+          <p:cNvSpPr txBox="1"/>
+          <p:nvPr/>
+        </p:nvSpPr>
+        <p:spPr>
+          <a:xfrm>
+            <a:off x="1427399" y="5817813"/>
+            <a:ext cx="3279954" cy="461665"/>
+          </a:xfrm>
+          <a:prstGeom prst="rect">
+            <a:avLst/>
+          </a:prstGeom>
+          <a:noFill/>
+        </p:spPr>
+        <p:txBody>
+          <a:bodyPr wrap="square" rtlCol="0">
+            <a:spAutoFit/>
+          </a:bodyPr>
+          <a:lstStyle/>
+          <a:p>
+            <a:r>
+              <a:rPr lang="en-US" sz="2400" dirty="0">
+                <a:ea typeface="ADLaM Display" panose="02010000000000000000" pitchFamily="2" charset="0"/>
+                <a:cs typeface="ADLaM Display" panose="02010000000000000000" pitchFamily="2" charset="0"/>
+              </a:rPr>
+              <a:t>You can contact me on:</a:t>
+            </a:r>
+          </a:p>
+        </p:txBody>
+      </p:sp>
+      <p:pic>
+        <p:nvPicPr>
+          <p:cNvPr id="10" name="Picture 9">
+            <a:extLst>
+              <a:ext uri="{FF2B5EF4-FFF2-40B4-BE49-F238E27FC236}">
+                <a16:creationId xmlns:a16="http://schemas.microsoft.com/office/drawing/2014/main" id="{68FB6436-195C-69BD-6591-0F4CBAB34573}"/>
+              </a:ext>
+            </a:extLst>
+          </p:cNvPr>
+          <p:cNvPicPr>
+            <a:picLocks noChangeAspect="1"/>
+          </p:cNvPicPr>
+          <p:nvPr/>
+        </p:nvPicPr>
+        <p:blipFill>
+          <a:blip r:embed="rId8"/>
+          <a:stretch>
+            <a:fillRect/>
+          </a:stretch>
+        </p:blipFill>
+        <p:spPr>
+          <a:xfrm>
+            <a:off x="4707353" y="5886208"/>
+            <a:ext cx="359284" cy="357768"/>
+          </a:xfrm>
+          <a:prstGeom prst="roundRect">
+            <a:avLst/>
+          </a:prstGeom>
+        </p:spPr>
+      </p:pic>
+      <p:sp>
+        <p:nvSpPr>
+          <p:cNvPr id="14" name="TextBox 13">
+            <a:extLst>
+              <a:ext uri="{FF2B5EF4-FFF2-40B4-BE49-F238E27FC236}">
+                <a16:creationId xmlns:a16="http://schemas.microsoft.com/office/drawing/2014/main" id="{F041C94E-7DF4-BC0F-A6CD-3331ABC60BF3}"/>
+              </a:ext>
+            </a:extLst>
+          </p:cNvPr>
+          <p:cNvSpPr txBox="1"/>
+          <p:nvPr/>
+        </p:nvSpPr>
+        <p:spPr>
+          <a:xfrm>
+            <a:off x="5022033" y="5874540"/>
+            <a:ext cx="1760397" cy="380587"/>
+          </a:xfrm>
+          <a:prstGeom prst="rect">
+            <a:avLst/>
+          </a:prstGeom>
+          <a:noFill/>
+        </p:spPr>
+        <p:txBody>
+          <a:bodyPr wrap="square">
+            <a:spAutoFit/>
+          </a:bodyPr>
+          <a:lstStyle/>
+          <a:p>
+            <a:r>
+              <a:rPr lang="en-US" dirty="0"/>
+              <a:t>@LahbibMajd</a:t>
+            </a:r>
+          </a:p>
+        </p:txBody>
+      </p:sp>
+      <p:pic>
+        <p:nvPicPr>
+          <p:cNvPr id="1026" name="Picture 2" descr="Github Logo Vector Art, Icons, and Graphics for Free Download">
+            <a:extLst>
+              <a:ext uri="{FF2B5EF4-FFF2-40B4-BE49-F238E27FC236}">
+                <a16:creationId xmlns:a16="http://schemas.microsoft.com/office/drawing/2014/main" id="{0F616A23-3C98-7993-1287-37694797286E}"/>
+              </a:ext>
+            </a:extLst>
+          </p:cNvPr>
+          <p:cNvPicPr>
+            <a:picLocks noChangeAspect="1" noChangeArrowheads="1"/>
+          </p:cNvPicPr>
+          <p:nvPr/>
+        </p:nvPicPr>
+        <p:blipFill rotWithShape="1">
+          <a:blip r:embed="rId9">
+            <a:extLst>
+              <a:ext uri="{28A0092B-C50C-407E-A947-70E740481C1C}">
+                <a14:useLocalDpi xmlns:a14="http://schemas.microsoft.com/office/drawing/2010/main" val="0"/>
+              </a:ext>
+            </a:extLst>
+          </a:blip>
+          <a:srcRect l="8865" t="11900" r="59397" b="26860"/>
+          <a:stretch/>
+        </p:blipFill>
+        <p:spPr bwMode="auto">
+          <a:xfrm>
+            <a:off x="6618598" y="5834000"/>
+            <a:ext cx="478512" cy="461665"/>
+          </a:xfrm>
+          <a:prstGeom prst="ellipse">
+            <a:avLst/>
+          </a:prstGeom>
+          <a:noFill/>
+          <a:extLst>
+            <a:ext uri="{909E8E84-426E-40DD-AFC4-6F175D3DCCD1}">
+              <a14:hiddenFill xmlns:a14="http://schemas.microsoft.com/office/drawing/2010/main">
+                <a:solidFill>
+                  <a:srgbClr val="FFFFFF"/>
+                </a:solidFill>
+              </a14:hiddenFill>
+            </a:ext>
+          </a:extLst>
+        </p:spPr>
+      </p:pic>
+      <p:sp>
+        <p:nvSpPr>
+          <p:cNvPr id="17" name="TextBox 16">
+            <a:extLst>
+              <a:ext uri="{FF2B5EF4-FFF2-40B4-BE49-F238E27FC236}">
+                <a16:creationId xmlns:a16="http://schemas.microsoft.com/office/drawing/2014/main" id="{806AFB5D-12E2-D015-6CD9-1A6BC9F6DDF7}"/>
+              </a:ext>
+            </a:extLst>
+          </p:cNvPr>
+          <p:cNvSpPr txBox="1"/>
+          <p:nvPr/>
+        </p:nvSpPr>
+        <p:spPr>
+          <a:xfrm>
+            <a:off x="7052475" y="5902956"/>
+            <a:ext cx="3028228" cy="369332"/>
+          </a:xfrm>
+          <a:prstGeom prst="rect">
+            <a:avLst/>
+          </a:prstGeom>
+          <a:noFill/>
+        </p:spPr>
+        <p:txBody>
+          <a:bodyPr wrap="square">
+            <a:spAutoFit/>
+          </a:bodyPr>
+          <a:lstStyle/>
+          <a:p>
+            <a:r>
+              <a:rPr lang="en-US" dirty="0"/>
+              <a:t>@MajdLHB</a:t>
+            </a:r>
+          </a:p>
+        </p:txBody>
+      </p:sp>
+      <p:sp>
+        <p:nvSpPr>
+          <p:cNvPr id="18" name="Rectangle: Rounded Corners 17">
+            <a:extLst>
+              <a:ext uri="{FF2B5EF4-FFF2-40B4-BE49-F238E27FC236}">
+                <a16:creationId xmlns:a16="http://schemas.microsoft.com/office/drawing/2014/main" id="{70889207-7020-C4C2-6487-60B30EACB117}"/>
+              </a:ext>
+            </a:extLst>
+          </p:cNvPr>
+          <p:cNvSpPr/>
+          <p:nvPr/>
+        </p:nvSpPr>
+        <p:spPr>
+          <a:xfrm>
+            <a:off x="1360469" y="5722071"/>
+            <a:ext cx="8720233" cy="653148"/>
+          </a:xfrm>
+          <a:prstGeom prst="roundRect">
+            <a:avLst/>
+          </a:prstGeom>
+          <a:noFill/>
+          <a:ln w="19050">
+            <a:noFill/>
+          </a:ln>
+        </p:spPr>
+        <p:style>
+          <a:lnRef idx="2">
+            <a:schemeClr val="accent1">
+              <a:shade val="15000"/>
+            </a:schemeClr>
+          </a:lnRef>
+          <a:fillRef idx="1">
+            <a:schemeClr val="accent1"/>
+          </a:fillRef>
+          <a:effectRef idx="0">
+            <a:schemeClr val="accent1"/>
+          </a:effectRef>
+          <a:fontRef idx="minor">
+            <a:schemeClr val="lt1"/>
+          </a:fontRef>
+        </p:style>
+        <p:txBody>
+          <a:bodyPr rtlCol="0" anchor="ctr"/>
+          <a:lstStyle/>
+          <a:p>
+            <a:pPr algn="ctr"/>
+            <a:endParaRPr lang="en-US"/>
+          </a:p>
+        </p:txBody>
+      </p:sp>
     </p:spTree>
     <p:extLst>
       <p:ext uri="{BB962C8B-B14F-4D97-AF65-F5344CB8AC3E}">

--- a/Godot Project/Concept.pptx
+++ b/Godot Project/Concept.pptx
@@ -4,20 +4,28 @@
   <p:sldMasterIdLst>
     <p:sldMasterId id="2147483648" r:id="rId1"/>
   </p:sldMasterIdLst>
+  <p:notesMasterIdLst>
+    <p:notesMasterId r:id="rId20"/>
+  </p:notesMasterIdLst>
   <p:sldIdLst>
     <p:sldId id="256" r:id="rId2"/>
-    <p:sldId id="257" r:id="rId3"/>
-    <p:sldId id="265" r:id="rId4"/>
-    <p:sldId id="258" r:id="rId5"/>
-    <p:sldId id="261" r:id="rId6"/>
-    <p:sldId id="259" r:id="rId7"/>
-    <p:sldId id="264" r:id="rId8"/>
-    <p:sldId id="262" r:id="rId9"/>
-    <p:sldId id="260" r:id="rId10"/>
-    <p:sldId id="263" r:id="rId11"/>
-    <p:sldId id="266" r:id="rId12"/>
-    <p:sldId id="267" r:id="rId13"/>
-    <p:sldId id="268" r:id="rId14"/>
+    <p:sldId id="269" r:id="rId3"/>
+    <p:sldId id="270" r:id="rId4"/>
+    <p:sldId id="257" r:id="rId5"/>
+    <p:sldId id="265" r:id="rId6"/>
+    <p:sldId id="258" r:id="rId7"/>
+    <p:sldId id="261" r:id="rId8"/>
+    <p:sldId id="259" r:id="rId9"/>
+    <p:sldId id="264" r:id="rId10"/>
+    <p:sldId id="262" r:id="rId11"/>
+    <p:sldId id="260" r:id="rId12"/>
+    <p:sldId id="263" r:id="rId13"/>
+    <p:sldId id="266" r:id="rId14"/>
+    <p:sldId id="267" r:id="rId15"/>
+    <p:sldId id="268" r:id="rId16"/>
+    <p:sldId id="271" r:id="rId17"/>
+    <p:sldId id="272" r:id="rId18"/>
+    <p:sldId id="273" r:id="rId19"/>
   </p:sldIdLst>
   <p:sldSz cx="12192000" cy="6858000"/>
   <p:notesSz cx="6858000" cy="9144000"/>
@@ -124,6 +132,607 @@
 </p:presentation>
 </file>
 
+<file path=ppt/notesMasters/notesMaster1.xml><?xml version="1.0" encoding="utf-8"?>
+<p:notesMaster xmlns:a="http://schemas.openxmlformats.org/drawingml/2006/main" xmlns:r="http://schemas.openxmlformats.org/officeDocument/2006/relationships" xmlns:p="http://schemas.openxmlformats.org/presentationml/2006/main">
+  <p:cSld>
+    <p:bg>
+      <p:bgRef idx="1001">
+        <a:schemeClr val="bg1"/>
+      </p:bgRef>
+    </p:bg>
+    <p:spTree>
+      <p:nvGrpSpPr>
+        <p:cNvPr id="1" name=""/>
+        <p:cNvGrpSpPr/>
+        <p:nvPr/>
+      </p:nvGrpSpPr>
+      <p:grpSpPr>
+        <a:xfrm>
+          <a:off x="0" y="0"/>
+          <a:ext cx="0" cy="0"/>
+          <a:chOff x="0" y="0"/>
+          <a:chExt cx="0" cy="0"/>
+        </a:xfrm>
+      </p:grpSpPr>
+      <p:sp>
+        <p:nvSpPr>
+          <p:cNvPr id="2" name="Header Placeholder 1"/>
+          <p:cNvSpPr>
+            <a:spLocks noGrp="1"/>
+          </p:cNvSpPr>
+          <p:nvPr>
+            <p:ph type="hdr" sz="quarter"/>
+          </p:nvPr>
+        </p:nvSpPr>
+        <p:spPr>
+          <a:xfrm>
+            <a:off x="0" y="0"/>
+            <a:ext cx="2971800" cy="458788"/>
+          </a:xfrm>
+          <a:prstGeom prst="rect">
+            <a:avLst/>
+          </a:prstGeom>
+        </p:spPr>
+        <p:txBody>
+          <a:bodyPr vert="horz" lIns="91440" tIns="45720" rIns="91440" bIns="45720" rtlCol="0"/>
+          <a:lstStyle>
+            <a:lvl1pPr algn="l">
+              <a:defRPr sz="1200"/>
+            </a:lvl1pPr>
+          </a:lstStyle>
+          <a:p>
+            <a:endParaRPr lang="en-US"/>
+          </a:p>
+        </p:txBody>
+      </p:sp>
+      <p:sp>
+        <p:nvSpPr>
+          <p:cNvPr id="3" name="Date Placeholder 2"/>
+          <p:cNvSpPr>
+            <a:spLocks noGrp="1"/>
+          </p:cNvSpPr>
+          <p:nvPr>
+            <p:ph type="dt" idx="1"/>
+          </p:nvPr>
+        </p:nvSpPr>
+        <p:spPr>
+          <a:xfrm>
+            <a:off x="3884613" y="0"/>
+            <a:ext cx="2971800" cy="458788"/>
+          </a:xfrm>
+          <a:prstGeom prst="rect">
+            <a:avLst/>
+          </a:prstGeom>
+        </p:spPr>
+        <p:txBody>
+          <a:bodyPr vert="horz" lIns="91440" tIns="45720" rIns="91440" bIns="45720" rtlCol="0"/>
+          <a:lstStyle>
+            <a:lvl1pPr algn="r">
+              <a:defRPr sz="1200"/>
+            </a:lvl1pPr>
+          </a:lstStyle>
+          <a:p>
+            <a:fld id="{A079C53D-E9F5-4253-B088-62086649C9D2}" type="datetimeFigureOut">
+              <a:rPr lang="en-US" smtClean="0"/>
+              <a:t>9/10/2024</a:t>
+            </a:fld>
+            <a:endParaRPr lang="en-US"/>
+          </a:p>
+        </p:txBody>
+      </p:sp>
+      <p:sp>
+        <p:nvSpPr>
+          <p:cNvPr id="4" name="Slide Image Placeholder 3"/>
+          <p:cNvSpPr>
+            <a:spLocks noGrp="1" noRot="1" noChangeAspect="1"/>
+          </p:cNvSpPr>
+          <p:nvPr>
+            <p:ph type="sldImg" idx="2"/>
+          </p:nvPr>
+        </p:nvSpPr>
+        <p:spPr>
+          <a:xfrm>
+            <a:off x="685800" y="1143000"/>
+            <a:ext cx="5486400" cy="3086100"/>
+          </a:xfrm>
+          <a:prstGeom prst="rect">
+            <a:avLst/>
+          </a:prstGeom>
+          <a:noFill/>
+          <a:ln w="12700">
+            <a:solidFill>
+              <a:prstClr val="black"/>
+            </a:solidFill>
+          </a:ln>
+        </p:spPr>
+        <p:txBody>
+          <a:bodyPr vert="horz" lIns="91440" tIns="45720" rIns="91440" bIns="45720" rtlCol="0" anchor="ctr"/>
+          <a:lstStyle/>
+          <a:p>
+            <a:endParaRPr lang="en-US"/>
+          </a:p>
+        </p:txBody>
+      </p:sp>
+      <p:sp>
+        <p:nvSpPr>
+          <p:cNvPr id="5" name="Notes Placeholder 4"/>
+          <p:cNvSpPr>
+            <a:spLocks noGrp="1"/>
+          </p:cNvSpPr>
+          <p:nvPr>
+            <p:ph type="body" sz="quarter" idx="3"/>
+          </p:nvPr>
+        </p:nvSpPr>
+        <p:spPr>
+          <a:xfrm>
+            <a:off x="685800" y="4400550"/>
+            <a:ext cx="5486400" cy="3600450"/>
+          </a:xfrm>
+          <a:prstGeom prst="rect">
+            <a:avLst/>
+          </a:prstGeom>
+        </p:spPr>
+        <p:txBody>
+          <a:bodyPr vert="horz" lIns="91440" tIns="45720" rIns="91440" bIns="45720" rtlCol="0"/>
+          <a:lstStyle/>
+          <a:p>
+            <a:pPr lvl="0"/>
+            <a:r>
+              <a:rPr lang="en-US"/>
+              <a:t>Click to edit Master text styles</a:t>
+            </a:r>
+          </a:p>
+          <a:p>
+            <a:pPr lvl="1"/>
+            <a:r>
+              <a:rPr lang="en-US"/>
+              <a:t>Second level</a:t>
+            </a:r>
+          </a:p>
+          <a:p>
+            <a:pPr lvl="2"/>
+            <a:r>
+              <a:rPr lang="en-US"/>
+              <a:t>Third level</a:t>
+            </a:r>
+          </a:p>
+          <a:p>
+            <a:pPr lvl="3"/>
+            <a:r>
+              <a:rPr lang="en-US"/>
+              <a:t>Fourth level</a:t>
+            </a:r>
+          </a:p>
+          <a:p>
+            <a:pPr lvl="4"/>
+            <a:r>
+              <a:rPr lang="en-US"/>
+              <a:t>Fifth level</a:t>
+            </a:r>
+          </a:p>
+        </p:txBody>
+      </p:sp>
+      <p:sp>
+        <p:nvSpPr>
+          <p:cNvPr id="6" name="Footer Placeholder 5"/>
+          <p:cNvSpPr>
+            <a:spLocks noGrp="1"/>
+          </p:cNvSpPr>
+          <p:nvPr>
+            <p:ph type="ftr" sz="quarter" idx="4"/>
+          </p:nvPr>
+        </p:nvSpPr>
+        <p:spPr>
+          <a:xfrm>
+            <a:off x="0" y="8685213"/>
+            <a:ext cx="2971800" cy="458787"/>
+          </a:xfrm>
+          <a:prstGeom prst="rect">
+            <a:avLst/>
+          </a:prstGeom>
+        </p:spPr>
+        <p:txBody>
+          <a:bodyPr vert="horz" lIns="91440" tIns="45720" rIns="91440" bIns="45720" rtlCol="0" anchor="b"/>
+          <a:lstStyle>
+            <a:lvl1pPr algn="l">
+              <a:defRPr sz="1200"/>
+            </a:lvl1pPr>
+          </a:lstStyle>
+          <a:p>
+            <a:endParaRPr lang="en-US"/>
+          </a:p>
+        </p:txBody>
+      </p:sp>
+      <p:sp>
+        <p:nvSpPr>
+          <p:cNvPr id="7" name="Slide Number Placeholder 6"/>
+          <p:cNvSpPr>
+            <a:spLocks noGrp="1"/>
+          </p:cNvSpPr>
+          <p:nvPr>
+            <p:ph type="sldNum" sz="quarter" idx="5"/>
+          </p:nvPr>
+        </p:nvSpPr>
+        <p:spPr>
+          <a:xfrm>
+            <a:off x="3884613" y="8685213"/>
+            <a:ext cx="2971800" cy="458787"/>
+          </a:xfrm>
+          <a:prstGeom prst="rect">
+            <a:avLst/>
+          </a:prstGeom>
+        </p:spPr>
+        <p:txBody>
+          <a:bodyPr vert="horz" lIns="91440" tIns="45720" rIns="91440" bIns="45720" rtlCol="0" anchor="b"/>
+          <a:lstStyle>
+            <a:lvl1pPr algn="r">
+              <a:defRPr sz="1200"/>
+            </a:lvl1pPr>
+          </a:lstStyle>
+          <a:p>
+            <a:fld id="{0A80797F-BB07-43E2-8CA2-96F08879F34C}" type="slidenum">
+              <a:rPr lang="en-US" smtClean="0"/>
+              <a:t>‹#›</a:t>
+            </a:fld>
+            <a:endParaRPr lang="en-US"/>
+          </a:p>
+        </p:txBody>
+      </p:sp>
+    </p:spTree>
+    <p:extLst>
+      <p:ext uri="{BB962C8B-B14F-4D97-AF65-F5344CB8AC3E}">
+        <p14:creationId xmlns:p14="http://schemas.microsoft.com/office/powerpoint/2010/main" val="3233453148"/>
+      </p:ext>
+    </p:extLst>
+  </p:cSld>
+  <p:clrMap bg1="lt1" tx1="dk1" bg2="lt2" tx2="dk2" accent1="accent1" accent2="accent2" accent3="accent3" accent4="accent4" accent5="accent5" accent6="accent6" hlink="hlink" folHlink="folHlink"/>
+  <p:notesStyle>
+    <a:lvl1pPr marL="0" algn="l" defTabSz="914400" rtl="0" eaLnBrk="1" latinLnBrk="0" hangingPunct="1">
+      <a:defRPr sz="1200" kern="1200">
+        <a:solidFill>
+          <a:schemeClr val="tx1"/>
+        </a:solidFill>
+        <a:latin typeface="+mn-lt"/>
+        <a:ea typeface="+mn-ea"/>
+        <a:cs typeface="+mn-cs"/>
+      </a:defRPr>
+    </a:lvl1pPr>
+    <a:lvl2pPr marL="457200" algn="l" defTabSz="914400" rtl="0" eaLnBrk="1" latinLnBrk="0" hangingPunct="1">
+      <a:defRPr sz="1200" kern="1200">
+        <a:solidFill>
+          <a:schemeClr val="tx1"/>
+        </a:solidFill>
+        <a:latin typeface="+mn-lt"/>
+        <a:ea typeface="+mn-ea"/>
+        <a:cs typeface="+mn-cs"/>
+      </a:defRPr>
+    </a:lvl2pPr>
+    <a:lvl3pPr marL="914400" algn="l" defTabSz="914400" rtl="0" eaLnBrk="1" latinLnBrk="0" hangingPunct="1">
+      <a:defRPr sz="1200" kern="1200">
+        <a:solidFill>
+          <a:schemeClr val="tx1"/>
+        </a:solidFill>
+        <a:latin typeface="+mn-lt"/>
+        <a:ea typeface="+mn-ea"/>
+        <a:cs typeface="+mn-cs"/>
+      </a:defRPr>
+    </a:lvl3pPr>
+    <a:lvl4pPr marL="1371600" algn="l" defTabSz="914400" rtl="0" eaLnBrk="1" latinLnBrk="0" hangingPunct="1">
+      <a:defRPr sz="1200" kern="1200">
+        <a:solidFill>
+          <a:schemeClr val="tx1"/>
+        </a:solidFill>
+        <a:latin typeface="+mn-lt"/>
+        <a:ea typeface="+mn-ea"/>
+        <a:cs typeface="+mn-cs"/>
+      </a:defRPr>
+    </a:lvl4pPr>
+    <a:lvl5pPr marL="1828800" algn="l" defTabSz="914400" rtl="0" eaLnBrk="1" latinLnBrk="0" hangingPunct="1">
+      <a:defRPr sz="1200" kern="1200">
+        <a:solidFill>
+          <a:schemeClr val="tx1"/>
+        </a:solidFill>
+        <a:latin typeface="+mn-lt"/>
+        <a:ea typeface="+mn-ea"/>
+        <a:cs typeface="+mn-cs"/>
+      </a:defRPr>
+    </a:lvl5pPr>
+    <a:lvl6pPr marL="2286000" algn="l" defTabSz="914400" rtl="0" eaLnBrk="1" latinLnBrk="0" hangingPunct="1">
+      <a:defRPr sz="1200" kern="1200">
+        <a:solidFill>
+          <a:schemeClr val="tx1"/>
+        </a:solidFill>
+        <a:latin typeface="+mn-lt"/>
+        <a:ea typeface="+mn-ea"/>
+        <a:cs typeface="+mn-cs"/>
+      </a:defRPr>
+    </a:lvl6pPr>
+    <a:lvl7pPr marL="2743200" algn="l" defTabSz="914400" rtl="0" eaLnBrk="1" latinLnBrk="0" hangingPunct="1">
+      <a:defRPr sz="1200" kern="1200">
+        <a:solidFill>
+          <a:schemeClr val="tx1"/>
+        </a:solidFill>
+        <a:latin typeface="+mn-lt"/>
+        <a:ea typeface="+mn-ea"/>
+        <a:cs typeface="+mn-cs"/>
+      </a:defRPr>
+    </a:lvl7pPr>
+    <a:lvl8pPr marL="3200400" algn="l" defTabSz="914400" rtl="0" eaLnBrk="1" latinLnBrk="0" hangingPunct="1">
+      <a:defRPr sz="1200" kern="1200">
+        <a:solidFill>
+          <a:schemeClr val="tx1"/>
+        </a:solidFill>
+        <a:latin typeface="+mn-lt"/>
+        <a:ea typeface="+mn-ea"/>
+        <a:cs typeface="+mn-cs"/>
+      </a:defRPr>
+    </a:lvl8pPr>
+    <a:lvl9pPr marL="3657600" algn="l" defTabSz="914400" rtl="0" eaLnBrk="1" latinLnBrk="0" hangingPunct="1">
+      <a:defRPr sz="1200" kern="1200">
+        <a:solidFill>
+          <a:schemeClr val="tx1"/>
+        </a:solidFill>
+        <a:latin typeface="+mn-lt"/>
+        <a:ea typeface="+mn-ea"/>
+        <a:cs typeface="+mn-cs"/>
+      </a:defRPr>
+    </a:lvl9pPr>
+  </p:notesStyle>
+</p:notesMaster>
+</file>
+
+<file path=ppt/notesSlides/notesSlide1.xml><?xml version="1.0" encoding="utf-8"?>
+<p:notes xmlns:a="http://schemas.openxmlformats.org/drawingml/2006/main" xmlns:r="http://schemas.openxmlformats.org/officeDocument/2006/relationships" xmlns:p="http://schemas.openxmlformats.org/presentationml/2006/main">
+  <p:cSld>
+    <p:spTree>
+      <p:nvGrpSpPr>
+        <p:cNvPr id="1" name=""/>
+        <p:cNvGrpSpPr/>
+        <p:nvPr/>
+      </p:nvGrpSpPr>
+      <p:grpSpPr>
+        <a:xfrm>
+          <a:off x="0" y="0"/>
+          <a:ext cx="0" cy="0"/>
+          <a:chOff x="0" y="0"/>
+          <a:chExt cx="0" cy="0"/>
+        </a:xfrm>
+      </p:grpSpPr>
+      <p:sp>
+        <p:nvSpPr>
+          <p:cNvPr id="2" name="Slide Image Placeholder 1"/>
+          <p:cNvSpPr>
+            <a:spLocks noGrp="1" noRot="1" noChangeAspect="1"/>
+          </p:cNvSpPr>
+          <p:nvPr>
+            <p:ph type="sldImg"/>
+          </p:nvPr>
+        </p:nvSpPr>
+        <p:spPr/>
+      </p:sp>
+      <p:sp>
+        <p:nvSpPr>
+          <p:cNvPr id="3" name="Notes Placeholder 2"/>
+          <p:cNvSpPr>
+            <a:spLocks noGrp="1"/>
+          </p:cNvSpPr>
+          <p:nvPr>
+            <p:ph type="body" idx="1"/>
+          </p:nvPr>
+        </p:nvSpPr>
+        <p:spPr/>
+        <p:txBody>
+          <a:bodyPr/>
+          <a:lstStyle/>
+          <a:p>
+            <a:endParaRPr lang="en-US"/>
+          </a:p>
+        </p:txBody>
+      </p:sp>
+      <p:sp>
+        <p:nvSpPr>
+          <p:cNvPr id="4" name="Slide Number Placeholder 3"/>
+          <p:cNvSpPr>
+            <a:spLocks noGrp="1"/>
+          </p:cNvSpPr>
+          <p:nvPr>
+            <p:ph type="sldNum" sz="quarter" idx="5"/>
+          </p:nvPr>
+        </p:nvSpPr>
+        <p:spPr/>
+        <p:txBody>
+          <a:bodyPr/>
+          <a:lstStyle/>
+          <a:p>
+            <a:fld id="{0A80797F-BB07-43E2-8CA2-96F08879F34C}" type="slidenum">
+              <a:rPr lang="en-US" smtClean="0"/>
+              <a:t>1</a:t>
+            </a:fld>
+            <a:endParaRPr lang="en-US"/>
+          </a:p>
+        </p:txBody>
+      </p:sp>
+    </p:spTree>
+    <p:extLst>
+      <p:ext uri="{BB962C8B-B14F-4D97-AF65-F5344CB8AC3E}">
+        <p14:creationId xmlns:p14="http://schemas.microsoft.com/office/powerpoint/2010/main" val="2136094375"/>
+      </p:ext>
+    </p:extLst>
+  </p:cSld>
+  <p:clrMapOvr>
+    <a:masterClrMapping/>
+  </p:clrMapOvr>
+</p:notes>
+</file>
+
+<file path=ppt/notesSlides/notesSlide2.xml><?xml version="1.0" encoding="utf-8"?>
+<p:notes xmlns:a="http://schemas.openxmlformats.org/drawingml/2006/main" xmlns:r="http://schemas.openxmlformats.org/officeDocument/2006/relationships" xmlns:p="http://schemas.openxmlformats.org/presentationml/2006/main">
+  <p:cSld>
+    <p:spTree>
+      <p:nvGrpSpPr>
+        <p:cNvPr id="1" name=""/>
+        <p:cNvGrpSpPr/>
+        <p:nvPr/>
+      </p:nvGrpSpPr>
+      <p:grpSpPr>
+        <a:xfrm>
+          <a:off x="0" y="0"/>
+          <a:ext cx="0" cy="0"/>
+          <a:chOff x="0" y="0"/>
+          <a:chExt cx="0" cy="0"/>
+        </a:xfrm>
+      </p:grpSpPr>
+      <p:sp>
+        <p:nvSpPr>
+          <p:cNvPr id="2" name="Slide Image Placeholder 1"/>
+          <p:cNvSpPr>
+            <a:spLocks noGrp="1" noRot="1" noChangeAspect="1"/>
+          </p:cNvSpPr>
+          <p:nvPr>
+            <p:ph type="sldImg"/>
+          </p:nvPr>
+        </p:nvSpPr>
+        <p:spPr/>
+      </p:sp>
+      <p:sp>
+        <p:nvSpPr>
+          <p:cNvPr id="3" name="Notes Placeholder 2"/>
+          <p:cNvSpPr>
+            <a:spLocks noGrp="1"/>
+          </p:cNvSpPr>
+          <p:nvPr>
+            <p:ph type="body" idx="1"/>
+          </p:nvPr>
+        </p:nvSpPr>
+        <p:spPr/>
+        <p:txBody>
+          <a:bodyPr/>
+          <a:lstStyle/>
+          <a:p>
+            <a:endParaRPr lang="en-US" dirty="0"/>
+          </a:p>
+        </p:txBody>
+      </p:sp>
+      <p:sp>
+        <p:nvSpPr>
+          <p:cNvPr id="4" name="Slide Number Placeholder 3"/>
+          <p:cNvSpPr>
+            <a:spLocks noGrp="1"/>
+          </p:cNvSpPr>
+          <p:nvPr>
+            <p:ph type="sldNum" sz="quarter" idx="5"/>
+          </p:nvPr>
+        </p:nvSpPr>
+        <p:spPr/>
+        <p:txBody>
+          <a:bodyPr/>
+          <a:lstStyle/>
+          <a:p>
+            <a:fld id="{0A80797F-BB07-43E2-8CA2-96F08879F34C}" type="slidenum">
+              <a:rPr lang="en-US" smtClean="0"/>
+              <a:t>16</a:t>
+            </a:fld>
+            <a:endParaRPr lang="en-US"/>
+          </a:p>
+        </p:txBody>
+      </p:sp>
+    </p:spTree>
+    <p:extLst>
+      <p:ext uri="{BB962C8B-B14F-4D97-AF65-F5344CB8AC3E}">
+        <p14:creationId xmlns:p14="http://schemas.microsoft.com/office/powerpoint/2010/main" val="1260060846"/>
+      </p:ext>
+    </p:extLst>
+  </p:cSld>
+  <p:clrMapOvr>
+    <a:masterClrMapping/>
+  </p:clrMapOvr>
+</p:notes>
+</file>
+
+<file path=ppt/notesSlides/notesSlide3.xml><?xml version="1.0" encoding="utf-8"?>
+<p:notes xmlns:a="http://schemas.openxmlformats.org/drawingml/2006/main" xmlns:r="http://schemas.openxmlformats.org/officeDocument/2006/relationships" xmlns:p="http://schemas.openxmlformats.org/presentationml/2006/main">
+  <p:cSld>
+    <p:spTree>
+      <p:nvGrpSpPr>
+        <p:cNvPr id="1" name=""/>
+        <p:cNvGrpSpPr/>
+        <p:nvPr/>
+      </p:nvGrpSpPr>
+      <p:grpSpPr>
+        <a:xfrm>
+          <a:off x="0" y="0"/>
+          <a:ext cx="0" cy="0"/>
+          <a:chOff x="0" y="0"/>
+          <a:chExt cx="0" cy="0"/>
+        </a:xfrm>
+      </p:grpSpPr>
+      <p:sp>
+        <p:nvSpPr>
+          <p:cNvPr id="2" name="Slide Image Placeholder 1"/>
+          <p:cNvSpPr>
+            <a:spLocks noGrp="1" noRot="1" noChangeAspect="1"/>
+          </p:cNvSpPr>
+          <p:nvPr>
+            <p:ph type="sldImg"/>
+          </p:nvPr>
+        </p:nvSpPr>
+        <p:spPr/>
+      </p:sp>
+      <p:sp>
+        <p:nvSpPr>
+          <p:cNvPr id="3" name="Notes Placeholder 2"/>
+          <p:cNvSpPr>
+            <a:spLocks noGrp="1"/>
+          </p:cNvSpPr>
+          <p:nvPr>
+            <p:ph type="body" idx="1"/>
+          </p:nvPr>
+        </p:nvSpPr>
+        <p:spPr/>
+        <p:txBody>
+          <a:bodyPr/>
+          <a:lstStyle/>
+          <a:p>
+            <a:endParaRPr lang="en-US" dirty="0"/>
+          </a:p>
+        </p:txBody>
+      </p:sp>
+      <p:sp>
+        <p:nvSpPr>
+          <p:cNvPr id="4" name="Slide Number Placeholder 3"/>
+          <p:cNvSpPr>
+            <a:spLocks noGrp="1"/>
+          </p:cNvSpPr>
+          <p:nvPr>
+            <p:ph type="sldNum" sz="quarter" idx="5"/>
+          </p:nvPr>
+        </p:nvSpPr>
+        <p:spPr/>
+        <p:txBody>
+          <a:bodyPr/>
+          <a:lstStyle/>
+          <a:p>
+            <a:fld id="{0A80797F-BB07-43E2-8CA2-96F08879F34C}" type="slidenum">
+              <a:rPr lang="en-US" smtClean="0"/>
+              <a:t>17</a:t>
+            </a:fld>
+            <a:endParaRPr lang="en-US"/>
+          </a:p>
+        </p:txBody>
+      </p:sp>
+    </p:spTree>
+    <p:extLst>
+      <p:ext uri="{BB962C8B-B14F-4D97-AF65-F5344CB8AC3E}">
+        <p14:creationId xmlns:p14="http://schemas.microsoft.com/office/powerpoint/2010/main" val="3538546937"/>
+      </p:ext>
+    </p:extLst>
+  </p:cSld>
+  <p:clrMapOvr>
+    <a:masterClrMapping/>
+  </p:clrMapOvr>
+</p:notes>
+</file>
+
 <file path=ppt/slideLayouts/slideLayout1.xml><?xml version="1.0" encoding="utf-8"?>
 <p:sldLayout xmlns:a="http://schemas.openxmlformats.org/drawingml/2006/main" xmlns:r="http://schemas.openxmlformats.org/officeDocument/2006/relationships" xmlns:p="http://schemas.openxmlformats.org/presentationml/2006/main" type="title" preserve="1">
   <p:cSld name="Title Slide">
@@ -271,7 +880,7 @@
           <a:p>
             <a:fld id="{0E6B98C6-4E2D-4493-BB6F-B0B550CAA038}" type="datetimeFigureOut">
               <a:rPr lang="en-US" smtClean="0"/>
-              <a:t>8/24/2024</a:t>
+              <a:t>9/10/2024</a:t>
             </a:fld>
             <a:endParaRPr lang="en-US"/>
           </a:p>
@@ -469,7 +1078,7 @@
           <a:p>
             <a:fld id="{0E6B98C6-4E2D-4493-BB6F-B0B550CAA038}" type="datetimeFigureOut">
               <a:rPr lang="en-US" smtClean="0"/>
-              <a:t>8/24/2024</a:t>
+              <a:t>9/10/2024</a:t>
             </a:fld>
             <a:endParaRPr lang="en-US"/>
           </a:p>
@@ -677,7 +1286,7 @@
           <a:p>
             <a:fld id="{0E6B98C6-4E2D-4493-BB6F-B0B550CAA038}" type="datetimeFigureOut">
               <a:rPr lang="en-US" smtClean="0"/>
-              <a:t>8/24/2024</a:t>
+              <a:t>9/10/2024</a:t>
             </a:fld>
             <a:endParaRPr lang="en-US"/>
           </a:p>
@@ -875,7 +1484,7 @@
           <a:p>
             <a:fld id="{0E6B98C6-4E2D-4493-BB6F-B0B550CAA038}" type="datetimeFigureOut">
               <a:rPr lang="en-US" smtClean="0"/>
-              <a:t>8/24/2024</a:t>
+              <a:t>9/10/2024</a:t>
             </a:fld>
             <a:endParaRPr lang="en-US"/>
           </a:p>
@@ -1150,7 +1759,7 @@
           <a:p>
             <a:fld id="{0E6B98C6-4E2D-4493-BB6F-B0B550CAA038}" type="datetimeFigureOut">
               <a:rPr lang="en-US" smtClean="0"/>
-              <a:t>8/24/2024</a:t>
+              <a:t>9/10/2024</a:t>
             </a:fld>
             <a:endParaRPr lang="en-US"/>
           </a:p>
@@ -1415,7 +2024,7 @@
           <a:p>
             <a:fld id="{0E6B98C6-4E2D-4493-BB6F-B0B550CAA038}" type="datetimeFigureOut">
               <a:rPr lang="en-US" smtClean="0"/>
-              <a:t>8/24/2024</a:t>
+              <a:t>9/10/2024</a:t>
             </a:fld>
             <a:endParaRPr lang="en-US"/>
           </a:p>
@@ -1827,7 +2436,7 @@
           <a:p>
             <a:fld id="{0E6B98C6-4E2D-4493-BB6F-B0B550CAA038}" type="datetimeFigureOut">
               <a:rPr lang="en-US" smtClean="0"/>
-              <a:t>8/24/2024</a:t>
+              <a:t>9/10/2024</a:t>
             </a:fld>
             <a:endParaRPr lang="en-US"/>
           </a:p>
@@ -1968,7 +2577,7 @@
           <a:p>
             <a:fld id="{0E6B98C6-4E2D-4493-BB6F-B0B550CAA038}" type="datetimeFigureOut">
               <a:rPr lang="en-US" smtClean="0"/>
-              <a:t>8/24/2024</a:t>
+              <a:t>9/10/2024</a:t>
             </a:fld>
             <a:endParaRPr lang="en-US"/>
           </a:p>
@@ -2081,7 +2690,7 @@
           <a:p>
             <a:fld id="{0E6B98C6-4E2D-4493-BB6F-B0B550CAA038}" type="datetimeFigureOut">
               <a:rPr lang="en-US" smtClean="0"/>
-              <a:t>8/24/2024</a:t>
+              <a:t>9/10/2024</a:t>
             </a:fld>
             <a:endParaRPr lang="en-US"/>
           </a:p>
@@ -2392,7 +3001,7 @@
           <a:p>
             <a:fld id="{0E6B98C6-4E2D-4493-BB6F-B0B550CAA038}" type="datetimeFigureOut">
               <a:rPr lang="en-US" smtClean="0"/>
-              <a:t>8/24/2024</a:t>
+              <a:t>9/10/2024</a:t>
             </a:fld>
             <a:endParaRPr lang="en-US"/>
           </a:p>
@@ -2680,7 +3289,7 @@
           <a:p>
             <a:fld id="{0E6B98C6-4E2D-4493-BB6F-B0B550CAA038}" type="datetimeFigureOut">
               <a:rPr lang="en-US" smtClean="0"/>
-              <a:t>8/24/2024</a:t>
+              <a:t>9/10/2024</a:t>
             </a:fld>
             <a:endParaRPr lang="en-US"/>
           </a:p>
@@ -2921,7 +3530,7 @@
           <a:p>
             <a:fld id="{0E6B98C6-4E2D-4493-BB6F-B0B550CAA038}" type="datetimeFigureOut">
               <a:rPr lang="en-US" smtClean="0"/>
-              <a:t>8/24/2024</a:t>
+              <a:t>9/10/2024</a:t>
             </a:fld>
             <a:endParaRPr lang="en-US"/>
           </a:p>
@@ -3540,8 +4149,8 @@
         </p:nvSpPr>
         <p:spPr>
           <a:xfrm>
-            <a:off x="6046747" y="3358863"/>
-            <a:ext cx="7770010" cy="5350337"/>
+            <a:off x="6046746" y="3358863"/>
+            <a:ext cx="8194349" cy="5350337"/>
           </a:xfrm>
           <a:prstGeom prst="roundRect">
             <a:avLst>
@@ -3606,14 +4215,14 @@
           <p:nvPr/>
         </p:nvPicPr>
         <p:blipFill>
-          <a:blip r:embed="rId2"/>
+          <a:blip r:embed="rId3"/>
           <a:stretch>
             <a:fillRect/>
           </a:stretch>
         </p:blipFill>
         <p:spPr>
           <a:xfrm>
-            <a:off x="7591407" y="3301003"/>
+            <a:off x="7993585" y="3410673"/>
             <a:ext cx="5047926" cy="1518036"/>
           </a:xfrm>
           <a:prstGeom prst="rect">
@@ -4163,10 +4772,10 @@
           <p:nvPr/>
         </p:nvPicPr>
         <p:blipFill>
-          <a:blip r:embed="rId3">
+          <a:blip r:embed="rId4">
             <a:extLst>
               <a:ext uri="{96DAC541-7B7A-43D3-8B79-37D633B846F1}">
-                <asvg:svgBlip xmlns:asvg="http://schemas.microsoft.com/office/drawing/2016/SVG/main" r:embed="rId4"/>
+                <asvg:svgBlip xmlns:asvg="http://schemas.microsoft.com/office/drawing/2016/SVG/main" r:embed="rId5"/>
               </a:ext>
             </a:extLst>
           </a:blip>
@@ -4241,7 +4850,7 @@
           <p:nvPr/>
         </p:nvPicPr>
         <p:blipFill>
-          <a:blip r:embed="rId5"/>
+          <a:blip r:embed="rId6"/>
           <a:stretch>
             <a:fillRect/>
           </a:stretch>
@@ -4271,7 +4880,7 @@
           <p:nvPr/>
         </p:nvPicPr>
         <p:blipFill>
-          <a:blip r:embed="rId6">
+          <a:blip r:embed="rId7">
             <a:extLst>
               <a:ext uri="{28A0092B-C50C-407E-A947-70E740481C1C}">
                 <a14:useLocalDpi xmlns:a14="http://schemas.microsoft.com/office/drawing/2010/main" val="0"/>
@@ -4298,36 +4907,6 @@
             <a:extLst>
               <a:ext uri="{FF2B5EF4-FFF2-40B4-BE49-F238E27FC236}">
                 <a16:creationId xmlns:a16="http://schemas.microsoft.com/office/drawing/2014/main" id="{0A8E8943-F52A-DCF0-787A-27E7F423F7C6}"/>
-              </a:ext>
-            </a:extLst>
-          </p:cNvPr>
-          <p:cNvPicPr>
-            <a:picLocks noChangeAspect="1"/>
-          </p:cNvPicPr>
-          <p:nvPr/>
-        </p:nvPicPr>
-        <p:blipFill>
-          <a:blip r:embed="rId7"/>
-          <a:stretch>
-            <a:fillRect/>
-          </a:stretch>
-        </p:blipFill>
-        <p:spPr>
-          <a:xfrm>
-            <a:off x="1563567" y="3643992"/>
-            <a:ext cx="2170364" cy="749873"/>
-          </a:xfrm>
-          <a:prstGeom prst="rect">
-            <a:avLst/>
-          </a:prstGeom>
-        </p:spPr>
-      </p:pic>
-      <p:pic>
-        <p:nvPicPr>
-          <p:cNvPr id="55" name="Picture 54">
-            <a:extLst>
-              <a:ext uri="{FF2B5EF4-FFF2-40B4-BE49-F238E27FC236}">
-                <a16:creationId xmlns:a16="http://schemas.microsoft.com/office/drawing/2014/main" id="{35AD3578-C169-C8E2-8FF9-0E809F4659D4}"/>
               </a:ext>
             </a:extLst>
           </p:cNvPr>
@@ -4344,8 +4923,8 @@
         </p:blipFill>
         <p:spPr>
           <a:xfrm>
-            <a:off x="7901159" y="1337117"/>
-            <a:ext cx="4157832" cy="749873"/>
+            <a:off x="1563567" y="3643992"/>
+            <a:ext cx="2170364" cy="749873"/>
           </a:xfrm>
           <a:prstGeom prst="rect">
             <a:avLst/>
@@ -4354,10 +4933,10 @@
       </p:pic>
       <p:pic>
         <p:nvPicPr>
-          <p:cNvPr id="57" name="Picture 56">
-            <a:extLst>
-              <a:ext uri="{FF2B5EF4-FFF2-40B4-BE49-F238E27FC236}">
-                <a16:creationId xmlns:a16="http://schemas.microsoft.com/office/drawing/2014/main" id="{6D37C884-3F5F-B457-6907-E874603EDC0F}"/>
+          <p:cNvPr id="55" name="Picture 54">
+            <a:extLst>
+              <a:ext uri="{FF2B5EF4-FFF2-40B4-BE49-F238E27FC236}">
+                <a16:creationId xmlns:a16="http://schemas.microsoft.com/office/drawing/2014/main" id="{35AD3578-C169-C8E2-8FF9-0E809F4659D4}"/>
               </a:ext>
             </a:extLst>
           </p:cNvPr>
@@ -4374,8 +4953,8 @@
         </p:blipFill>
         <p:spPr>
           <a:xfrm>
-            <a:off x="7460063" y="1616701"/>
-            <a:ext cx="2048434" cy="749873"/>
+            <a:off x="7901159" y="1337117"/>
+            <a:ext cx="4157832" cy="749873"/>
           </a:xfrm>
           <a:prstGeom prst="rect">
             <a:avLst/>
@@ -4384,10 +4963,10 @@
       </p:pic>
       <p:pic>
         <p:nvPicPr>
-          <p:cNvPr id="59" name="Picture 58">
-            <a:extLst>
-              <a:ext uri="{FF2B5EF4-FFF2-40B4-BE49-F238E27FC236}">
-                <a16:creationId xmlns:a16="http://schemas.microsoft.com/office/drawing/2014/main" id="{43CE7573-1021-1E40-BE79-7D26F186AE78}"/>
+          <p:cNvPr id="57" name="Picture 56">
+            <a:extLst>
+              <a:ext uri="{FF2B5EF4-FFF2-40B4-BE49-F238E27FC236}">
+                <a16:creationId xmlns:a16="http://schemas.microsoft.com/office/drawing/2014/main" id="{6D37C884-3F5F-B457-6907-E874603EDC0F}"/>
               </a:ext>
             </a:extLst>
           </p:cNvPr>
@@ -4404,8 +4983,8 @@
         </p:blipFill>
         <p:spPr>
           <a:xfrm>
-            <a:off x="6248400" y="1361985"/>
-            <a:ext cx="2127688" cy="749873"/>
+            <a:off x="7460063" y="1616701"/>
+            <a:ext cx="2048434" cy="749873"/>
           </a:xfrm>
           <a:prstGeom prst="rect">
             <a:avLst/>
@@ -4414,10 +4993,10 @@
       </p:pic>
       <p:pic>
         <p:nvPicPr>
-          <p:cNvPr id="61" name="Picture 60">
-            <a:extLst>
-              <a:ext uri="{FF2B5EF4-FFF2-40B4-BE49-F238E27FC236}">
-                <a16:creationId xmlns:a16="http://schemas.microsoft.com/office/drawing/2014/main" id="{639F8B20-84AE-4996-EBDD-C8AC67730C3C}"/>
+          <p:cNvPr id="59" name="Picture 58">
+            <a:extLst>
+              <a:ext uri="{FF2B5EF4-FFF2-40B4-BE49-F238E27FC236}">
+                <a16:creationId xmlns:a16="http://schemas.microsoft.com/office/drawing/2014/main" id="{43CE7573-1021-1E40-BE79-7D26F186AE78}"/>
               </a:ext>
             </a:extLst>
           </p:cNvPr>
@@ -4434,8 +5013,8 @@
         </p:blipFill>
         <p:spPr>
           <a:xfrm>
-            <a:off x="6435846" y="1949936"/>
-            <a:ext cx="2048434" cy="749873"/>
+            <a:off x="6248400" y="1361985"/>
+            <a:ext cx="2127688" cy="749873"/>
           </a:xfrm>
           <a:prstGeom prst="rect">
             <a:avLst/>
@@ -4444,10 +5023,10 @@
       </p:pic>
       <p:pic>
         <p:nvPicPr>
-          <p:cNvPr id="10" name="Picture 9">
-            <a:extLst>
-              <a:ext uri="{FF2B5EF4-FFF2-40B4-BE49-F238E27FC236}">
-                <a16:creationId xmlns:a16="http://schemas.microsoft.com/office/drawing/2014/main" id="{8EDFA0D6-182E-75B1-636E-F281DAFA5365}"/>
+          <p:cNvPr id="61" name="Picture 60">
+            <a:extLst>
+              <a:ext uri="{FF2B5EF4-FFF2-40B4-BE49-F238E27FC236}">
+                <a16:creationId xmlns:a16="http://schemas.microsoft.com/office/drawing/2014/main" id="{639F8B20-84AE-4996-EBDD-C8AC67730C3C}"/>
               </a:ext>
             </a:extLst>
           </p:cNvPr>
@@ -4464,7 +5043,7 @@
         </p:blipFill>
         <p:spPr>
           <a:xfrm>
-            <a:off x="-746087" y="2187433"/>
+            <a:off x="6435846" y="1949936"/>
             <a:ext cx="2048434" cy="749873"/>
           </a:xfrm>
           <a:prstGeom prst="rect">
@@ -4474,10 +5053,10 @@
       </p:pic>
       <p:pic>
         <p:nvPicPr>
-          <p:cNvPr id="18" name="Picture 17">
-            <a:extLst>
-              <a:ext uri="{FF2B5EF4-FFF2-40B4-BE49-F238E27FC236}">
-                <a16:creationId xmlns:a16="http://schemas.microsoft.com/office/drawing/2014/main" id="{5DB64CC0-D448-239A-800A-B122DAFE6DAD}"/>
+          <p:cNvPr id="10" name="Picture 9">
+            <a:extLst>
+              <a:ext uri="{FF2B5EF4-FFF2-40B4-BE49-F238E27FC236}">
+                <a16:creationId xmlns:a16="http://schemas.microsoft.com/office/drawing/2014/main" id="{8EDFA0D6-182E-75B1-636E-F281DAFA5365}"/>
               </a:ext>
             </a:extLst>
           </p:cNvPr>
@@ -4494,6 +5073,36 @@
         </p:blipFill>
         <p:spPr>
           <a:xfrm>
+            <a:off x="-746087" y="2187433"/>
+            <a:ext cx="2048434" cy="749873"/>
+          </a:xfrm>
+          <a:prstGeom prst="rect">
+            <a:avLst/>
+          </a:prstGeom>
+        </p:spPr>
+      </p:pic>
+      <p:pic>
+        <p:nvPicPr>
+          <p:cNvPr id="18" name="Picture 17">
+            <a:extLst>
+              <a:ext uri="{FF2B5EF4-FFF2-40B4-BE49-F238E27FC236}">
+                <a16:creationId xmlns:a16="http://schemas.microsoft.com/office/drawing/2014/main" id="{5DB64CC0-D448-239A-800A-B122DAFE6DAD}"/>
+              </a:ext>
+            </a:extLst>
+          </p:cNvPr>
+          <p:cNvPicPr>
+            <a:picLocks noChangeAspect="1"/>
+          </p:cNvPicPr>
+          <p:nvPr/>
+        </p:nvPicPr>
+        <p:blipFill>
+          <a:blip r:embed="rId14"/>
+          <a:stretch>
+            <a:fillRect/>
+          </a:stretch>
+        </p:blipFill>
+        <p:spPr>
+          <a:xfrm>
             <a:off x="4236559" y="2785816"/>
             <a:ext cx="2167692" cy="749808"/>
           </a:xfrm>
@@ -4517,7 +5126,7 @@
           <p:nvPr/>
         </p:nvPicPr>
         <p:blipFill>
-          <a:blip r:embed="rId14"/>
+          <a:blip r:embed="rId15"/>
           <a:stretch>
             <a:fillRect/>
           </a:stretch>
@@ -4931,7 +5540,7 @@
           <p:nvPr/>
         </p:nvPicPr>
         <p:blipFill>
-          <a:blip r:embed="rId15"/>
+          <a:blip r:embed="rId16"/>
           <a:stretch>
             <a:fillRect/>
           </a:stretch>
@@ -5114,10 +5723,10 @@
           <p:nvPr/>
         </p:nvPicPr>
         <p:blipFill>
-          <a:blip r:embed="rId16">
+          <a:blip r:embed="rId17">
             <a:extLst>
               <a:ext uri="{96DAC541-7B7A-43D3-8B79-37D633B846F1}">
-                <asvg:svgBlip xmlns:asvg="http://schemas.microsoft.com/office/drawing/2016/SVG/main" r:embed="rId17"/>
+                <asvg:svgBlip xmlns:asvg="http://schemas.microsoft.com/office/drawing/2016/SVG/main" r:embed="rId18"/>
               </a:ext>
             </a:extLst>
           </a:blip>
@@ -5286,13 +5895,13 @@
           <p:nvPr/>
         </p:nvPicPr>
         <p:blipFill>
-          <a:blip r:embed="rId18">
+          <a:blip r:embed="rId19">
             <a:alphaModFix amt="35000"/>
             <a:biLevel thresh="25000"/>
             <a:extLst>
               <a:ext uri="{BEBA8EAE-BF5A-486C-A8C5-ECC9F3942E4B}">
                 <a14:imgProps xmlns:a14="http://schemas.microsoft.com/office/drawing/2010/main">
-                  <a14:imgLayer r:embed="rId19">
+                  <a14:imgLayer r:embed="rId20">
                     <a14:imgEffect>
                       <a14:colorTemperature colorTemp="5300"/>
                     </a14:imgEffect>
@@ -5420,6 +6029,146 @@
           </a:p>
         </p:txBody>
       </p:sp>
+      <p:sp>
+        <p:nvSpPr>
+          <p:cNvPr id="7" name="Rectangle 6">
+            <a:extLst>
+              <a:ext uri="{FF2B5EF4-FFF2-40B4-BE49-F238E27FC236}">
+                <a16:creationId xmlns:a16="http://schemas.microsoft.com/office/drawing/2014/main" id="{F0BDBD1D-CBB1-039F-9D28-AC6B0515527D}"/>
+              </a:ext>
+            </a:extLst>
+          </p:cNvPr>
+          <p:cNvSpPr/>
+          <p:nvPr/>
+        </p:nvSpPr>
+        <p:spPr>
+          <a:xfrm>
+            <a:off x="595532" y="1385724"/>
+            <a:ext cx="616703" cy="806398"/>
+          </a:xfrm>
+          <a:prstGeom prst="rect">
+            <a:avLst/>
+          </a:prstGeom>
+          <a:noFill/>
+          <a:ln>
+            <a:noFill/>
+          </a:ln>
+        </p:spPr>
+        <p:style>
+          <a:lnRef idx="2">
+            <a:schemeClr val="accent1">
+              <a:shade val="15000"/>
+            </a:schemeClr>
+          </a:lnRef>
+          <a:fillRef idx="1">
+            <a:schemeClr val="accent1"/>
+          </a:fillRef>
+          <a:effectRef idx="0">
+            <a:schemeClr val="accent1"/>
+          </a:effectRef>
+          <a:fontRef idx="minor">
+            <a:schemeClr val="lt1"/>
+          </a:fontRef>
+        </p:style>
+        <p:txBody>
+          <a:bodyPr rtlCol="0" anchor="ctr"/>
+          <a:lstStyle/>
+          <a:p>
+            <a:pPr algn="ctr"/>
+            <a:endParaRPr lang="en-US"/>
+          </a:p>
+        </p:txBody>
+      </p:sp>
+      <p:sp>
+        <p:nvSpPr>
+          <p:cNvPr id="8" name="Rectangle: Rounded Corners 7">
+            <a:extLst>
+              <a:ext uri="{FF2B5EF4-FFF2-40B4-BE49-F238E27FC236}">
+                <a16:creationId xmlns:a16="http://schemas.microsoft.com/office/drawing/2014/main" id="{D8B98D30-FAE0-ECD0-DE3C-9DD782964510}"/>
+              </a:ext>
+            </a:extLst>
+          </p:cNvPr>
+          <p:cNvSpPr/>
+          <p:nvPr/>
+        </p:nvSpPr>
+        <p:spPr>
+          <a:xfrm>
+            <a:off x="648066" y="1451627"/>
+            <a:ext cx="509740" cy="597565"/>
+          </a:xfrm>
+          <a:prstGeom prst="roundRect">
+            <a:avLst/>
+          </a:prstGeom>
+          <a:solidFill>
+            <a:srgbClr val="C00000"/>
+          </a:solidFill>
+          <a:ln w="19050">
+            <a:solidFill>
+              <a:schemeClr val="bg1"/>
+            </a:solidFill>
+          </a:ln>
+        </p:spPr>
+        <p:style>
+          <a:lnRef idx="2">
+            <a:schemeClr val="accent1">
+              <a:shade val="15000"/>
+            </a:schemeClr>
+          </a:lnRef>
+          <a:fillRef idx="1">
+            <a:schemeClr val="accent1"/>
+          </a:fillRef>
+          <a:effectRef idx="0">
+            <a:schemeClr val="accent1"/>
+          </a:effectRef>
+          <a:fontRef idx="minor">
+            <a:schemeClr val="lt1"/>
+          </a:fontRef>
+        </p:style>
+        <p:txBody>
+          <a:bodyPr rtlCol="0" anchor="ctr"/>
+          <a:lstStyle/>
+          <a:p>
+            <a:pPr algn="ctr"/>
+            <a:endParaRPr lang="en-US" dirty="0"/>
+          </a:p>
+        </p:txBody>
+      </p:sp>
+      <p:pic>
+        <p:nvPicPr>
+          <p:cNvPr id="9" name="Graphic 8" descr="Hamburger Menu Icon with solid fill">
+            <a:extLst>
+              <a:ext uri="{FF2B5EF4-FFF2-40B4-BE49-F238E27FC236}">
+                <a16:creationId xmlns:a16="http://schemas.microsoft.com/office/drawing/2014/main" id="{9916F97D-DE30-2EE1-ED7F-1F3D295030EB}"/>
+              </a:ext>
+            </a:extLst>
+          </p:cNvPr>
+          <p:cNvPicPr>
+            <a:picLocks noChangeAspect="1"/>
+          </p:cNvPicPr>
+          <p:nvPr/>
+        </p:nvPicPr>
+        <p:blipFill>
+          <a:blip r:embed="rId21">
+            <a:extLst>
+              <a:ext uri="{96DAC541-7B7A-43D3-8B79-37D633B846F1}">
+                <asvg:svgBlip xmlns:asvg="http://schemas.microsoft.com/office/drawing/2016/SVG/main" r:embed="rId22"/>
+              </a:ext>
+            </a:extLst>
+          </a:blip>
+          <a:stretch>
+            <a:fillRect/>
+          </a:stretch>
+        </p:blipFill>
+        <p:spPr>
+          <a:xfrm>
+            <a:off x="648066" y="1491275"/>
+            <a:ext cx="509740" cy="509740"/>
+          </a:xfrm>
+          <a:prstGeom prst="rect">
+            <a:avLst/>
+          </a:prstGeom>
+        </p:spPr>
+      </p:pic>
     </p:spTree>
     <p:extLst>
       <p:ext uri="{BB962C8B-B14F-4D97-AF65-F5344CB8AC3E}">
@@ -5464,6 +6213,1709 @@
         </p:nvSpPr>
         <p:spPr>
           <a:xfrm>
+            <a:off x="1204332" y="847493"/>
+            <a:ext cx="8876371" cy="4694664"/>
+          </a:xfrm>
+          <a:prstGeom prst="roundRect">
+            <a:avLst>
+              <a:gd name="adj" fmla="val 4315"/>
+            </a:avLst>
+          </a:prstGeom>
+          <a:blipFill dpi="0" rotWithShape="1">
+            <a:blip r:embed="rId2">
+              <a:alphaModFix amt="47000"/>
+            </a:blip>
+            <a:srcRect/>
+            <a:stretch>
+              <a:fillRect/>
+            </a:stretch>
+          </a:blipFill>
+          <a:ln w="6350">
+            <a:solidFill>
+              <a:schemeClr val="tx1"/>
+            </a:solidFill>
+          </a:ln>
+        </p:spPr>
+        <p:style>
+          <a:lnRef idx="2">
+            <a:schemeClr val="accent1">
+              <a:shade val="15000"/>
+            </a:schemeClr>
+          </a:lnRef>
+          <a:fillRef idx="1">
+            <a:schemeClr val="accent1"/>
+          </a:fillRef>
+          <a:effectRef idx="0">
+            <a:schemeClr val="accent1"/>
+          </a:effectRef>
+          <a:fontRef idx="minor">
+            <a:schemeClr val="lt1"/>
+          </a:fontRef>
+        </p:style>
+        <p:txBody>
+          <a:bodyPr rtlCol="0" anchor="ctr"/>
+          <a:lstStyle/>
+          <a:p>
+            <a:pPr algn="ctr"/>
+            <a:endParaRPr lang="en-US"/>
+          </a:p>
+        </p:txBody>
+      </p:sp>
+      <p:pic>
+        <p:nvPicPr>
+          <p:cNvPr id="7" name="Picture 6">
+            <a:extLst>
+              <a:ext uri="{FF2B5EF4-FFF2-40B4-BE49-F238E27FC236}">
+                <a16:creationId xmlns:a16="http://schemas.microsoft.com/office/drawing/2014/main" id="{6F29E890-AD96-E461-D13F-9F13FBBBB2EB}"/>
+              </a:ext>
+            </a:extLst>
+          </p:cNvPr>
+          <p:cNvPicPr>
+            <a:picLocks noChangeAspect="1"/>
+          </p:cNvPicPr>
+          <p:nvPr/>
+        </p:nvPicPr>
+        <p:blipFill>
+          <a:blip r:embed="rId3"/>
+          <a:stretch>
+            <a:fillRect/>
+          </a:stretch>
+        </p:blipFill>
+        <p:spPr>
+          <a:xfrm>
+            <a:off x="1479399" y="1106387"/>
+            <a:ext cx="2077840" cy="624858"/>
+          </a:xfrm>
+          <a:prstGeom prst="rect">
+            <a:avLst/>
+          </a:prstGeom>
+        </p:spPr>
+      </p:pic>
+      <p:sp>
+        <p:nvSpPr>
+          <p:cNvPr id="8" name="TextBox 7">
+            <a:extLst>
+              <a:ext uri="{FF2B5EF4-FFF2-40B4-BE49-F238E27FC236}">
+                <a16:creationId xmlns:a16="http://schemas.microsoft.com/office/drawing/2014/main" id="{E1FFC41C-592D-FA02-B371-9B27D90BC32C}"/>
+              </a:ext>
+            </a:extLst>
+          </p:cNvPr>
+          <p:cNvSpPr txBox="1"/>
+          <p:nvPr/>
+        </p:nvSpPr>
+        <p:spPr>
+          <a:xfrm>
+            <a:off x="3367668" y="1234150"/>
+            <a:ext cx="1794081" cy="369332"/>
+          </a:xfrm>
+          <a:prstGeom prst="rect">
+            <a:avLst/>
+          </a:prstGeom>
+          <a:noFill/>
+        </p:spPr>
+        <p:txBody>
+          <a:bodyPr wrap="none" rtlCol="0">
+            <a:spAutoFit/>
+          </a:bodyPr>
+          <a:lstStyle/>
+          <a:p>
+            <a:r>
+              <a:rPr lang="en-US" dirty="0">
+                <a:latin typeface="ADLaM Display" panose="02010000000000000000" pitchFamily="2" charset="0"/>
+                <a:ea typeface="ADLaM Display" panose="02010000000000000000" pitchFamily="2" charset="0"/>
+                <a:cs typeface="ADLaM Display" panose="02010000000000000000" pitchFamily="2" charset="0"/>
+              </a:rPr>
+              <a:t>|        OPTIONS</a:t>
+            </a:r>
+          </a:p>
+        </p:txBody>
+      </p:sp>
+      <p:pic>
+        <p:nvPicPr>
+          <p:cNvPr id="15" name="Graphic 14" descr="Single gear with solid fill">
+            <a:extLst>
+              <a:ext uri="{FF2B5EF4-FFF2-40B4-BE49-F238E27FC236}">
+                <a16:creationId xmlns:a16="http://schemas.microsoft.com/office/drawing/2014/main" id="{6797233F-2E9C-602D-66E8-338A0E691B4E}"/>
+              </a:ext>
+            </a:extLst>
+          </p:cNvPr>
+          <p:cNvPicPr>
+            <a:picLocks noChangeAspect="1"/>
+          </p:cNvPicPr>
+          <p:nvPr/>
+        </p:nvPicPr>
+        <p:blipFill>
+          <a:blip r:embed="rId4">
+            <a:extLst>
+              <a:ext uri="{96DAC541-7B7A-43D3-8B79-37D633B846F1}">
+                <asvg:svgBlip xmlns:asvg="http://schemas.microsoft.com/office/drawing/2016/SVG/main" r:embed="rId5"/>
+              </a:ext>
+            </a:extLst>
+          </a:blip>
+          <a:stretch>
+            <a:fillRect/>
+          </a:stretch>
+        </p:blipFill>
+        <p:spPr>
+          <a:xfrm>
+            <a:off x="3557239" y="1192765"/>
+            <a:ext cx="474403" cy="474403"/>
+          </a:xfrm>
+          <a:prstGeom prst="rect">
+            <a:avLst/>
+          </a:prstGeom>
+        </p:spPr>
+      </p:pic>
+      <p:sp>
+        <p:nvSpPr>
+          <p:cNvPr id="16" name="Rectangle: Rounded Corners 15">
+            <a:extLst>
+              <a:ext uri="{FF2B5EF4-FFF2-40B4-BE49-F238E27FC236}">
+                <a16:creationId xmlns:a16="http://schemas.microsoft.com/office/drawing/2014/main" id="{12E5F702-4F08-4673-7165-D805CCF2321B}"/>
+              </a:ext>
+            </a:extLst>
+          </p:cNvPr>
+          <p:cNvSpPr/>
+          <p:nvPr/>
+        </p:nvSpPr>
+        <p:spPr>
+          <a:xfrm>
+            <a:off x="3944107" y="1990139"/>
+            <a:ext cx="5590186" cy="474670"/>
+          </a:xfrm>
+          <a:prstGeom prst="roundRect">
+            <a:avLst/>
+          </a:prstGeom>
+          <a:solidFill>
+            <a:schemeClr val="bg1">
+              <a:lumMod val="75000"/>
+              <a:alpha val="59000"/>
+            </a:schemeClr>
+          </a:solidFill>
+          <a:ln w="3175">
+            <a:solidFill>
+              <a:schemeClr val="tx1"/>
+            </a:solidFill>
+          </a:ln>
+        </p:spPr>
+        <p:style>
+          <a:lnRef idx="2">
+            <a:schemeClr val="accent1">
+              <a:shade val="15000"/>
+            </a:schemeClr>
+          </a:lnRef>
+          <a:fillRef idx="1">
+            <a:schemeClr val="accent1"/>
+          </a:fillRef>
+          <a:effectRef idx="0">
+            <a:schemeClr val="accent1"/>
+          </a:effectRef>
+          <a:fontRef idx="minor">
+            <a:schemeClr val="lt1"/>
+          </a:fontRef>
+        </p:style>
+        <p:txBody>
+          <a:bodyPr rtlCol="0" anchor="ctr"/>
+          <a:lstStyle/>
+          <a:p>
+            <a:pPr algn="ctr"/>
+            <a:endParaRPr lang="en-US"/>
+          </a:p>
+        </p:txBody>
+      </p:sp>
+      <p:sp>
+        <p:nvSpPr>
+          <p:cNvPr id="22" name="TextBox 21">
+            <a:extLst>
+              <a:ext uri="{FF2B5EF4-FFF2-40B4-BE49-F238E27FC236}">
+                <a16:creationId xmlns:a16="http://schemas.microsoft.com/office/drawing/2014/main" id="{4649DA2E-622B-8700-5BF2-850866E76AAA}"/>
+              </a:ext>
+            </a:extLst>
+          </p:cNvPr>
+          <p:cNvSpPr txBox="1"/>
+          <p:nvPr/>
+        </p:nvSpPr>
+        <p:spPr>
+          <a:xfrm>
+            <a:off x="3944107" y="1988917"/>
+            <a:ext cx="2435284" cy="461665"/>
+          </a:xfrm>
+          <a:prstGeom prst="rect">
+            <a:avLst/>
+          </a:prstGeom>
+          <a:noFill/>
+        </p:spPr>
+        <p:txBody>
+          <a:bodyPr wrap="square" rtlCol="0">
+            <a:spAutoFit/>
+          </a:bodyPr>
+          <a:lstStyle/>
+          <a:p>
+            <a:r>
+              <a:rPr lang="en-US" sz="2400" dirty="0">
+                <a:ea typeface="ADLaM Display" panose="02010000000000000000" pitchFamily="2" charset="0"/>
+                <a:cs typeface="ADLaM Display" panose="02010000000000000000" pitchFamily="2" charset="0"/>
+              </a:rPr>
+              <a:t>Full Screen:</a:t>
+            </a:r>
+          </a:p>
+        </p:txBody>
+      </p:sp>
+      <p:sp>
+        <p:nvSpPr>
+          <p:cNvPr id="23" name="Rectangle: Rounded Corners 22">
+            <a:extLst>
+              <a:ext uri="{FF2B5EF4-FFF2-40B4-BE49-F238E27FC236}">
+                <a16:creationId xmlns:a16="http://schemas.microsoft.com/office/drawing/2014/main" id="{F548C85F-45C2-216D-36B2-213E6C4B4F7C}"/>
+              </a:ext>
+            </a:extLst>
+          </p:cNvPr>
+          <p:cNvSpPr/>
+          <p:nvPr/>
+        </p:nvSpPr>
+        <p:spPr>
+          <a:xfrm>
+            <a:off x="3944107" y="2584558"/>
+            <a:ext cx="5590186" cy="474670"/>
+          </a:xfrm>
+          <a:prstGeom prst="roundRect">
+            <a:avLst/>
+          </a:prstGeom>
+          <a:solidFill>
+            <a:schemeClr val="bg1">
+              <a:lumMod val="75000"/>
+              <a:alpha val="59000"/>
+            </a:schemeClr>
+          </a:solidFill>
+          <a:ln w="3175">
+            <a:solidFill>
+              <a:schemeClr val="tx1"/>
+            </a:solidFill>
+          </a:ln>
+        </p:spPr>
+        <p:style>
+          <a:lnRef idx="2">
+            <a:schemeClr val="accent1">
+              <a:shade val="15000"/>
+            </a:schemeClr>
+          </a:lnRef>
+          <a:fillRef idx="1">
+            <a:schemeClr val="accent1"/>
+          </a:fillRef>
+          <a:effectRef idx="0">
+            <a:schemeClr val="accent1"/>
+          </a:effectRef>
+          <a:fontRef idx="minor">
+            <a:schemeClr val="lt1"/>
+          </a:fontRef>
+        </p:style>
+        <p:txBody>
+          <a:bodyPr rtlCol="0" anchor="ctr"/>
+          <a:lstStyle/>
+          <a:p>
+            <a:pPr algn="ctr"/>
+            <a:endParaRPr lang="en-US"/>
+          </a:p>
+        </p:txBody>
+      </p:sp>
+      <p:sp>
+        <p:nvSpPr>
+          <p:cNvPr id="24" name="TextBox 23">
+            <a:extLst>
+              <a:ext uri="{FF2B5EF4-FFF2-40B4-BE49-F238E27FC236}">
+                <a16:creationId xmlns:a16="http://schemas.microsoft.com/office/drawing/2014/main" id="{A4D9787A-9B97-428C-6673-2BE2F644854A}"/>
+              </a:ext>
+            </a:extLst>
+          </p:cNvPr>
+          <p:cNvSpPr txBox="1"/>
+          <p:nvPr/>
+        </p:nvSpPr>
+        <p:spPr>
+          <a:xfrm>
+            <a:off x="3944107" y="2587975"/>
+            <a:ext cx="3170851" cy="461665"/>
+          </a:xfrm>
+          <a:prstGeom prst="rect">
+            <a:avLst/>
+          </a:prstGeom>
+          <a:noFill/>
+          <a:ln>
+            <a:noFill/>
+          </a:ln>
+        </p:spPr>
+        <p:txBody>
+          <a:bodyPr wrap="square" rtlCol="0">
+            <a:spAutoFit/>
+          </a:bodyPr>
+          <a:lstStyle/>
+          <a:p>
+            <a:r>
+              <a:rPr lang="en-US" sz="2400" dirty="0">
+                <a:ea typeface="ADLaM Display" panose="02010000000000000000" pitchFamily="2" charset="0"/>
+                <a:cs typeface="ADLaM Display" panose="02010000000000000000" pitchFamily="2" charset="0"/>
+              </a:rPr>
+              <a:t>Screen Resolution:</a:t>
+            </a:r>
+          </a:p>
+        </p:txBody>
+      </p:sp>
+      <p:sp>
+        <p:nvSpPr>
+          <p:cNvPr id="25" name="Rectangle: Rounded Corners 24">
+            <a:extLst>
+              <a:ext uri="{FF2B5EF4-FFF2-40B4-BE49-F238E27FC236}">
+                <a16:creationId xmlns:a16="http://schemas.microsoft.com/office/drawing/2014/main" id="{E121176E-B9F7-4E11-96D6-A0B82C82EE1E}"/>
+              </a:ext>
+            </a:extLst>
+          </p:cNvPr>
+          <p:cNvSpPr/>
+          <p:nvPr/>
+        </p:nvSpPr>
+        <p:spPr>
+          <a:xfrm>
+            <a:off x="8976731" y="1233155"/>
+            <a:ext cx="557561" cy="474670"/>
+          </a:xfrm>
+          <a:prstGeom prst="roundRect">
+            <a:avLst/>
+          </a:prstGeom>
+          <a:solidFill>
+            <a:schemeClr val="bg1">
+              <a:lumMod val="75000"/>
+              <a:alpha val="59000"/>
+            </a:schemeClr>
+          </a:solidFill>
+          <a:ln w="3175">
+            <a:solidFill>
+              <a:schemeClr val="tx1"/>
+            </a:solidFill>
+          </a:ln>
+        </p:spPr>
+        <p:style>
+          <a:lnRef idx="2">
+            <a:schemeClr val="accent1">
+              <a:shade val="15000"/>
+            </a:schemeClr>
+          </a:lnRef>
+          <a:fillRef idx="1">
+            <a:schemeClr val="accent1"/>
+          </a:fillRef>
+          <a:effectRef idx="0">
+            <a:schemeClr val="accent1"/>
+          </a:effectRef>
+          <a:fontRef idx="minor">
+            <a:schemeClr val="lt1"/>
+          </a:fontRef>
+        </p:style>
+        <p:txBody>
+          <a:bodyPr rtlCol="0" anchor="ctr"/>
+          <a:lstStyle/>
+          <a:p>
+            <a:pPr algn="ctr"/>
+            <a:endParaRPr lang="en-US"/>
+          </a:p>
+        </p:txBody>
+      </p:sp>
+      <p:sp>
+        <p:nvSpPr>
+          <p:cNvPr id="26" name="TextBox 25">
+            <a:extLst>
+              <a:ext uri="{FF2B5EF4-FFF2-40B4-BE49-F238E27FC236}">
+                <a16:creationId xmlns:a16="http://schemas.microsoft.com/office/drawing/2014/main" id="{F7250BF8-F0E9-A69E-E2A4-63E0E37810DE}"/>
+              </a:ext>
+            </a:extLst>
+          </p:cNvPr>
+          <p:cNvSpPr txBox="1"/>
+          <p:nvPr/>
+        </p:nvSpPr>
+        <p:spPr>
+          <a:xfrm>
+            <a:off x="9063932" y="1226635"/>
+            <a:ext cx="383438" cy="523220"/>
+          </a:xfrm>
+          <a:prstGeom prst="rect">
+            <a:avLst/>
+          </a:prstGeom>
+          <a:noFill/>
+        </p:spPr>
+        <p:txBody>
+          <a:bodyPr wrap="none" rtlCol="0">
+            <a:spAutoFit/>
+          </a:bodyPr>
+          <a:lstStyle/>
+          <a:p>
+            <a:r>
+              <a:rPr lang="en-US" sz="2800" dirty="0">
+                <a:ea typeface="ADLaM Display" panose="02010000000000000000" pitchFamily="2" charset="0"/>
+                <a:cs typeface="ADLaM Display" panose="02010000000000000000" pitchFamily="2" charset="0"/>
+              </a:rPr>
+              <a:t>X</a:t>
+            </a:r>
+          </a:p>
+        </p:txBody>
+      </p:sp>
+      <p:sp>
+        <p:nvSpPr>
+          <p:cNvPr id="27" name="Rectangle: Rounded Corners 26">
+            <a:extLst>
+              <a:ext uri="{FF2B5EF4-FFF2-40B4-BE49-F238E27FC236}">
+                <a16:creationId xmlns:a16="http://schemas.microsoft.com/office/drawing/2014/main" id="{C5E117A8-E3E0-D5C8-6F87-A50988D3F283}"/>
+              </a:ext>
+            </a:extLst>
+          </p:cNvPr>
+          <p:cNvSpPr/>
+          <p:nvPr/>
+        </p:nvSpPr>
+        <p:spPr>
+          <a:xfrm>
+            <a:off x="8211127" y="4949465"/>
+            <a:ext cx="1323165" cy="474670"/>
+          </a:xfrm>
+          <a:prstGeom prst="roundRect">
+            <a:avLst/>
+          </a:prstGeom>
+          <a:solidFill>
+            <a:schemeClr val="bg1">
+              <a:lumMod val="75000"/>
+              <a:alpha val="59000"/>
+            </a:schemeClr>
+          </a:solidFill>
+          <a:ln w="3175">
+            <a:solidFill>
+              <a:schemeClr val="tx1"/>
+            </a:solidFill>
+          </a:ln>
+        </p:spPr>
+        <p:style>
+          <a:lnRef idx="2">
+            <a:schemeClr val="accent1">
+              <a:shade val="15000"/>
+            </a:schemeClr>
+          </a:lnRef>
+          <a:fillRef idx="1">
+            <a:schemeClr val="accent1"/>
+          </a:fillRef>
+          <a:effectRef idx="0">
+            <a:schemeClr val="accent1"/>
+          </a:effectRef>
+          <a:fontRef idx="minor">
+            <a:schemeClr val="lt1"/>
+          </a:fontRef>
+        </p:style>
+        <p:txBody>
+          <a:bodyPr rtlCol="0" anchor="ctr"/>
+          <a:lstStyle/>
+          <a:p>
+            <a:pPr algn="ctr"/>
+            <a:endParaRPr lang="en-US"/>
+          </a:p>
+        </p:txBody>
+      </p:sp>
+      <p:sp>
+        <p:nvSpPr>
+          <p:cNvPr id="28" name="TextBox 27">
+            <a:extLst>
+              <a:ext uri="{FF2B5EF4-FFF2-40B4-BE49-F238E27FC236}">
+                <a16:creationId xmlns:a16="http://schemas.microsoft.com/office/drawing/2014/main" id="{A9719FE4-0232-D41A-838B-F3AD671E87DC}"/>
+              </a:ext>
+            </a:extLst>
+          </p:cNvPr>
+          <p:cNvSpPr txBox="1"/>
+          <p:nvPr/>
+        </p:nvSpPr>
+        <p:spPr>
+          <a:xfrm>
+            <a:off x="8445229" y="4955967"/>
+            <a:ext cx="869098" cy="461665"/>
+          </a:xfrm>
+          <a:prstGeom prst="rect">
+            <a:avLst/>
+          </a:prstGeom>
+          <a:noFill/>
+          <a:ln>
+            <a:noFill/>
+          </a:ln>
+        </p:spPr>
+        <p:txBody>
+          <a:bodyPr wrap="square" rtlCol="0">
+            <a:spAutoFit/>
+          </a:bodyPr>
+          <a:lstStyle/>
+          <a:p>
+            <a:r>
+              <a:rPr lang="en-US" sz="2400" dirty="0">
+                <a:ea typeface="ADLaM Display" panose="02010000000000000000" pitchFamily="2" charset="0"/>
+                <a:cs typeface="ADLaM Display" panose="02010000000000000000" pitchFamily="2" charset="0"/>
+              </a:rPr>
+              <a:t>Save</a:t>
+            </a:r>
+          </a:p>
+        </p:txBody>
+      </p:sp>
+      <p:sp>
+        <p:nvSpPr>
+          <p:cNvPr id="2" name="Rectangle: Rounded Corners 1">
+            <a:extLst>
+              <a:ext uri="{FF2B5EF4-FFF2-40B4-BE49-F238E27FC236}">
+                <a16:creationId xmlns:a16="http://schemas.microsoft.com/office/drawing/2014/main" id="{8AF9467F-8436-5ADF-A183-BC65C4460876}"/>
+              </a:ext>
+            </a:extLst>
+          </p:cNvPr>
+          <p:cNvSpPr/>
+          <p:nvPr/>
+        </p:nvSpPr>
+        <p:spPr>
+          <a:xfrm>
+            <a:off x="1347858" y="1942824"/>
+            <a:ext cx="2435284" cy="3474808"/>
+          </a:xfrm>
+          <a:prstGeom prst="roundRect">
+            <a:avLst>
+              <a:gd name="adj" fmla="val 7891"/>
+            </a:avLst>
+          </a:prstGeom>
+          <a:blipFill dpi="0" rotWithShape="1">
+            <a:blip r:embed="rId2">
+              <a:alphaModFix amt="47000"/>
+            </a:blip>
+            <a:srcRect/>
+            <a:stretch>
+              <a:fillRect/>
+            </a:stretch>
+          </a:blipFill>
+          <a:ln w="6350">
+            <a:solidFill>
+              <a:schemeClr val="tx1"/>
+            </a:solidFill>
+          </a:ln>
+        </p:spPr>
+        <p:style>
+          <a:lnRef idx="2">
+            <a:schemeClr val="accent1">
+              <a:shade val="15000"/>
+            </a:schemeClr>
+          </a:lnRef>
+          <a:fillRef idx="1">
+            <a:schemeClr val="accent1"/>
+          </a:fillRef>
+          <a:effectRef idx="0">
+            <a:schemeClr val="accent1"/>
+          </a:effectRef>
+          <a:fontRef idx="minor">
+            <a:schemeClr val="lt1"/>
+          </a:fontRef>
+        </p:style>
+        <p:txBody>
+          <a:bodyPr rtlCol="0" anchor="ctr"/>
+          <a:lstStyle/>
+          <a:p>
+            <a:pPr algn="ctr"/>
+            <a:endParaRPr lang="en-US"/>
+          </a:p>
+        </p:txBody>
+      </p:sp>
+      <p:sp>
+        <p:nvSpPr>
+          <p:cNvPr id="3" name="Rectangle: Rounded Corners 2">
+            <a:extLst>
+              <a:ext uri="{FF2B5EF4-FFF2-40B4-BE49-F238E27FC236}">
+                <a16:creationId xmlns:a16="http://schemas.microsoft.com/office/drawing/2014/main" id="{19B2DE9F-D46E-7939-9505-31BC3800A2F9}"/>
+              </a:ext>
+            </a:extLst>
+          </p:cNvPr>
+          <p:cNvSpPr/>
+          <p:nvPr/>
+        </p:nvSpPr>
+        <p:spPr>
+          <a:xfrm>
+            <a:off x="1479398" y="2076517"/>
+            <a:ext cx="2178201" cy="508041"/>
+          </a:xfrm>
+          <a:prstGeom prst="roundRect">
+            <a:avLst>
+              <a:gd name="adj" fmla="val 30169"/>
+            </a:avLst>
+          </a:prstGeom>
+          <a:blipFill dpi="0" rotWithShape="1">
+            <a:blip r:embed="rId2">
+              <a:alphaModFix amt="47000"/>
+            </a:blip>
+            <a:srcRect/>
+            <a:stretch>
+              <a:fillRect/>
+            </a:stretch>
+          </a:blipFill>
+          <a:ln w="6350">
+            <a:solidFill>
+              <a:schemeClr val="tx1"/>
+            </a:solidFill>
+          </a:ln>
+        </p:spPr>
+        <p:style>
+          <a:lnRef idx="2">
+            <a:schemeClr val="accent1">
+              <a:shade val="15000"/>
+            </a:schemeClr>
+          </a:lnRef>
+          <a:fillRef idx="1">
+            <a:schemeClr val="accent1"/>
+          </a:fillRef>
+          <a:effectRef idx="0">
+            <a:schemeClr val="accent1"/>
+          </a:effectRef>
+          <a:fontRef idx="minor">
+            <a:schemeClr val="lt1"/>
+          </a:fontRef>
+        </p:style>
+        <p:txBody>
+          <a:bodyPr rtlCol="0" anchor="ctr"/>
+          <a:lstStyle/>
+          <a:p>
+            <a:pPr algn="ctr"/>
+            <a:endParaRPr lang="en-US"/>
+          </a:p>
+        </p:txBody>
+      </p:sp>
+      <p:sp>
+        <p:nvSpPr>
+          <p:cNvPr id="4" name="TextBox 3">
+            <a:extLst>
+              <a:ext uri="{FF2B5EF4-FFF2-40B4-BE49-F238E27FC236}">
+                <a16:creationId xmlns:a16="http://schemas.microsoft.com/office/drawing/2014/main" id="{1D2E86C7-14B6-084B-AE43-FF5A35E6FC8C}"/>
+              </a:ext>
+            </a:extLst>
+          </p:cNvPr>
+          <p:cNvSpPr txBox="1"/>
+          <p:nvPr/>
+        </p:nvSpPr>
+        <p:spPr>
+          <a:xfrm>
+            <a:off x="2055633" y="2077932"/>
+            <a:ext cx="1447176" cy="461665"/>
+          </a:xfrm>
+          <a:prstGeom prst="rect">
+            <a:avLst/>
+          </a:prstGeom>
+          <a:noFill/>
+        </p:spPr>
+        <p:txBody>
+          <a:bodyPr wrap="square" rtlCol="0">
+            <a:spAutoFit/>
+          </a:bodyPr>
+          <a:lstStyle/>
+          <a:p>
+            <a:r>
+              <a:rPr lang="en-US" sz="2400" dirty="0">
+                <a:ea typeface="ADLaM Display" panose="02010000000000000000" pitchFamily="2" charset="0"/>
+                <a:cs typeface="ADLaM Display" panose="02010000000000000000" pitchFamily="2" charset="0"/>
+              </a:rPr>
+              <a:t>Display</a:t>
+            </a:r>
+          </a:p>
+        </p:txBody>
+      </p:sp>
+      <p:pic>
+        <p:nvPicPr>
+          <p:cNvPr id="9" name="Graphic 8" descr="Monitor with solid fill">
+            <a:extLst>
+              <a:ext uri="{FF2B5EF4-FFF2-40B4-BE49-F238E27FC236}">
+                <a16:creationId xmlns:a16="http://schemas.microsoft.com/office/drawing/2014/main" id="{09356AF1-E602-90DF-1DD2-A1862F13E453}"/>
+              </a:ext>
+            </a:extLst>
+          </p:cNvPr>
+          <p:cNvPicPr>
+            <a:picLocks noChangeAspect="1"/>
+          </p:cNvPicPr>
+          <p:nvPr/>
+        </p:nvPicPr>
+        <p:blipFill>
+          <a:blip r:embed="rId6">
+            <a:extLst>
+              <a:ext uri="{96DAC541-7B7A-43D3-8B79-37D633B846F1}">
+                <asvg:svgBlip xmlns:asvg="http://schemas.microsoft.com/office/drawing/2016/SVG/main" r:embed="rId7"/>
+              </a:ext>
+            </a:extLst>
+          </a:blip>
+          <a:stretch>
+            <a:fillRect/>
+          </a:stretch>
+        </p:blipFill>
+        <p:spPr>
+          <a:xfrm>
+            <a:off x="1611179" y="2133599"/>
+            <a:ext cx="373340" cy="373340"/>
+          </a:xfrm>
+          <a:prstGeom prst="rect">
+            <a:avLst/>
+          </a:prstGeom>
+        </p:spPr>
+      </p:pic>
+      <p:sp>
+        <p:nvSpPr>
+          <p:cNvPr id="5" name="TextBox 4">
+            <a:extLst>
+              <a:ext uri="{FF2B5EF4-FFF2-40B4-BE49-F238E27FC236}">
+                <a16:creationId xmlns:a16="http://schemas.microsoft.com/office/drawing/2014/main" id="{B7110627-2270-B649-03C1-F346A343FAA6}"/>
+              </a:ext>
+            </a:extLst>
+          </p:cNvPr>
+          <p:cNvSpPr txBox="1"/>
+          <p:nvPr/>
+        </p:nvSpPr>
+        <p:spPr>
+          <a:xfrm>
+            <a:off x="1427399" y="5817813"/>
+            <a:ext cx="3279954" cy="461665"/>
+          </a:xfrm>
+          <a:prstGeom prst="rect">
+            <a:avLst/>
+          </a:prstGeom>
+          <a:noFill/>
+        </p:spPr>
+        <p:txBody>
+          <a:bodyPr wrap="square" rtlCol="0">
+            <a:spAutoFit/>
+          </a:bodyPr>
+          <a:lstStyle/>
+          <a:p>
+            <a:r>
+              <a:rPr lang="en-US" sz="2400" dirty="0">
+                <a:ea typeface="ADLaM Display" panose="02010000000000000000" pitchFamily="2" charset="0"/>
+                <a:cs typeface="ADLaM Display" panose="02010000000000000000" pitchFamily="2" charset="0"/>
+              </a:rPr>
+              <a:t>You can contact me on:</a:t>
+            </a:r>
+          </a:p>
+        </p:txBody>
+      </p:sp>
+      <p:pic>
+        <p:nvPicPr>
+          <p:cNvPr id="10" name="Picture 9">
+            <a:extLst>
+              <a:ext uri="{FF2B5EF4-FFF2-40B4-BE49-F238E27FC236}">
+                <a16:creationId xmlns:a16="http://schemas.microsoft.com/office/drawing/2014/main" id="{68FB6436-195C-69BD-6591-0F4CBAB34573}"/>
+              </a:ext>
+            </a:extLst>
+          </p:cNvPr>
+          <p:cNvPicPr>
+            <a:picLocks noChangeAspect="1"/>
+          </p:cNvPicPr>
+          <p:nvPr/>
+        </p:nvPicPr>
+        <p:blipFill>
+          <a:blip r:embed="rId8"/>
+          <a:stretch>
+            <a:fillRect/>
+          </a:stretch>
+        </p:blipFill>
+        <p:spPr>
+          <a:xfrm>
+            <a:off x="4707353" y="5886208"/>
+            <a:ext cx="359284" cy="357768"/>
+          </a:xfrm>
+          <a:prstGeom prst="roundRect">
+            <a:avLst/>
+          </a:prstGeom>
+        </p:spPr>
+      </p:pic>
+      <p:sp>
+        <p:nvSpPr>
+          <p:cNvPr id="14" name="TextBox 13">
+            <a:extLst>
+              <a:ext uri="{FF2B5EF4-FFF2-40B4-BE49-F238E27FC236}">
+                <a16:creationId xmlns:a16="http://schemas.microsoft.com/office/drawing/2014/main" id="{F041C94E-7DF4-BC0F-A6CD-3331ABC60BF3}"/>
+              </a:ext>
+            </a:extLst>
+          </p:cNvPr>
+          <p:cNvSpPr txBox="1"/>
+          <p:nvPr/>
+        </p:nvSpPr>
+        <p:spPr>
+          <a:xfrm>
+            <a:off x="5022033" y="5874540"/>
+            <a:ext cx="1760397" cy="380587"/>
+          </a:xfrm>
+          <a:prstGeom prst="rect">
+            <a:avLst/>
+          </a:prstGeom>
+          <a:noFill/>
+        </p:spPr>
+        <p:txBody>
+          <a:bodyPr wrap="square">
+            <a:spAutoFit/>
+          </a:bodyPr>
+          <a:lstStyle/>
+          <a:p>
+            <a:r>
+              <a:rPr lang="en-US" dirty="0"/>
+              <a:t>@LahbibMajd</a:t>
+            </a:r>
+          </a:p>
+        </p:txBody>
+      </p:sp>
+      <p:pic>
+        <p:nvPicPr>
+          <p:cNvPr id="1026" name="Picture 2" descr="Github Logo Vector Art, Icons, and Graphics for Free Download">
+            <a:extLst>
+              <a:ext uri="{FF2B5EF4-FFF2-40B4-BE49-F238E27FC236}">
+                <a16:creationId xmlns:a16="http://schemas.microsoft.com/office/drawing/2014/main" id="{0F616A23-3C98-7993-1287-37694797286E}"/>
+              </a:ext>
+            </a:extLst>
+          </p:cNvPr>
+          <p:cNvPicPr>
+            <a:picLocks noChangeAspect="1" noChangeArrowheads="1"/>
+          </p:cNvPicPr>
+          <p:nvPr/>
+        </p:nvPicPr>
+        <p:blipFill rotWithShape="1">
+          <a:blip r:embed="rId9">
+            <a:extLst>
+              <a:ext uri="{28A0092B-C50C-407E-A947-70E740481C1C}">
+                <a14:useLocalDpi xmlns:a14="http://schemas.microsoft.com/office/drawing/2010/main" val="0"/>
+              </a:ext>
+            </a:extLst>
+          </a:blip>
+          <a:srcRect l="8865" t="11900" r="59397" b="26860"/>
+          <a:stretch/>
+        </p:blipFill>
+        <p:spPr bwMode="auto">
+          <a:xfrm>
+            <a:off x="6618598" y="5834000"/>
+            <a:ext cx="478512" cy="461665"/>
+          </a:xfrm>
+          <a:prstGeom prst="ellipse">
+            <a:avLst/>
+          </a:prstGeom>
+          <a:noFill/>
+          <a:extLst>
+            <a:ext uri="{909E8E84-426E-40DD-AFC4-6F175D3DCCD1}">
+              <a14:hiddenFill xmlns:a14="http://schemas.microsoft.com/office/drawing/2010/main">
+                <a:solidFill>
+                  <a:srgbClr val="FFFFFF"/>
+                </a:solidFill>
+              </a14:hiddenFill>
+            </a:ext>
+          </a:extLst>
+        </p:spPr>
+      </p:pic>
+      <p:sp>
+        <p:nvSpPr>
+          <p:cNvPr id="17" name="TextBox 16">
+            <a:extLst>
+              <a:ext uri="{FF2B5EF4-FFF2-40B4-BE49-F238E27FC236}">
+                <a16:creationId xmlns:a16="http://schemas.microsoft.com/office/drawing/2014/main" id="{806AFB5D-12E2-D015-6CD9-1A6BC9F6DDF7}"/>
+              </a:ext>
+            </a:extLst>
+          </p:cNvPr>
+          <p:cNvSpPr txBox="1"/>
+          <p:nvPr/>
+        </p:nvSpPr>
+        <p:spPr>
+          <a:xfrm>
+            <a:off x="7052475" y="5902956"/>
+            <a:ext cx="3028228" cy="369332"/>
+          </a:xfrm>
+          <a:prstGeom prst="rect">
+            <a:avLst/>
+          </a:prstGeom>
+          <a:noFill/>
+        </p:spPr>
+        <p:txBody>
+          <a:bodyPr wrap="square">
+            <a:spAutoFit/>
+          </a:bodyPr>
+          <a:lstStyle/>
+          <a:p>
+            <a:r>
+              <a:rPr lang="en-US" dirty="0"/>
+              <a:t>@MajdLHB</a:t>
+            </a:r>
+          </a:p>
+        </p:txBody>
+      </p:sp>
+      <p:sp>
+        <p:nvSpPr>
+          <p:cNvPr id="18" name="Rectangle: Rounded Corners 17">
+            <a:extLst>
+              <a:ext uri="{FF2B5EF4-FFF2-40B4-BE49-F238E27FC236}">
+                <a16:creationId xmlns:a16="http://schemas.microsoft.com/office/drawing/2014/main" id="{70889207-7020-C4C2-6487-60B30EACB117}"/>
+              </a:ext>
+            </a:extLst>
+          </p:cNvPr>
+          <p:cNvSpPr/>
+          <p:nvPr/>
+        </p:nvSpPr>
+        <p:spPr>
+          <a:xfrm>
+            <a:off x="1360469" y="5722071"/>
+            <a:ext cx="8720233" cy="653148"/>
+          </a:xfrm>
+          <a:prstGeom prst="roundRect">
+            <a:avLst/>
+          </a:prstGeom>
+          <a:noFill/>
+          <a:ln w="19050">
+            <a:noFill/>
+          </a:ln>
+        </p:spPr>
+        <p:style>
+          <a:lnRef idx="2">
+            <a:schemeClr val="accent1">
+              <a:shade val="15000"/>
+            </a:schemeClr>
+          </a:lnRef>
+          <a:fillRef idx="1">
+            <a:schemeClr val="accent1"/>
+          </a:fillRef>
+          <a:effectRef idx="0">
+            <a:schemeClr val="accent1"/>
+          </a:effectRef>
+          <a:fontRef idx="minor">
+            <a:schemeClr val="lt1"/>
+          </a:fontRef>
+        </p:style>
+        <p:txBody>
+          <a:bodyPr rtlCol="0" anchor="ctr"/>
+          <a:lstStyle/>
+          <a:p>
+            <a:pPr algn="ctr"/>
+            <a:endParaRPr lang="en-US"/>
+          </a:p>
+        </p:txBody>
+      </p:sp>
+    </p:spTree>
+    <p:extLst>
+      <p:ext uri="{BB962C8B-B14F-4D97-AF65-F5344CB8AC3E}">
+        <p14:creationId xmlns:p14="http://schemas.microsoft.com/office/powerpoint/2010/main" val="2495720798"/>
+      </p:ext>
+    </p:extLst>
+  </p:cSld>
+  <p:clrMapOvr>
+    <a:masterClrMapping/>
+  </p:clrMapOvr>
+</p:sld>
+</file>
+
+<file path=ppt/slides/slide11.xml><?xml version="1.0" encoding="utf-8"?>
+<p:sld xmlns:a="http://schemas.openxmlformats.org/drawingml/2006/main" xmlns:r="http://schemas.openxmlformats.org/officeDocument/2006/relationships" xmlns:p="http://schemas.openxmlformats.org/presentationml/2006/main">
+  <p:cSld>
+    <p:spTree>
+      <p:nvGrpSpPr>
+        <p:cNvPr id="1" name=""/>
+        <p:cNvGrpSpPr/>
+        <p:nvPr/>
+      </p:nvGrpSpPr>
+      <p:grpSpPr>
+        <a:xfrm>
+          <a:off x="0" y="0"/>
+          <a:ext cx="0" cy="0"/>
+          <a:chOff x="0" y="0"/>
+          <a:chExt cx="0" cy="0"/>
+        </a:xfrm>
+      </p:grpSpPr>
+      <p:sp>
+        <p:nvSpPr>
+          <p:cNvPr id="6" name="Rectangle: Rounded Corners 5">
+            <a:extLst>
+              <a:ext uri="{FF2B5EF4-FFF2-40B4-BE49-F238E27FC236}">
+                <a16:creationId xmlns:a16="http://schemas.microsoft.com/office/drawing/2014/main" id="{A7714DB5-6591-AF77-69E4-A416DA2D4DBB}"/>
+              </a:ext>
+            </a:extLst>
+          </p:cNvPr>
+          <p:cNvSpPr/>
+          <p:nvPr/>
+        </p:nvSpPr>
+        <p:spPr>
+          <a:xfrm>
+            <a:off x="1204332" y="847492"/>
+            <a:ext cx="8876371" cy="5553307"/>
+          </a:xfrm>
+          <a:prstGeom prst="roundRect">
+            <a:avLst>
+              <a:gd name="adj" fmla="val 4315"/>
+            </a:avLst>
+          </a:prstGeom>
+          <a:blipFill dpi="0" rotWithShape="1">
+            <a:blip r:embed="rId2">
+              <a:alphaModFix amt="77000"/>
+            </a:blip>
+            <a:srcRect/>
+            <a:stretch>
+              <a:fillRect/>
+            </a:stretch>
+          </a:blipFill>
+          <a:ln w="6350">
+            <a:solidFill>
+              <a:schemeClr val="tx1"/>
+            </a:solidFill>
+          </a:ln>
+        </p:spPr>
+        <p:style>
+          <a:lnRef idx="2">
+            <a:schemeClr val="accent1">
+              <a:shade val="15000"/>
+            </a:schemeClr>
+          </a:lnRef>
+          <a:fillRef idx="1">
+            <a:schemeClr val="accent1"/>
+          </a:fillRef>
+          <a:effectRef idx="0">
+            <a:schemeClr val="accent1"/>
+          </a:effectRef>
+          <a:fontRef idx="minor">
+            <a:schemeClr val="lt1"/>
+          </a:fontRef>
+        </p:style>
+        <p:txBody>
+          <a:bodyPr rtlCol="0" anchor="ctr"/>
+          <a:lstStyle/>
+          <a:p>
+            <a:pPr algn="ctr"/>
+            <a:endParaRPr lang="en-US" dirty="0"/>
+          </a:p>
+        </p:txBody>
+      </p:sp>
+      <p:pic>
+        <p:nvPicPr>
+          <p:cNvPr id="7" name="Picture 6">
+            <a:extLst>
+              <a:ext uri="{FF2B5EF4-FFF2-40B4-BE49-F238E27FC236}">
+                <a16:creationId xmlns:a16="http://schemas.microsoft.com/office/drawing/2014/main" id="{6F29E890-AD96-E461-D13F-9F13FBBBB2EB}"/>
+              </a:ext>
+            </a:extLst>
+          </p:cNvPr>
+          <p:cNvPicPr>
+            <a:picLocks noChangeAspect="1"/>
+          </p:cNvPicPr>
+          <p:nvPr/>
+        </p:nvPicPr>
+        <p:blipFill>
+          <a:blip r:embed="rId3"/>
+          <a:stretch>
+            <a:fillRect/>
+          </a:stretch>
+        </p:blipFill>
+        <p:spPr>
+          <a:xfrm>
+            <a:off x="1479399" y="1106387"/>
+            <a:ext cx="2077840" cy="624858"/>
+          </a:xfrm>
+          <a:prstGeom prst="rect">
+            <a:avLst/>
+          </a:prstGeom>
+        </p:spPr>
+      </p:pic>
+      <p:sp>
+        <p:nvSpPr>
+          <p:cNvPr id="8" name="TextBox 7">
+            <a:extLst>
+              <a:ext uri="{FF2B5EF4-FFF2-40B4-BE49-F238E27FC236}">
+                <a16:creationId xmlns:a16="http://schemas.microsoft.com/office/drawing/2014/main" id="{E1FFC41C-592D-FA02-B371-9B27D90BC32C}"/>
+              </a:ext>
+            </a:extLst>
+          </p:cNvPr>
+          <p:cNvSpPr txBox="1"/>
+          <p:nvPr/>
+        </p:nvSpPr>
+        <p:spPr>
+          <a:xfrm>
+            <a:off x="3367668" y="1234150"/>
+            <a:ext cx="2927404" cy="369332"/>
+          </a:xfrm>
+          <a:prstGeom prst="rect">
+            <a:avLst/>
+          </a:prstGeom>
+          <a:noFill/>
+        </p:spPr>
+        <p:txBody>
+          <a:bodyPr wrap="none" rtlCol="0">
+            <a:spAutoFit/>
+          </a:bodyPr>
+          <a:lstStyle/>
+          <a:p>
+            <a:r>
+              <a:rPr lang="en-US" dirty="0">
+                <a:latin typeface="ADLaM Display" panose="02010000000000000000" pitchFamily="2" charset="0"/>
+                <a:ea typeface="ADLaM Display" panose="02010000000000000000" pitchFamily="2" charset="0"/>
+                <a:cs typeface="ADLaM Display" panose="02010000000000000000" pitchFamily="2" charset="0"/>
+              </a:rPr>
+              <a:t>|        ABOUT DEVELOPER</a:t>
+            </a:r>
+          </a:p>
+        </p:txBody>
+      </p:sp>
+      <p:sp>
+        <p:nvSpPr>
+          <p:cNvPr id="16" name="Rectangle: Rounded Corners 15">
+            <a:extLst>
+              <a:ext uri="{FF2B5EF4-FFF2-40B4-BE49-F238E27FC236}">
+                <a16:creationId xmlns:a16="http://schemas.microsoft.com/office/drawing/2014/main" id="{12E5F702-4F08-4673-7165-D805CCF2321B}"/>
+              </a:ext>
+            </a:extLst>
+          </p:cNvPr>
+          <p:cNvSpPr/>
+          <p:nvPr/>
+        </p:nvSpPr>
+        <p:spPr>
+          <a:xfrm>
+            <a:off x="1479399" y="1990139"/>
+            <a:ext cx="8054894" cy="474670"/>
+          </a:xfrm>
+          <a:prstGeom prst="roundRect">
+            <a:avLst/>
+          </a:prstGeom>
+          <a:solidFill>
+            <a:schemeClr val="bg1">
+              <a:lumMod val="75000"/>
+              <a:alpha val="59000"/>
+            </a:schemeClr>
+          </a:solidFill>
+          <a:ln w="3175">
+            <a:solidFill>
+              <a:schemeClr val="tx1"/>
+            </a:solidFill>
+          </a:ln>
+        </p:spPr>
+        <p:style>
+          <a:lnRef idx="2">
+            <a:schemeClr val="accent1">
+              <a:shade val="15000"/>
+            </a:schemeClr>
+          </a:lnRef>
+          <a:fillRef idx="1">
+            <a:schemeClr val="accent1"/>
+          </a:fillRef>
+          <a:effectRef idx="0">
+            <a:schemeClr val="accent1"/>
+          </a:effectRef>
+          <a:fontRef idx="minor">
+            <a:schemeClr val="lt1"/>
+          </a:fontRef>
+        </p:style>
+        <p:txBody>
+          <a:bodyPr rtlCol="0" anchor="ctr"/>
+          <a:lstStyle/>
+          <a:p>
+            <a:pPr algn="ctr"/>
+            <a:endParaRPr lang="en-US"/>
+          </a:p>
+        </p:txBody>
+      </p:sp>
+      <p:sp>
+        <p:nvSpPr>
+          <p:cNvPr id="20" name="Rectangle: Rounded Corners 19">
+            <a:extLst>
+              <a:ext uri="{FF2B5EF4-FFF2-40B4-BE49-F238E27FC236}">
+                <a16:creationId xmlns:a16="http://schemas.microsoft.com/office/drawing/2014/main" id="{AED4AA92-6110-8CC8-0EDB-12AE0973D887}"/>
+              </a:ext>
+            </a:extLst>
+          </p:cNvPr>
+          <p:cNvSpPr/>
+          <p:nvPr/>
+        </p:nvSpPr>
+        <p:spPr>
+          <a:xfrm>
+            <a:off x="8976731" y="1233155"/>
+            <a:ext cx="557561" cy="474670"/>
+          </a:xfrm>
+          <a:prstGeom prst="roundRect">
+            <a:avLst/>
+          </a:prstGeom>
+          <a:solidFill>
+            <a:schemeClr val="bg1">
+              <a:lumMod val="75000"/>
+              <a:alpha val="59000"/>
+            </a:schemeClr>
+          </a:solidFill>
+          <a:ln w="3175">
+            <a:solidFill>
+              <a:schemeClr val="tx1"/>
+            </a:solidFill>
+          </a:ln>
+        </p:spPr>
+        <p:style>
+          <a:lnRef idx="2">
+            <a:schemeClr val="accent1">
+              <a:shade val="15000"/>
+            </a:schemeClr>
+          </a:lnRef>
+          <a:fillRef idx="1">
+            <a:schemeClr val="accent1"/>
+          </a:fillRef>
+          <a:effectRef idx="0">
+            <a:schemeClr val="accent1"/>
+          </a:effectRef>
+          <a:fontRef idx="minor">
+            <a:schemeClr val="lt1"/>
+          </a:fontRef>
+        </p:style>
+        <p:txBody>
+          <a:bodyPr rtlCol="0" anchor="ctr"/>
+          <a:lstStyle/>
+          <a:p>
+            <a:pPr algn="ctr"/>
+            <a:endParaRPr lang="en-US"/>
+          </a:p>
+        </p:txBody>
+      </p:sp>
+      <p:sp>
+        <p:nvSpPr>
+          <p:cNvPr id="21" name="TextBox 20">
+            <a:extLst>
+              <a:ext uri="{FF2B5EF4-FFF2-40B4-BE49-F238E27FC236}">
+                <a16:creationId xmlns:a16="http://schemas.microsoft.com/office/drawing/2014/main" id="{FB25FCDF-326B-0F63-34BB-7D1028E59477}"/>
+              </a:ext>
+            </a:extLst>
+          </p:cNvPr>
+          <p:cNvSpPr txBox="1"/>
+          <p:nvPr/>
+        </p:nvSpPr>
+        <p:spPr>
+          <a:xfrm>
+            <a:off x="9063932" y="1226635"/>
+            <a:ext cx="383438" cy="523220"/>
+          </a:xfrm>
+          <a:prstGeom prst="rect">
+            <a:avLst/>
+          </a:prstGeom>
+          <a:noFill/>
+        </p:spPr>
+        <p:txBody>
+          <a:bodyPr wrap="none" rtlCol="0">
+            <a:spAutoFit/>
+          </a:bodyPr>
+          <a:lstStyle/>
+          <a:p>
+            <a:r>
+              <a:rPr lang="en-US" sz="2800" dirty="0">
+                <a:ea typeface="ADLaM Display" panose="02010000000000000000" pitchFamily="2" charset="0"/>
+                <a:cs typeface="ADLaM Display" panose="02010000000000000000" pitchFamily="2" charset="0"/>
+              </a:rPr>
+              <a:t>X</a:t>
+            </a:r>
+          </a:p>
+        </p:txBody>
+      </p:sp>
+      <p:sp>
+        <p:nvSpPr>
+          <p:cNvPr id="22" name="TextBox 21">
+            <a:extLst>
+              <a:ext uri="{FF2B5EF4-FFF2-40B4-BE49-F238E27FC236}">
+                <a16:creationId xmlns:a16="http://schemas.microsoft.com/office/drawing/2014/main" id="{4649DA2E-622B-8700-5BF2-850866E76AAA}"/>
+              </a:ext>
+            </a:extLst>
+          </p:cNvPr>
+          <p:cNvSpPr txBox="1"/>
+          <p:nvPr/>
+        </p:nvSpPr>
+        <p:spPr>
+          <a:xfrm>
+            <a:off x="1596358" y="1988480"/>
+            <a:ext cx="7714910" cy="461665"/>
+          </a:xfrm>
+          <a:prstGeom prst="rect">
+            <a:avLst/>
+          </a:prstGeom>
+          <a:noFill/>
+        </p:spPr>
+        <p:txBody>
+          <a:bodyPr wrap="square" rtlCol="0">
+            <a:spAutoFit/>
+          </a:bodyPr>
+          <a:lstStyle/>
+          <a:p>
+            <a:r>
+              <a:rPr lang="en-US" sz="2400" b="1" dirty="0">
+                <a:ea typeface="ADLaM Display" panose="02010000000000000000" pitchFamily="2" charset="0"/>
+                <a:cs typeface="ADLaM Display" panose="02010000000000000000" pitchFamily="2" charset="0"/>
+              </a:rPr>
+              <a:t>Developer:</a:t>
+            </a:r>
+          </a:p>
+        </p:txBody>
+      </p:sp>
+      <p:sp>
+        <p:nvSpPr>
+          <p:cNvPr id="23" name="Rectangle: Rounded Corners 22">
+            <a:extLst>
+              <a:ext uri="{FF2B5EF4-FFF2-40B4-BE49-F238E27FC236}">
+                <a16:creationId xmlns:a16="http://schemas.microsoft.com/office/drawing/2014/main" id="{F548C85F-45C2-216D-36B2-213E6C4B4F7C}"/>
+              </a:ext>
+            </a:extLst>
+          </p:cNvPr>
+          <p:cNvSpPr/>
+          <p:nvPr/>
+        </p:nvSpPr>
+        <p:spPr>
+          <a:xfrm>
+            <a:off x="1479398" y="3822344"/>
+            <a:ext cx="8054894" cy="474670"/>
+          </a:xfrm>
+          <a:prstGeom prst="roundRect">
+            <a:avLst/>
+          </a:prstGeom>
+          <a:solidFill>
+            <a:schemeClr val="bg1">
+              <a:lumMod val="75000"/>
+              <a:alpha val="59000"/>
+            </a:schemeClr>
+          </a:solidFill>
+          <a:ln w="3175">
+            <a:solidFill>
+              <a:schemeClr val="tx1"/>
+            </a:solidFill>
+          </a:ln>
+        </p:spPr>
+        <p:style>
+          <a:lnRef idx="2">
+            <a:schemeClr val="accent1">
+              <a:shade val="15000"/>
+            </a:schemeClr>
+          </a:lnRef>
+          <a:fillRef idx="1">
+            <a:schemeClr val="accent1"/>
+          </a:fillRef>
+          <a:effectRef idx="0">
+            <a:schemeClr val="accent1"/>
+          </a:effectRef>
+          <a:fontRef idx="minor">
+            <a:schemeClr val="lt1"/>
+          </a:fontRef>
+        </p:style>
+        <p:txBody>
+          <a:bodyPr rtlCol="0" anchor="ctr"/>
+          <a:lstStyle/>
+          <a:p>
+            <a:pPr algn="ctr"/>
+            <a:endParaRPr lang="en-US"/>
+          </a:p>
+        </p:txBody>
+      </p:sp>
+      <p:sp>
+        <p:nvSpPr>
+          <p:cNvPr id="24" name="TextBox 23">
+            <a:extLst>
+              <a:ext uri="{FF2B5EF4-FFF2-40B4-BE49-F238E27FC236}">
+                <a16:creationId xmlns:a16="http://schemas.microsoft.com/office/drawing/2014/main" id="{A4D9787A-9B97-428C-6673-2BE2F644854A}"/>
+              </a:ext>
+            </a:extLst>
+          </p:cNvPr>
+          <p:cNvSpPr txBox="1"/>
+          <p:nvPr/>
+        </p:nvSpPr>
+        <p:spPr>
+          <a:xfrm>
+            <a:off x="1596357" y="3831836"/>
+            <a:ext cx="7714910" cy="461665"/>
+          </a:xfrm>
+          <a:prstGeom prst="rect">
+            <a:avLst/>
+          </a:prstGeom>
+          <a:noFill/>
+          <a:ln>
+            <a:noFill/>
+          </a:ln>
+        </p:spPr>
+        <p:txBody>
+          <a:bodyPr wrap="square" rtlCol="0">
+            <a:spAutoFit/>
+          </a:bodyPr>
+          <a:lstStyle/>
+          <a:p>
+            <a:r>
+              <a:rPr lang="en-US" sz="2400" b="1" dirty="0">
+                <a:ea typeface="ADLaM Display" panose="02010000000000000000" pitchFamily="2" charset="0"/>
+                <a:cs typeface="ADLaM Display" panose="02010000000000000000" pitchFamily="2" charset="0"/>
+              </a:rPr>
+              <a:t>Game project:</a:t>
+            </a:r>
+          </a:p>
+        </p:txBody>
+      </p:sp>
+      <p:pic>
+        <p:nvPicPr>
+          <p:cNvPr id="3" name="Graphic 2" descr="Information with solid fill">
+            <a:extLst>
+              <a:ext uri="{FF2B5EF4-FFF2-40B4-BE49-F238E27FC236}">
+                <a16:creationId xmlns:a16="http://schemas.microsoft.com/office/drawing/2014/main" id="{D387ABC8-6DE9-5EE2-B7ED-73FDF17F742D}"/>
+              </a:ext>
+            </a:extLst>
+          </p:cNvPr>
+          <p:cNvPicPr>
+            <a:picLocks noChangeAspect="1"/>
+          </p:cNvPicPr>
+          <p:nvPr/>
+        </p:nvPicPr>
+        <p:blipFill>
+          <a:blip r:embed="rId4">
+            <a:extLst>
+              <a:ext uri="{96DAC541-7B7A-43D3-8B79-37D633B846F1}">
+                <asvg:svgBlip xmlns:asvg="http://schemas.microsoft.com/office/drawing/2016/SVG/main" r:embed="rId5"/>
+              </a:ext>
+            </a:extLst>
+          </a:blip>
+          <a:stretch>
+            <a:fillRect/>
+          </a:stretch>
+        </p:blipFill>
+        <p:spPr>
+          <a:xfrm>
+            <a:off x="3557240" y="1220446"/>
+            <a:ext cx="423514" cy="423514"/>
+          </a:xfrm>
+          <a:prstGeom prst="rect">
+            <a:avLst/>
+          </a:prstGeom>
+        </p:spPr>
+      </p:pic>
+      <p:pic>
+        <p:nvPicPr>
+          <p:cNvPr id="5" name="Picture 4" descr="A person wearing glasses and smiling&#10;&#10;Description automatically generated">
+            <a:extLst>
+              <a:ext uri="{FF2B5EF4-FFF2-40B4-BE49-F238E27FC236}">
+                <a16:creationId xmlns:a16="http://schemas.microsoft.com/office/drawing/2014/main" id="{F1D9C522-E8FD-2C96-3547-5B3D8BE10E91}"/>
+              </a:ext>
+            </a:extLst>
+          </p:cNvPr>
+          <p:cNvPicPr>
+            <a:picLocks noChangeAspect="1"/>
+          </p:cNvPicPr>
+          <p:nvPr/>
+        </p:nvPicPr>
+        <p:blipFill rotWithShape="1">
+          <a:blip r:embed="rId6">
+            <a:extLst>
+              <a:ext uri="{28A0092B-C50C-407E-A947-70E740481C1C}">
+                <a14:useLocalDpi xmlns:a14="http://schemas.microsoft.com/office/drawing/2010/main" val="0"/>
+              </a:ext>
+            </a:extLst>
+          </a:blip>
+          <a:srcRect l="11541" t="17998" r="7383" b="9115"/>
+          <a:stretch/>
+        </p:blipFill>
+        <p:spPr>
+          <a:xfrm>
+            <a:off x="1618921" y="2736537"/>
+            <a:ext cx="752589" cy="757118"/>
+          </a:xfrm>
+          <a:prstGeom prst="ellipse">
+            <a:avLst/>
+          </a:prstGeom>
+        </p:spPr>
+      </p:pic>
+      <p:sp>
+        <p:nvSpPr>
+          <p:cNvPr id="9" name="TextBox 8">
+            <a:extLst>
+              <a:ext uri="{FF2B5EF4-FFF2-40B4-BE49-F238E27FC236}">
+                <a16:creationId xmlns:a16="http://schemas.microsoft.com/office/drawing/2014/main" id="{FFB1E401-5DFE-ED22-BE27-408D2752E7F2}"/>
+              </a:ext>
+            </a:extLst>
+          </p:cNvPr>
+          <p:cNvSpPr txBox="1"/>
+          <p:nvPr/>
+        </p:nvSpPr>
+        <p:spPr>
+          <a:xfrm>
+            <a:off x="2625682" y="2674252"/>
+            <a:ext cx="6696175" cy="830997"/>
+          </a:xfrm>
+          <a:prstGeom prst="rect">
+            <a:avLst/>
+          </a:prstGeom>
+          <a:noFill/>
+        </p:spPr>
+        <p:txBody>
+          <a:bodyPr wrap="square" rtlCol="0">
+            <a:spAutoFit/>
+          </a:bodyPr>
+          <a:lstStyle/>
+          <a:p>
+            <a:r>
+              <a:rPr lang="en-US" sz="2400" dirty="0">
+                <a:ea typeface="ADLaM Display" panose="02010000000000000000" pitchFamily="2" charset="0"/>
+                <a:cs typeface="ADLaM Display" panose="02010000000000000000" pitchFamily="2" charset="0"/>
+              </a:rPr>
+              <a:t>This game is developed by Majd Lahbib in a short period of time in goal to learn Godot.</a:t>
+            </a:r>
+          </a:p>
+        </p:txBody>
+      </p:sp>
+      <p:cxnSp>
+        <p:nvCxnSpPr>
+          <p:cNvPr id="11" name="Straight Connector 10">
+            <a:extLst>
+              <a:ext uri="{FF2B5EF4-FFF2-40B4-BE49-F238E27FC236}">
+                <a16:creationId xmlns:a16="http://schemas.microsoft.com/office/drawing/2014/main" id="{AA54430F-3F10-A4B0-7EFE-9C47DFB831DE}"/>
+              </a:ext>
+            </a:extLst>
+          </p:cNvPr>
+          <p:cNvCxnSpPr/>
+          <p:nvPr/>
+        </p:nvCxnSpPr>
+        <p:spPr>
+          <a:xfrm>
+            <a:off x="2597672" y="2736537"/>
+            <a:ext cx="0" cy="757118"/>
+          </a:xfrm>
+          <a:prstGeom prst="line">
+            <a:avLst/>
+          </a:prstGeom>
+          <a:ln>
+            <a:solidFill>
+              <a:schemeClr val="tx1"/>
+            </a:solidFill>
+          </a:ln>
+        </p:spPr>
+        <p:style>
+          <a:lnRef idx="2">
+            <a:schemeClr val="accent1"/>
+          </a:lnRef>
+          <a:fillRef idx="0">
+            <a:schemeClr val="accent1"/>
+          </a:fillRef>
+          <a:effectRef idx="1">
+            <a:schemeClr val="accent1"/>
+          </a:effectRef>
+          <a:fontRef idx="minor">
+            <a:schemeClr val="tx1"/>
+          </a:fontRef>
+        </p:style>
+      </p:cxnSp>
+      <p:sp>
+        <p:nvSpPr>
+          <p:cNvPr id="12" name="TextBox 11">
+            <a:extLst>
+              <a:ext uri="{FF2B5EF4-FFF2-40B4-BE49-F238E27FC236}">
+                <a16:creationId xmlns:a16="http://schemas.microsoft.com/office/drawing/2014/main" id="{9FC711FE-4218-4D18-6031-487F5251467E}"/>
+              </a:ext>
+            </a:extLst>
+          </p:cNvPr>
+          <p:cNvSpPr txBox="1"/>
+          <p:nvPr/>
+        </p:nvSpPr>
+        <p:spPr>
+          <a:xfrm>
+            <a:off x="1483282" y="4382630"/>
+            <a:ext cx="7964088" cy="1569660"/>
+          </a:xfrm>
+          <a:prstGeom prst="rect">
+            <a:avLst/>
+          </a:prstGeom>
+          <a:noFill/>
+        </p:spPr>
+        <p:txBody>
+          <a:bodyPr wrap="square" rtlCol="0">
+            <a:spAutoFit/>
+          </a:bodyPr>
+          <a:lstStyle/>
+          <a:p>
+            <a:r>
+              <a:rPr lang="en-US" sz="2400" dirty="0">
+                <a:ea typeface="ADLaM Display" panose="02010000000000000000" pitchFamily="2" charset="0"/>
+                <a:cs typeface="ADLaM Display" panose="02010000000000000000" pitchFamily="2" charset="0"/>
+              </a:rPr>
+              <a:t>This project is open-source. You can get it from @MajdLHB GitHub profile.</a:t>
+            </a:r>
+          </a:p>
+          <a:p>
+            <a:r>
+              <a:rPr lang="en-US" sz="2400" dirty="0">
+                <a:ea typeface="ADLaM Display" panose="02010000000000000000" pitchFamily="2" charset="0"/>
+                <a:cs typeface="ADLaM Display" panose="02010000000000000000" pitchFamily="2" charset="0"/>
+              </a:rPr>
+              <a:t>Feel free to make your version of the game by adding levels or you can just get things from the project</a:t>
+            </a:r>
+          </a:p>
+        </p:txBody>
+      </p:sp>
+      <p:sp>
+        <p:nvSpPr>
+          <p:cNvPr id="13" name="TextBox 12">
+            <a:extLst>
+              <a:ext uri="{FF2B5EF4-FFF2-40B4-BE49-F238E27FC236}">
+                <a16:creationId xmlns:a16="http://schemas.microsoft.com/office/drawing/2014/main" id="{395FF803-824E-B684-9475-09B6373150EC}"/>
+              </a:ext>
+            </a:extLst>
+          </p:cNvPr>
+          <p:cNvSpPr txBox="1"/>
+          <p:nvPr/>
+        </p:nvSpPr>
+        <p:spPr>
+          <a:xfrm>
+            <a:off x="1524801" y="5950338"/>
+            <a:ext cx="7964088" cy="369332"/>
+          </a:xfrm>
+          <a:prstGeom prst="rect">
+            <a:avLst/>
+          </a:prstGeom>
+          <a:noFill/>
+        </p:spPr>
+        <p:txBody>
+          <a:bodyPr wrap="square" rtlCol="0">
+            <a:spAutoFit/>
+          </a:bodyPr>
+          <a:lstStyle/>
+          <a:p>
+            <a:r>
+              <a:rPr lang="en-US" dirty="0">
+                <a:solidFill>
+                  <a:schemeClr val="bg1">
+                    <a:lumMod val="50000"/>
+                  </a:schemeClr>
+                </a:solidFill>
+                <a:ea typeface="ADLaM Display" panose="02010000000000000000" pitchFamily="2" charset="0"/>
+                <a:cs typeface="ADLaM Display" panose="02010000000000000000" pitchFamily="2" charset="0"/>
+              </a:rPr>
+              <a:t>© Majd Lahbib 2024 - MIT license – Game Version 1.0 PC  </a:t>
+            </a:r>
+          </a:p>
+        </p:txBody>
+      </p:sp>
+    </p:spTree>
+    <p:extLst>
+      <p:ext uri="{BB962C8B-B14F-4D97-AF65-F5344CB8AC3E}">
+        <p14:creationId xmlns:p14="http://schemas.microsoft.com/office/powerpoint/2010/main" val="961277298"/>
+      </p:ext>
+    </p:extLst>
+  </p:cSld>
+  <p:clrMapOvr>
+    <a:masterClrMapping/>
+  </p:clrMapOvr>
+</p:sld>
+</file>
+
+<file path=ppt/slides/slide12.xml><?xml version="1.0" encoding="utf-8"?>
+<p:sld xmlns:a="http://schemas.openxmlformats.org/drawingml/2006/main" xmlns:r="http://schemas.openxmlformats.org/officeDocument/2006/relationships" xmlns:p="http://schemas.openxmlformats.org/presentationml/2006/main">
+  <p:cSld>
+    <p:spTree>
+      <p:nvGrpSpPr>
+        <p:cNvPr id="1" name=""/>
+        <p:cNvGrpSpPr/>
+        <p:nvPr/>
+      </p:nvGrpSpPr>
+      <p:grpSpPr>
+        <a:xfrm>
+          <a:off x="0" y="0"/>
+          <a:ext cx="0" cy="0"/>
+          <a:chOff x="0" y="0"/>
+          <a:chExt cx="0" cy="0"/>
+        </a:xfrm>
+      </p:grpSpPr>
+      <p:sp>
+        <p:nvSpPr>
+          <p:cNvPr id="6" name="Rectangle: Rounded Corners 5">
+            <a:extLst>
+              <a:ext uri="{FF2B5EF4-FFF2-40B4-BE49-F238E27FC236}">
+                <a16:creationId xmlns:a16="http://schemas.microsoft.com/office/drawing/2014/main" id="{A7714DB5-6591-AF77-69E4-A416DA2D4DBB}"/>
+              </a:ext>
+            </a:extLst>
+          </p:cNvPr>
+          <p:cNvSpPr/>
+          <p:nvPr/>
+        </p:nvSpPr>
+        <p:spPr>
+          <a:xfrm>
             <a:off x="1204332" y="847492"/>
             <a:ext cx="8876371" cy="5553307"/>
           </a:xfrm>
@@ -5834,7 +8286,7 @@
 </p:sld>
 </file>
 
-<file path=ppt/slides/slide11.xml><?xml version="1.0" encoding="utf-8"?>
+<file path=ppt/slides/slide13.xml><?xml version="1.0" encoding="utf-8"?>
 <p:sld xmlns:a="http://schemas.openxmlformats.org/drawingml/2006/main" xmlns:r="http://schemas.openxmlformats.org/officeDocument/2006/relationships" xmlns:p="http://schemas.openxmlformats.org/presentationml/2006/main">
   <p:cSld>
     <p:spTree>
@@ -7404,7 +9856,7 @@
 </p:sld>
 </file>
 
-<file path=ppt/slides/slide12.xml><?xml version="1.0" encoding="utf-8"?>
+<file path=ppt/slides/slide14.xml><?xml version="1.0" encoding="utf-8"?>
 <p:sld xmlns:a="http://schemas.openxmlformats.org/drawingml/2006/main" xmlns:r="http://schemas.openxmlformats.org/officeDocument/2006/relationships" xmlns:p="http://schemas.openxmlformats.org/presentationml/2006/main">
   <p:cSld>
     <p:spTree>
@@ -9291,7 +11743,7 @@
 </p:sld>
 </file>
 
-<file path=ppt/slides/slide13.xml><?xml version="1.0" encoding="utf-8"?>
+<file path=ppt/slides/slide15.xml><?xml version="1.0" encoding="utf-8"?>
 <p:sld xmlns:a="http://schemas.openxmlformats.org/drawingml/2006/main" xmlns:r="http://schemas.openxmlformats.org/officeDocument/2006/relationships" xmlns:p="http://schemas.openxmlformats.org/presentationml/2006/main">
   <p:cSld>
     <p:spTree>
@@ -9367,6 +11819,920 @@
     <p:extLst>
       <p:ext uri="{BB962C8B-B14F-4D97-AF65-F5344CB8AC3E}">
         <p14:creationId xmlns:p14="http://schemas.microsoft.com/office/powerpoint/2010/main" val="3367941333"/>
+      </p:ext>
+    </p:extLst>
+  </p:cSld>
+  <p:clrMapOvr>
+    <a:masterClrMapping/>
+  </p:clrMapOvr>
+</p:sld>
+</file>
+
+<file path=ppt/slides/slide16.xml><?xml version="1.0" encoding="utf-8"?>
+<p:sld xmlns:a="http://schemas.openxmlformats.org/drawingml/2006/main" xmlns:r="http://schemas.openxmlformats.org/officeDocument/2006/relationships" xmlns:p="http://schemas.openxmlformats.org/presentationml/2006/main">
+  <p:cSld>
+    <p:bg>
+      <p:bgPr>
+        <a:solidFill>
+          <a:schemeClr val="bg1">
+            <a:alpha val="49000"/>
+          </a:schemeClr>
+        </a:solidFill>
+        <a:effectLst/>
+      </p:bgPr>
+    </p:bg>
+    <p:spTree>
+      <p:nvGrpSpPr>
+        <p:cNvPr id="1" name=""/>
+        <p:cNvGrpSpPr/>
+        <p:nvPr/>
+      </p:nvGrpSpPr>
+      <p:grpSpPr>
+        <a:xfrm>
+          <a:off x="0" y="0"/>
+          <a:ext cx="0" cy="0"/>
+          <a:chOff x="0" y="0"/>
+          <a:chExt cx="0" cy="0"/>
+        </a:xfrm>
+      </p:grpSpPr>
+      <p:sp>
+        <p:nvSpPr>
+          <p:cNvPr id="2" name="Rectangle: Rounded Corners 1">
+            <a:extLst>
+              <a:ext uri="{FF2B5EF4-FFF2-40B4-BE49-F238E27FC236}">
+                <a16:creationId xmlns:a16="http://schemas.microsoft.com/office/drawing/2014/main" id="{BD139EAC-D660-6A9E-FD70-4F23667C9D34}"/>
+              </a:ext>
+            </a:extLst>
+          </p:cNvPr>
+          <p:cNvSpPr/>
+          <p:nvPr/>
+        </p:nvSpPr>
+        <p:spPr>
+          <a:xfrm>
+            <a:off x="2074127" y="1761891"/>
+            <a:ext cx="2587083" cy="2135459"/>
+          </a:xfrm>
+          <a:prstGeom prst="roundRect">
+            <a:avLst>
+              <a:gd name="adj" fmla="val 22411"/>
+            </a:avLst>
+          </a:prstGeom>
+          <a:solidFill>
+            <a:schemeClr val="bg1">
+              <a:lumMod val="65000"/>
+              <a:alpha val="67000"/>
+            </a:schemeClr>
+          </a:solidFill>
+          <a:ln>
+            <a:noFill/>
+          </a:ln>
+          <a:effectLst>
+            <a:softEdge rad="31750"/>
+          </a:effectLst>
+        </p:spPr>
+        <p:style>
+          <a:lnRef idx="2">
+            <a:schemeClr val="accent1">
+              <a:shade val="15000"/>
+            </a:schemeClr>
+          </a:lnRef>
+          <a:fillRef idx="1">
+            <a:schemeClr val="accent1"/>
+          </a:fillRef>
+          <a:effectRef idx="0">
+            <a:schemeClr val="accent1"/>
+          </a:effectRef>
+          <a:fontRef idx="minor">
+            <a:schemeClr val="lt1"/>
+          </a:fontRef>
+        </p:style>
+        <p:txBody>
+          <a:bodyPr rtlCol="0" anchor="ctr"/>
+          <a:lstStyle/>
+          <a:p>
+            <a:pPr algn="ctr"/>
+            <a:endParaRPr lang="en-US" dirty="0"/>
+          </a:p>
+        </p:txBody>
+      </p:sp>
+      <p:sp>
+        <p:nvSpPr>
+          <p:cNvPr id="5" name="Rectangle: Rounded Corners 4">
+            <a:extLst>
+              <a:ext uri="{FF2B5EF4-FFF2-40B4-BE49-F238E27FC236}">
+                <a16:creationId xmlns:a16="http://schemas.microsoft.com/office/drawing/2014/main" id="{DF31CFB9-5CD4-5884-8F91-4B5A46824561}"/>
+              </a:ext>
+            </a:extLst>
+          </p:cNvPr>
+          <p:cNvSpPr/>
+          <p:nvPr/>
+        </p:nvSpPr>
+        <p:spPr>
+          <a:xfrm>
+            <a:off x="7322633" y="1516436"/>
+            <a:ext cx="2884449" cy="2380914"/>
+          </a:xfrm>
+          <a:prstGeom prst="roundRect">
+            <a:avLst>
+              <a:gd name="adj" fmla="val 22411"/>
+            </a:avLst>
+          </a:prstGeom>
+          <a:noFill/>
+          <a:ln w="38100">
+            <a:solidFill>
+              <a:schemeClr val="tx1"/>
+            </a:solidFill>
+          </a:ln>
+          <a:effectLst/>
+        </p:spPr>
+        <p:style>
+          <a:lnRef idx="2">
+            <a:schemeClr val="accent1">
+              <a:shade val="15000"/>
+            </a:schemeClr>
+          </a:lnRef>
+          <a:fillRef idx="1">
+            <a:schemeClr val="accent1"/>
+          </a:fillRef>
+          <a:effectRef idx="0">
+            <a:schemeClr val="accent1"/>
+          </a:effectRef>
+          <a:fontRef idx="minor">
+            <a:schemeClr val="lt1"/>
+          </a:fontRef>
+        </p:style>
+        <p:txBody>
+          <a:bodyPr rtlCol="0" anchor="ctr"/>
+          <a:lstStyle/>
+          <a:p>
+            <a:pPr algn="ctr"/>
+            <a:endParaRPr lang="en-US" dirty="0"/>
+          </a:p>
+        </p:txBody>
+      </p:sp>
+    </p:spTree>
+    <p:extLst>
+      <p:ext uri="{BB962C8B-B14F-4D97-AF65-F5344CB8AC3E}">
+        <p14:creationId xmlns:p14="http://schemas.microsoft.com/office/powerpoint/2010/main" val="969858492"/>
+      </p:ext>
+    </p:extLst>
+  </p:cSld>
+  <p:clrMapOvr>
+    <a:masterClrMapping/>
+  </p:clrMapOvr>
+</p:sld>
+</file>
+
+<file path=ppt/slides/slide17.xml><?xml version="1.0" encoding="utf-8"?>
+<p:sld xmlns:a="http://schemas.openxmlformats.org/drawingml/2006/main" xmlns:r="http://schemas.openxmlformats.org/officeDocument/2006/relationships" xmlns:p="http://schemas.openxmlformats.org/presentationml/2006/main">
+  <p:cSld>
+    <p:spTree>
+      <p:nvGrpSpPr>
+        <p:cNvPr id="1" name=""/>
+        <p:cNvGrpSpPr/>
+        <p:nvPr/>
+      </p:nvGrpSpPr>
+      <p:grpSpPr>
+        <a:xfrm>
+          <a:off x="0" y="0"/>
+          <a:ext cx="0" cy="0"/>
+          <a:chOff x="0" y="0"/>
+          <a:chExt cx="0" cy="0"/>
+        </a:xfrm>
+      </p:grpSpPr>
+      <p:sp>
+        <p:nvSpPr>
+          <p:cNvPr id="2" name="Rectangle: Rounded Corners 1">
+            <a:extLst>
+              <a:ext uri="{FF2B5EF4-FFF2-40B4-BE49-F238E27FC236}">
+                <a16:creationId xmlns:a16="http://schemas.microsoft.com/office/drawing/2014/main" id="{B09FB47D-F783-A30C-233E-9123344D4D32}"/>
+              </a:ext>
+            </a:extLst>
+          </p:cNvPr>
+          <p:cNvSpPr/>
+          <p:nvPr/>
+        </p:nvSpPr>
+        <p:spPr>
+          <a:xfrm>
+            <a:off x="0" y="0"/>
+            <a:ext cx="12192000" cy="6858000"/>
+          </a:xfrm>
+          <a:prstGeom prst="roundRect">
+            <a:avLst>
+              <a:gd name="adj" fmla="val 0"/>
+            </a:avLst>
+          </a:prstGeom>
+          <a:blipFill dpi="0" rotWithShape="1">
+            <a:blip r:embed="rId3">
+              <a:alphaModFix amt="47000"/>
+            </a:blip>
+            <a:srcRect/>
+            <a:stretch>
+              <a:fillRect/>
+            </a:stretch>
+          </a:blipFill>
+          <a:ln w="6350">
+            <a:solidFill>
+              <a:schemeClr val="tx1"/>
+            </a:solidFill>
+          </a:ln>
+        </p:spPr>
+        <p:style>
+          <a:lnRef idx="2">
+            <a:schemeClr val="accent1">
+              <a:shade val="15000"/>
+            </a:schemeClr>
+          </a:lnRef>
+          <a:fillRef idx="1">
+            <a:schemeClr val="accent1"/>
+          </a:fillRef>
+          <a:effectRef idx="0">
+            <a:schemeClr val="accent1"/>
+          </a:effectRef>
+          <a:fontRef idx="minor">
+            <a:schemeClr val="lt1"/>
+          </a:fontRef>
+        </p:style>
+        <p:txBody>
+          <a:bodyPr rtlCol="0" anchor="ctr"/>
+          <a:lstStyle/>
+          <a:p>
+            <a:pPr algn="ctr"/>
+            <a:endParaRPr lang="en-US" dirty="0"/>
+          </a:p>
+        </p:txBody>
+      </p:sp>
+      <p:pic>
+        <p:nvPicPr>
+          <p:cNvPr id="3" name="Picture 2">
+            <a:extLst>
+              <a:ext uri="{FF2B5EF4-FFF2-40B4-BE49-F238E27FC236}">
+                <a16:creationId xmlns:a16="http://schemas.microsoft.com/office/drawing/2014/main" id="{14185F3A-37E3-8221-4129-8B9DEA940CF2}"/>
+              </a:ext>
+            </a:extLst>
+          </p:cNvPr>
+          <p:cNvPicPr>
+            <a:picLocks noChangeAspect="1"/>
+          </p:cNvPicPr>
+          <p:nvPr/>
+        </p:nvPicPr>
+        <p:blipFill>
+          <a:blip r:embed="rId4">
+            <a:alphaModFix amt="35000"/>
+          </a:blip>
+          <a:srcRect l="16669" t="-1" r="20547" b="-671"/>
+          <a:stretch/>
+        </p:blipFill>
+        <p:spPr>
+          <a:xfrm>
+            <a:off x="0" y="0"/>
+            <a:ext cx="4025736" cy="2505694"/>
+          </a:xfrm>
+          <a:prstGeom prst="rect">
+            <a:avLst/>
+          </a:prstGeom>
+        </p:spPr>
+      </p:pic>
+      <p:pic>
+        <p:nvPicPr>
+          <p:cNvPr id="12" name="Picture 11">
+            <a:extLst>
+              <a:ext uri="{FF2B5EF4-FFF2-40B4-BE49-F238E27FC236}">
+                <a16:creationId xmlns:a16="http://schemas.microsoft.com/office/drawing/2014/main" id="{468D9E04-61C2-F3C4-D94A-C68A9447375D}"/>
+              </a:ext>
+            </a:extLst>
+          </p:cNvPr>
+          <p:cNvPicPr>
+            <a:picLocks noChangeAspect="1"/>
+          </p:cNvPicPr>
+          <p:nvPr/>
+        </p:nvPicPr>
+        <p:blipFill>
+          <a:blip r:embed="rId4">
+            <a:alphaModFix amt="35000"/>
+          </a:blip>
+          <a:srcRect l="16669" t="-1" r="20547" b="-671"/>
+          <a:stretch/>
+        </p:blipFill>
+        <p:spPr>
+          <a:xfrm>
+            <a:off x="4025736" y="0"/>
+            <a:ext cx="4025736" cy="2505694"/>
+          </a:xfrm>
+          <a:prstGeom prst="rect">
+            <a:avLst/>
+          </a:prstGeom>
+        </p:spPr>
+      </p:pic>
+      <p:pic>
+        <p:nvPicPr>
+          <p:cNvPr id="13" name="Picture 12">
+            <a:extLst>
+              <a:ext uri="{FF2B5EF4-FFF2-40B4-BE49-F238E27FC236}">
+                <a16:creationId xmlns:a16="http://schemas.microsoft.com/office/drawing/2014/main" id="{F6FA28D5-2946-ECFE-0F07-18C92723FF55}"/>
+              </a:ext>
+            </a:extLst>
+          </p:cNvPr>
+          <p:cNvPicPr>
+            <a:picLocks noChangeAspect="1"/>
+          </p:cNvPicPr>
+          <p:nvPr/>
+        </p:nvPicPr>
+        <p:blipFill>
+          <a:blip r:embed="rId4">
+            <a:alphaModFix amt="35000"/>
+          </a:blip>
+          <a:srcRect l="16669" t="-1" r="20547" b="-671"/>
+          <a:stretch/>
+        </p:blipFill>
+        <p:spPr>
+          <a:xfrm>
+            <a:off x="8051472" y="0"/>
+            <a:ext cx="4025736" cy="2505694"/>
+          </a:xfrm>
+          <a:prstGeom prst="rect">
+            <a:avLst/>
+          </a:prstGeom>
+        </p:spPr>
+      </p:pic>
+      <p:pic>
+        <p:nvPicPr>
+          <p:cNvPr id="14" name="Picture 13">
+            <a:extLst>
+              <a:ext uri="{FF2B5EF4-FFF2-40B4-BE49-F238E27FC236}">
+                <a16:creationId xmlns:a16="http://schemas.microsoft.com/office/drawing/2014/main" id="{8A1D81BF-6F71-5EC3-5954-E6F2CBEF6291}"/>
+              </a:ext>
+            </a:extLst>
+          </p:cNvPr>
+          <p:cNvPicPr>
+            <a:picLocks noChangeAspect="1"/>
+          </p:cNvPicPr>
+          <p:nvPr/>
+        </p:nvPicPr>
+        <p:blipFill>
+          <a:blip r:embed="rId4">
+            <a:alphaModFix amt="35000"/>
+          </a:blip>
+          <a:srcRect l="16669" t="-1" r="20547" b="-671"/>
+          <a:stretch/>
+        </p:blipFill>
+        <p:spPr>
+          <a:xfrm>
+            <a:off x="12077208" y="0"/>
+            <a:ext cx="4025736" cy="2505694"/>
+          </a:xfrm>
+          <a:prstGeom prst="rect">
+            <a:avLst/>
+          </a:prstGeom>
+        </p:spPr>
+      </p:pic>
+      <p:pic>
+        <p:nvPicPr>
+          <p:cNvPr id="15" name="Picture 14">
+            <a:extLst>
+              <a:ext uri="{FF2B5EF4-FFF2-40B4-BE49-F238E27FC236}">
+                <a16:creationId xmlns:a16="http://schemas.microsoft.com/office/drawing/2014/main" id="{51347134-BD17-AE4D-2C68-67B047E55A29}"/>
+              </a:ext>
+            </a:extLst>
+          </p:cNvPr>
+          <p:cNvPicPr>
+            <a:picLocks noChangeAspect="1"/>
+          </p:cNvPicPr>
+          <p:nvPr/>
+        </p:nvPicPr>
+        <p:blipFill>
+          <a:blip r:embed="rId4">
+            <a:alphaModFix amt="35000"/>
+          </a:blip>
+          <a:srcRect l="16669" t="-1" r="20547" b="-671"/>
+          <a:stretch/>
+        </p:blipFill>
+        <p:spPr>
+          <a:xfrm>
+            <a:off x="-1898074" y="2505694"/>
+            <a:ext cx="4025736" cy="2505694"/>
+          </a:xfrm>
+          <a:prstGeom prst="rect">
+            <a:avLst/>
+          </a:prstGeom>
+        </p:spPr>
+      </p:pic>
+      <p:pic>
+        <p:nvPicPr>
+          <p:cNvPr id="16" name="Picture 15">
+            <a:extLst>
+              <a:ext uri="{FF2B5EF4-FFF2-40B4-BE49-F238E27FC236}">
+                <a16:creationId xmlns:a16="http://schemas.microsoft.com/office/drawing/2014/main" id="{DA534E4E-4A5D-2A10-38C5-087241051F00}"/>
+              </a:ext>
+            </a:extLst>
+          </p:cNvPr>
+          <p:cNvPicPr>
+            <a:picLocks noChangeAspect="1"/>
+          </p:cNvPicPr>
+          <p:nvPr/>
+        </p:nvPicPr>
+        <p:blipFill>
+          <a:blip r:embed="rId4">
+            <a:alphaModFix amt="35000"/>
+          </a:blip>
+          <a:srcRect l="16669" t="-1" r="20547" b="-671"/>
+          <a:stretch/>
+        </p:blipFill>
+        <p:spPr>
+          <a:xfrm>
+            <a:off x="2127662" y="2505694"/>
+            <a:ext cx="4025736" cy="2505694"/>
+          </a:xfrm>
+          <a:prstGeom prst="rect">
+            <a:avLst/>
+          </a:prstGeom>
+        </p:spPr>
+      </p:pic>
+      <p:pic>
+        <p:nvPicPr>
+          <p:cNvPr id="17" name="Picture 16">
+            <a:extLst>
+              <a:ext uri="{FF2B5EF4-FFF2-40B4-BE49-F238E27FC236}">
+                <a16:creationId xmlns:a16="http://schemas.microsoft.com/office/drawing/2014/main" id="{D50A6A24-5F9A-C5E2-E183-1FF3B5F3315B}"/>
+              </a:ext>
+            </a:extLst>
+          </p:cNvPr>
+          <p:cNvPicPr>
+            <a:picLocks noChangeAspect="1"/>
+          </p:cNvPicPr>
+          <p:nvPr/>
+        </p:nvPicPr>
+        <p:blipFill>
+          <a:blip r:embed="rId4">
+            <a:alphaModFix amt="35000"/>
+          </a:blip>
+          <a:srcRect l="16669" t="-1" r="20547" b="-671"/>
+          <a:stretch/>
+        </p:blipFill>
+        <p:spPr>
+          <a:xfrm>
+            <a:off x="6153398" y="2505694"/>
+            <a:ext cx="4025736" cy="2505694"/>
+          </a:xfrm>
+          <a:prstGeom prst="rect">
+            <a:avLst/>
+          </a:prstGeom>
+        </p:spPr>
+      </p:pic>
+      <p:pic>
+        <p:nvPicPr>
+          <p:cNvPr id="18" name="Picture 17">
+            <a:extLst>
+              <a:ext uri="{FF2B5EF4-FFF2-40B4-BE49-F238E27FC236}">
+                <a16:creationId xmlns:a16="http://schemas.microsoft.com/office/drawing/2014/main" id="{CCC6E6F9-921C-5752-7527-E7F3185BE5EA}"/>
+              </a:ext>
+            </a:extLst>
+          </p:cNvPr>
+          <p:cNvPicPr>
+            <a:picLocks noChangeAspect="1"/>
+          </p:cNvPicPr>
+          <p:nvPr/>
+        </p:nvPicPr>
+        <p:blipFill>
+          <a:blip r:embed="rId4">
+            <a:alphaModFix amt="35000"/>
+          </a:blip>
+          <a:srcRect l="16669" t="-1" r="20547" b="-671"/>
+          <a:stretch/>
+        </p:blipFill>
+        <p:spPr>
+          <a:xfrm>
+            <a:off x="10179134" y="2505694"/>
+            <a:ext cx="4025736" cy="2505694"/>
+          </a:xfrm>
+          <a:prstGeom prst="rect">
+            <a:avLst/>
+          </a:prstGeom>
+        </p:spPr>
+      </p:pic>
+      <p:pic>
+        <p:nvPicPr>
+          <p:cNvPr id="19" name="Picture 18">
+            <a:extLst>
+              <a:ext uri="{FF2B5EF4-FFF2-40B4-BE49-F238E27FC236}">
+                <a16:creationId xmlns:a16="http://schemas.microsoft.com/office/drawing/2014/main" id="{171A6549-A434-31C9-70D0-042CA166CDFD}"/>
+              </a:ext>
+            </a:extLst>
+          </p:cNvPr>
+          <p:cNvPicPr>
+            <a:picLocks noChangeAspect="1"/>
+          </p:cNvPicPr>
+          <p:nvPr/>
+        </p:nvPicPr>
+        <p:blipFill>
+          <a:blip r:embed="rId4">
+            <a:alphaModFix amt="35000"/>
+          </a:blip>
+          <a:srcRect l="16669" t="-1" r="20547" b="-671"/>
+          <a:stretch/>
+        </p:blipFill>
+        <p:spPr>
+          <a:xfrm>
+            <a:off x="-1094509" y="5011388"/>
+            <a:ext cx="4025736" cy="2505694"/>
+          </a:xfrm>
+          <a:prstGeom prst="rect">
+            <a:avLst/>
+          </a:prstGeom>
+        </p:spPr>
+      </p:pic>
+      <p:pic>
+        <p:nvPicPr>
+          <p:cNvPr id="20" name="Picture 19">
+            <a:extLst>
+              <a:ext uri="{FF2B5EF4-FFF2-40B4-BE49-F238E27FC236}">
+                <a16:creationId xmlns:a16="http://schemas.microsoft.com/office/drawing/2014/main" id="{C42BC9B1-2B0D-1B16-394D-3B68062B2CAE}"/>
+              </a:ext>
+            </a:extLst>
+          </p:cNvPr>
+          <p:cNvPicPr>
+            <a:picLocks noChangeAspect="1"/>
+          </p:cNvPicPr>
+          <p:nvPr/>
+        </p:nvPicPr>
+        <p:blipFill>
+          <a:blip r:embed="rId4">
+            <a:alphaModFix amt="35000"/>
+          </a:blip>
+          <a:srcRect l="16669" t="-1" r="20547" b="-671"/>
+          <a:stretch/>
+        </p:blipFill>
+        <p:spPr>
+          <a:xfrm>
+            <a:off x="2931227" y="5011388"/>
+            <a:ext cx="4025736" cy="2505694"/>
+          </a:xfrm>
+          <a:prstGeom prst="rect">
+            <a:avLst/>
+          </a:prstGeom>
+        </p:spPr>
+      </p:pic>
+      <p:pic>
+        <p:nvPicPr>
+          <p:cNvPr id="21" name="Picture 20">
+            <a:extLst>
+              <a:ext uri="{FF2B5EF4-FFF2-40B4-BE49-F238E27FC236}">
+                <a16:creationId xmlns:a16="http://schemas.microsoft.com/office/drawing/2014/main" id="{074D90A1-2CB1-CE1A-C711-EFF1C30A5AF3}"/>
+              </a:ext>
+            </a:extLst>
+          </p:cNvPr>
+          <p:cNvPicPr>
+            <a:picLocks noChangeAspect="1"/>
+          </p:cNvPicPr>
+          <p:nvPr/>
+        </p:nvPicPr>
+        <p:blipFill>
+          <a:blip r:embed="rId4">
+            <a:alphaModFix amt="35000"/>
+          </a:blip>
+          <a:srcRect l="16669" t="-1" r="20547" b="-671"/>
+          <a:stretch/>
+        </p:blipFill>
+        <p:spPr>
+          <a:xfrm>
+            <a:off x="6956963" y="5011388"/>
+            <a:ext cx="4025736" cy="2505694"/>
+          </a:xfrm>
+          <a:prstGeom prst="rect">
+            <a:avLst/>
+          </a:prstGeom>
+        </p:spPr>
+      </p:pic>
+      <p:pic>
+        <p:nvPicPr>
+          <p:cNvPr id="22" name="Picture 21">
+            <a:extLst>
+              <a:ext uri="{FF2B5EF4-FFF2-40B4-BE49-F238E27FC236}">
+                <a16:creationId xmlns:a16="http://schemas.microsoft.com/office/drawing/2014/main" id="{41D1FAF4-4937-17B0-CA1C-3335C26D8F2A}"/>
+              </a:ext>
+            </a:extLst>
+          </p:cNvPr>
+          <p:cNvPicPr>
+            <a:picLocks noChangeAspect="1"/>
+          </p:cNvPicPr>
+          <p:nvPr/>
+        </p:nvPicPr>
+        <p:blipFill>
+          <a:blip r:embed="rId4">
+            <a:alphaModFix amt="35000"/>
+          </a:blip>
+          <a:srcRect l="16669" t="-1" r="20547" b="-671"/>
+          <a:stretch/>
+        </p:blipFill>
+        <p:spPr>
+          <a:xfrm>
+            <a:off x="10982699" y="5011388"/>
+            <a:ext cx="4025736" cy="2505694"/>
+          </a:xfrm>
+          <a:prstGeom prst="rect">
+            <a:avLst/>
+          </a:prstGeom>
+        </p:spPr>
+      </p:pic>
+      <p:sp>
+        <p:nvSpPr>
+          <p:cNvPr id="23" name="TextBox 22">
+            <a:extLst>
+              <a:ext uri="{FF2B5EF4-FFF2-40B4-BE49-F238E27FC236}">
+                <a16:creationId xmlns:a16="http://schemas.microsoft.com/office/drawing/2014/main" id="{204E4E93-B527-7C93-ACA6-AEC2FEB3FD89}"/>
+              </a:ext>
+            </a:extLst>
+          </p:cNvPr>
+          <p:cNvSpPr txBox="1"/>
+          <p:nvPr/>
+        </p:nvSpPr>
+        <p:spPr>
+          <a:xfrm>
+            <a:off x="1699166" y="2274838"/>
+            <a:ext cx="8908464" cy="769441"/>
+          </a:xfrm>
+          <a:prstGeom prst="rect">
+            <a:avLst/>
+          </a:prstGeom>
+          <a:noFill/>
+        </p:spPr>
+        <p:txBody>
+          <a:bodyPr wrap="none" rtlCol="0">
+            <a:spAutoFit/>
+          </a:bodyPr>
+          <a:lstStyle/>
+          <a:p>
+            <a:r>
+              <a:rPr lang="en-US" sz="4400" b="1" dirty="0"/>
+              <a:t>THANKS FOR PLAYING THE DEMO!</a:t>
+            </a:r>
+          </a:p>
+        </p:txBody>
+      </p:sp>
+      <p:pic>
+        <p:nvPicPr>
+          <p:cNvPr id="24" name="Picture 23">
+            <a:extLst>
+              <a:ext uri="{FF2B5EF4-FFF2-40B4-BE49-F238E27FC236}">
+                <a16:creationId xmlns:a16="http://schemas.microsoft.com/office/drawing/2014/main" id="{AAF829FE-3ED4-A70D-3E98-6959E61C115A}"/>
+              </a:ext>
+            </a:extLst>
+          </p:cNvPr>
+          <p:cNvPicPr>
+            <a:picLocks noChangeAspect="1"/>
+          </p:cNvPicPr>
+          <p:nvPr/>
+        </p:nvPicPr>
+        <p:blipFill>
+          <a:blip r:embed="rId5"/>
+          <a:stretch>
+            <a:fillRect/>
+          </a:stretch>
+        </p:blipFill>
+        <p:spPr>
+          <a:xfrm>
+            <a:off x="4068120" y="1136077"/>
+            <a:ext cx="4170556" cy="1254189"/>
+          </a:xfrm>
+          <a:prstGeom prst="rect">
+            <a:avLst/>
+          </a:prstGeom>
+        </p:spPr>
+      </p:pic>
+      <p:sp>
+        <p:nvSpPr>
+          <p:cNvPr id="25" name="TextBox 24">
+            <a:extLst>
+              <a:ext uri="{FF2B5EF4-FFF2-40B4-BE49-F238E27FC236}">
+                <a16:creationId xmlns:a16="http://schemas.microsoft.com/office/drawing/2014/main" id="{A9DAA0A4-1335-1EAB-A497-273953E5E23A}"/>
+              </a:ext>
+            </a:extLst>
+          </p:cNvPr>
+          <p:cNvSpPr txBox="1"/>
+          <p:nvPr/>
+        </p:nvSpPr>
+        <p:spPr>
+          <a:xfrm>
+            <a:off x="3194927" y="2928874"/>
+            <a:ext cx="5930021" cy="461665"/>
+          </a:xfrm>
+          <a:prstGeom prst="rect">
+            <a:avLst/>
+          </a:prstGeom>
+          <a:noFill/>
+        </p:spPr>
+        <p:txBody>
+          <a:bodyPr wrap="none" rtlCol="0">
+            <a:spAutoFit/>
+          </a:bodyPr>
+          <a:lstStyle/>
+          <a:p>
+            <a:r>
+              <a:rPr lang="en-US" sz="2400" dirty="0"/>
+              <a:t>THE FULL GAME WILL LAUNCH ON ITCH.IO</a:t>
+            </a:r>
+          </a:p>
+        </p:txBody>
+      </p:sp>
+      <p:sp>
+        <p:nvSpPr>
+          <p:cNvPr id="26" name="TextBox 25">
+            <a:extLst>
+              <a:ext uri="{FF2B5EF4-FFF2-40B4-BE49-F238E27FC236}">
+                <a16:creationId xmlns:a16="http://schemas.microsoft.com/office/drawing/2014/main" id="{46C12068-E3B3-768A-4937-4EE0D6B3DCFE}"/>
+              </a:ext>
+            </a:extLst>
+          </p:cNvPr>
+          <p:cNvSpPr txBox="1"/>
+          <p:nvPr/>
+        </p:nvSpPr>
+        <p:spPr>
+          <a:xfrm>
+            <a:off x="3141111" y="4888301"/>
+            <a:ext cx="5794983" cy="707886"/>
+          </a:xfrm>
+          <a:prstGeom prst="rect">
+            <a:avLst/>
+          </a:prstGeom>
+          <a:noFill/>
+        </p:spPr>
+        <p:txBody>
+          <a:bodyPr wrap="none" rtlCol="0">
+            <a:spAutoFit/>
+          </a:bodyPr>
+          <a:lstStyle/>
+          <a:p>
+            <a:pPr algn="ctr"/>
+            <a:r>
+              <a:rPr lang="en-US" sz="2000" dirty="0"/>
+              <a:t>THIS IS AN OPEN-SOURSE GODOT PROJECT</a:t>
+            </a:r>
+          </a:p>
+          <a:p>
+            <a:pPr algn="ctr"/>
+            <a:r>
+              <a:rPr lang="en-US" sz="2000" dirty="0"/>
+              <a:t>YOU CAN FIND ON @MAJDLHB GITHUB ACCOUNT</a:t>
+            </a:r>
+          </a:p>
+        </p:txBody>
+      </p:sp>
+      <p:sp>
+        <p:nvSpPr>
+          <p:cNvPr id="27" name="TextBox 26">
+            <a:extLst>
+              <a:ext uri="{FF2B5EF4-FFF2-40B4-BE49-F238E27FC236}">
+                <a16:creationId xmlns:a16="http://schemas.microsoft.com/office/drawing/2014/main" id="{F19AC7FC-E396-8A69-BF95-7D8A8BFC08EE}"/>
+              </a:ext>
+            </a:extLst>
+          </p:cNvPr>
+          <p:cNvSpPr txBox="1"/>
+          <p:nvPr/>
+        </p:nvSpPr>
+        <p:spPr>
+          <a:xfrm>
+            <a:off x="3772789" y="5756403"/>
+            <a:ext cx="4531625" cy="1015663"/>
+          </a:xfrm>
+          <a:prstGeom prst="rect">
+            <a:avLst/>
+          </a:prstGeom>
+          <a:noFill/>
+        </p:spPr>
+        <p:txBody>
+          <a:bodyPr wrap="none" rtlCol="0">
+            <a:spAutoFit/>
+          </a:bodyPr>
+          <a:lstStyle/>
+          <a:p>
+            <a:pPr algn="ctr"/>
+            <a:r>
+              <a:rPr lang="en-US" sz="2000" dirty="0"/>
+              <a:t>IT’S MY FIRST TIME WITH GODOT </a:t>
+            </a:r>
+          </a:p>
+          <a:p>
+            <a:pPr algn="ctr"/>
+            <a:r>
+              <a:rPr lang="en-US" sz="2000" dirty="0"/>
+              <a:t>AFTER USING UNITY FOR A LONG TIME </a:t>
+            </a:r>
+          </a:p>
+          <a:p>
+            <a:pPr algn="ctr"/>
+            <a:r>
+              <a:rPr lang="en-US" sz="2000" dirty="0"/>
+              <a:t>AND UNREAL ENGINE 4 ONCE BEFORE</a:t>
+            </a:r>
+          </a:p>
+        </p:txBody>
+      </p:sp>
+      <p:sp>
+        <p:nvSpPr>
+          <p:cNvPr id="28" name="TextBox 27">
+            <a:extLst>
+              <a:ext uri="{FF2B5EF4-FFF2-40B4-BE49-F238E27FC236}">
+                <a16:creationId xmlns:a16="http://schemas.microsoft.com/office/drawing/2014/main" id="{AE2204B8-D2F9-8440-9BD5-B9103E283883}"/>
+              </a:ext>
+            </a:extLst>
+          </p:cNvPr>
+          <p:cNvSpPr txBox="1"/>
+          <p:nvPr/>
+        </p:nvSpPr>
+        <p:spPr>
+          <a:xfrm>
+            <a:off x="4302516" y="166587"/>
+            <a:ext cx="3472169" cy="615553"/>
+          </a:xfrm>
+          <a:prstGeom prst="rect">
+            <a:avLst/>
+          </a:prstGeom>
+          <a:noFill/>
+        </p:spPr>
+        <p:txBody>
+          <a:bodyPr wrap="none" rtlCol="0">
+            <a:spAutoFit/>
+          </a:bodyPr>
+          <a:lstStyle/>
+          <a:p>
+            <a:pPr algn="ctr"/>
+            <a:r>
+              <a:rPr lang="en-US" sz="2000" dirty="0"/>
+              <a:t>DEVELOPED BY MAJD LAHBIB</a:t>
+            </a:r>
+          </a:p>
+          <a:p>
+            <a:pPr algn="ctr"/>
+            <a:r>
+              <a:rPr lang="en-US" sz="1400" dirty="0"/>
+              <a:t>IN GODOT 4</a:t>
+            </a:r>
+          </a:p>
+        </p:txBody>
+      </p:sp>
+    </p:spTree>
+    <p:extLst>
+      <p:ext uri="{BB962C8B-B14F-4D97-AF65-F5344CB8AC3E}">
+        <p14:creationId xmlns:p14="http://schemas.microsoft.com/office/powerpoint/2010/main" val="3174193374"/>
+      </p:ext>
+    </p:extLst>
+  </p:cSld>
+  <p:clrMapOvr>
+    <a:masterClrMapping/>
+  </p:clrMapOvr>
+</p:sld>
+</file>
+
+<file path=ppt/slides/slide18.xml><?xml version="1.0" encoding="utf-8"?>
+<p:sld xmlns:a="http://schemas.openxmlformats.org/drawingml/2006/main" xmlns:r="http://schemas.openxmlformats.org/officeDocument/2006/relationships" xmlns:p="http://schemas.openxmlformats.org/presentationml/2006/main">
+  <p:cSld>
+    <p:spTree>
+      <p:nvGrpSpPr>
+        <p:cNvPr id="1" name=""/>
+        <p:cNvGrpSpPr/>
+        <p:nvPr/>
+      </p:nvGrpSpPr>
+      <p:grpSpPr>
+        <a:xfrm>
+          <a:off x="0" y="0"/>
+          <a:ext cx="0" cy="0"/>
+          <a:chOff x="0" y="0"/>
+          <a:chExt cx="0" cy="0"/>
+        </a:xfrm>
+      </p:grpSpPr>
+      <p:pic>
+        <p:nvPicPr>
+          <p:cNvPr id="2" name="Picture 1">
+            <a:extLst>
+              <a:ext uri="{FF2B5EF4-FFF2-40B4-BE49-F238E27FC236}">
+                <a16:creationId xmlns:a16="http://schemas.microsoft.com/office/drawing/2014/main" id="{BA17B61F-0B67-275C-7E23-192FE9DB77E1}"/>
+              </a:ext>
+            </a:extLst>
+          </p:cNvPr>
+          <p:cNvPicPr>
+            <a:picLocks noChangeAspect="1"/>
+          </p:cNvPicPr>
+          <p:nvPr/>
+        </p:nvPicPr>
+        <p:blipFill>
+          <a:blip r:embed="rId2"/>
+          <a:srcRect l="10522" r="21642" b="8801"/>
+          <a:stretch/>
+        </p:blipFill>
+        <p:spPr>
+          <a:xfrm>
+            <a:off x="0" y="14068"/>
+            <a:ext cx="12192000" cy="6843932"/>
+          </a:xfrm>
+          <a:prstGeom prst="rect">
+            <a:avLst/>
+          </a:prstGeom>
+        </p:spPr>
+      </p:pic>
+    </p:spTree>
+    <p:extLst>
+      <p:ext uri="{BB962C8B-B14F-4D97-AF65-F5344CB8AC3E}">
+        <p14:creationId xmlns:p14="http://schemas.microsoft.com/office/powerpoint/2010/main" val="3404733633"/>
       </p:ext>
     </p:extLst>
   </p:cSld>
@@ -9395,10 +12761,10 @@
       </p:grpSpPr>
       <p:sp>
         <p:nvSpPr>
-          <p:cNvPr id="2" name="Rectangle 1">
-            <a:extLst>
-              <a:ext uri="{FF2B5EF4-FFF2-40B4-BE49-F238E27FC236}">
-                <a16:creationId xmlns:a16="http://schemas.microsoft.com/office/drawing/2014/main" id="{20B22D9D-E8B4-34B2-9E1C-0857AF7881EC}"/>
+          <p:cNvPr id="6" name="Rectangle 5">
+            <a:extLst>
+              <a:ext uri="{FF2B5EF4-FFF2-40B4-BE49-F238E27FC236}">
+                <a16:creationId xmlns:a16="http://schemas.microsoft.com/office/drawing/2014/main" id="{9DDC09FC-A0A6-3EB5-BB2D-259B28715FCF}"/>
               </a:ext>
             </a:extLst>
           </p:cNvPr>
@@ -9407,15 +12773,27 @@
         </p:nvSpPr>
         <p:spPr>
           <a:xfrm>
-            <a:off x="3386403" y="374606"/>
-            <a:ext cx="4604115" cy="5096534"/>
-          </a:xfrm>
-          <a:prstGeom prst="rect">
-            <a:avLst/>
-          </a:prstGeom>
-          <a:solidFill>
-            <a:srgbClr val="CAD1D4"/>
-          </a:solidFill>
+            <a:off x="0" y="0"/>
+            <a:ext cx="12192000" cy="6858000"/>
+          </a:xfrm>
+          <a:prstGeom prst="rect">
+            <a:avLst/>
+          </a:prstGeom>
+          <a:gradFill flip="none" rotWithShape="1">
+            <a:gsLst>
+              <a:gs pos="0">
+                <a:srgbClr val="D6E1F6"/>
+              </a:gs>
+              <a:gs pos="74000">
+                <a:srgbClr val="A5B0B5"/>
+              </a:gs>
+              <a:gs pos="100000">
+                <a:srgbClr val="96A2A8"/>
+              </a:gs>
+            </a:gsLst>
+            <a:lin ang="0" scaled="1"/>
+            <a:tileRect/>
+          </a:gradFill>
           <a:ln>
             <a:noFill/>
           </a:ln>
@@ -9441,86 +12819,16 @@
           <a:lstStyle/>
           <a:p>
             <a:pPr algn="ctr"/>
-            <a:endParaRPr lang="en-US"/>
-          </a:p>
-        </p:txBody>
-      </p:sp>
-      <p:pic>
-        <p:nvPicPr>
-          <p:cNvPr id="16" name="Picture 15">
-            <a:extLst>
-              <a:ext uri="{FF2B5EF4-FFF2-40B4-BE49-F238E27FC236}">
-                <a16:creationId xmlns:a16="http://schemas.microsoft.com/office/drawing/2014/main" id="{A282AAC4-90AC-E8E5-19FD-5B6E91A97AC8}"/>
-              </a:ext>
-            </a:extLst>
-          </p:cNvPr>
-          <p:cNvPicPr>
-            <a:picLocks noChangeAspect="1"/>
-          </p:cNvPicPr>
-          <p:nvPr/>
-        </p:nvPicPr>
-        <p:blipFill>
-          <a:blip r:embed="rId2"/>
-          <a:stretch>
-            <a:fillRect/>
-          </a:stretch>
-        </p:blipFill>
-        <p:spPr>
-          <a:xfrm>
-            <a:off x="3819962" y="871830"/>
-            <a:ext cx="4170556" cy="1254189"/>
-          </a:xfrm>
-          <a:prstGeom prst="rect">
-            <a:avLst/>
-          </a:prstGeom>
-        </p:spPr>
-      </p:pic>
-      <p:sp>
-        <p:nvSpPr>
-          <p:cNvPr id="17" name="TextBox 16">
-            <a:extLst>
-              <a:ext uri="{FF2B5EF4-FFF2-40B4-BE49-F238E27FC236}">
-                <a16:creationId xmlns:a16="http://schemas.microsoft.com/office/drawing/2014/main" id="{6EC0E6A4-D8E0-F4AC-938D-1407A152D59F}"/>
-              </a:ext>
-            </a:extLst>
-          </p:cNvPr>
-          <p:cNvSpPr txBox="1"/>
-          <p:nvPr/>
-        </p:nvSpPr>
-        <p:spPr>
-          <a:xfrm>
-            <a:off x="9773331" y="1498924"/>
-            <a:ext cx="2157962" cy="230832"/>
-          </a:xfrm>
-          <a:prstGeom prst="rect">
-            <a:avLst/>
-          </a:prstGeom>
-          <a:noFill/>
-        </p:spPr>
-        <p:txBody>
-          <a:bodyPr wrap="none" rtlCol="0">
-            <a:spAutoFit/>
-          </a:bodyPr>
-          <a:lstStyle/>
-          <a:p>
-            <a:pPr algn="ctr"/>
-            <a:r>
-              <a:rPr lang="en-US" sz="900" dirty="0">
-                <a:latin typeface="ADLaM Display" panose="02010000000000000000" pitchFamily="2" charset="0"/>
-                <a:ea typeface="ADLaM Display" panose="02010000000000000000" pitchFamily="2" charset="0"/>
-                <a:cs typeface="ADLaM Display" panose="02010000000000000000" pitchFamily="2" charset="0"/>
-              </a:rPr>
-              <a:t>AN OPEN-SOURCE GODOT PROJECT</a:t>
-            </a:r>
-          </a:p>
-        </p:txBody>
-      </p:sp>
-      <p:sp>
-        <p:nvSpPr>
-          <p:cNvPr id="35" name="Cube 34">
-            <a:extLst>
-              <a:ext uri="{FF2B5EF4-FFF2-40B4-BE49-F238E27FC236}">
-                <a16:creationId xmlns:a16="http://schemas.microsoft.com/office/drawing/2014/main" id="{FD29D6E7-0F59-924C-C911-6E903EC2EEBA}"/>
+            <a:endParaRPr lang="en-US" dirty="0"/>
+          </a:p>
+        </p:txBody>
+      </p:sp>
+      <p:sp>
+        <p:nvSpPr>
+          <p:cNvPr id="9" name="Rectangle 8">
+            <a:extLst>
+              <a:ext uri="{FF2B5EF4-FFF2-40B4-BE49-F238E27FC236}">
+                <a16:creationId xmlns:a16="http://schemas.microsoft.com/office/drawing/2014/main" id="{9964B723-5BA0-E30A-073B-CC7701EEA425}"/>
               </a:ext>
             </a:extLst>
           </p:cNvPr>
@@ -9528,19 +12836,23 @@
           <p:nvPr/>
         </p:nvSpPr>
         <p:spPr>
-          <a:xfrm rot="16200000">
-            <a:off x="5454952" y="2764505"/>
-            <a:ext cx="318633" cy="1380899"/>
-          </a:xfrm>
-          <a:prstGeom prst="cube">
-            <a:avLst>
-              <a:gd name="adj" fmla="val 16473"/>
-            </a:avLst>
-          </a:prstGeom>
-          <a:solidFill>
-            <a:srgbClr val="B9C3C7"/>
-          </a:solidFill>
-          <a:ln>
+          <a:xfrm>
+            <a:off x="0" y="1042639"/>
+            <a:ext cx="12192000" cy="4772722"/>
+          </a:xfrm>
+          <a:prstGeom prst="rect">
+            <a:avLst/>
+          </a:prstGeom>
+          <a:blipFill dpi="0" rotWithShape="1">
+            <a:blip r:embed="rId2">
+              <a:alphaModFix amt="61000"/>
+            </a:blip>
+            <a:srcRect/>
+            <a:stretch>
+              <a:fillRect/>
+            </a:stretch>
+          </a:blipFill>
+          <a:ln w="6350">
             <a:noFill/>
           </a:ln>
         </p:spPr>
@@ -9565,16 +12877,278 @@
           <a:lstStyle/>
           <a:p>
             <a:pPr algn="ctr"/>
-            <a:endParaRPr lang="en-US"/>
-          </a:p>
-        </p:txBody>
-      </p:sp>
-      <p:sp>
-        <p:nvSpPr>
-          <p:cNvPr id="39" name="Rectangle 38">
-            <a:extLst>
-              <a:ext uri="{FF2B5EF4-FFF2-40B4-BE49-F238E27FC236}">
-                <a16:creationId xmlns:a16="http://schemas.microsoft.com/office/drawing/2014/main" id="{3C54D869-859F-95F4-95BD-6F2AB9A8EA94}"/>
+            <a:endParaRPr lang="en-US" dirty="0"/>
+          </a:p>
+        </p:txBody>
+      </p:sp>
+      <p:cxnSp>
+        <p:nvCxnSpPr>
+          <p:cNvPr id="13" name="Straight Connector 12">
+            <a:extLst>
+              <a:ext uri="{FF2B5EF4-FFF2-40B4-BE49-F238E27FC236}">
+                <a16:creationId xmlns:a16="http://schemas.microsoft.com/office/drawing/2014/main" id="{896223CD-D5C5-6638-C1A1-F0542F746000}"/>
+              </a:ext>
+            </a:extLst>
+          </p:cNvPr>
+          <p:cNvCxnSpPr/>
+          <p:nvPr/>
+        </p:nvCxnSpPr>
+        <p:spPr>
+          <a:xfrm>
+            <a:off x="0" y="1042639"/>
+            <a:ext cx="12192000" cy="0"/>
+          </a:xfrm>
+          <a:prstGeom prst="line">
+            <a:avLst/>
+          </a:prstGeom>
+          <a:ln w="38100">
+            <a:gradFill>
+              <a:gsLst>
+                <a:gs pos="0">
+                  <a:schemeClr val="accent1">
+                    <a:alpha val="0"/>
+                    <a:lumMod val="1000"/>
+                    <a:lumOff val="99000"/>
+                  </a:schemeClr>
+                </a:gs>
+                <a:gs pos="56000">
+                  <a:schemeClr val="bg1">
+                    <a:lumMod val="0"/>
+                    <a:lumOff val="100000"/>
+                  </a:schemeClr>
+                </a:gs>
+                <a:gs pos="100000">
+                  <a:schemeClr val="bg1">
+                    <a:alpha val="0"/>
+                    <a:lumMod val="0"/>
+                    <a:lumOff val="100000"/>
+                  </a:schemeClr>
+                </a:gs>
+              </a:gsLst>
+              <a:lin ang="5400000" scaled="1"/>
+            </a:gradFill>
+          </a:ln>
+        </p:spPr>
+        <p:style>
+          <a:lnRef idx="2">
+            <a:schemeClr val="accent1"/>
+          </a:lnRef>
+          <a:fillRef idx="0">
+            <a:schemeClr val="accent1"/>
+          </a:fillRef>
+          <a:effectRef idx="1">
+            <a:schemeClr val="accent1"/>
+          </a:effectRef>
+          <a:fontRef idx="minor">
+            <a:schemeClr val="tx1"/>
+          </a:fontRef>
+        </p:style>
+      </p:cxnSp>
+      <p:cxnSp>
+        <p:nvCxnSpPr>
+          <p:cNvPr id="14" name="Straight Connector 13">
+            <a:extLst>
+              <a:ext uri="{FF2B5EF4-FFF2-40B4-BE49-F238E27FC236}">
+                <a16:creationId xmlns:a16="http://schemas.microsoft.com/office/drawing/2014/main" id="{2E8B0142-A4EB-6214-F799-4412BDAE7B7D}"/>
+              </a:ext>
+            </a:extLst>
+          </p:cNvPr>
+          <p:cNvCxnSpPr/>
+          <p:nvPr/>
+        </p:nvCxnSpPr>
+        <p:spPr>
+          <a:xfrm>
+            <a:off x="0" y="5815361"/>
+            <a:ext cx="12192000" cy="0"/>
+          </a:xfrm>
+          <a:prstGeom prst="line">
+            <a:avLst/>
+          </a:prstGeom>
+          <a:ln w="38100">
+            <a:gradFill>
+              <a:gsLst>
+                <a:gs pos="0">
+                  <a:schemeClr val="accent1">
+                    <a:alpha val="0"/>
+                    <a:lumMod val="1000"/>
+                    <a:lumOff val="99000"/>
+                  </a:schemeClr>
+                </a:gs>
+                <a:gs pos="56000">
+                  <a:schemeClr val="bg1">
+                    <a:lumMod val="0"/>
+                    <a:lumOff val="100000"/>
+                  </a:schemeClr>
+                </a:gs>
+                <a:gs pos="100000">
+                  <a:schemeClr val="bg1">
+                    <a:alpha val="0"/>
+                    <a:lumMod val="0"/>
+                    <a:lumOff val="100000"/>
+                  </a:schemeClr>
+                </a:gs>
+              </a:gsLst>
+              <a:lin ang="5400000" scaled="1"/>
+            </a:gradFill>
+          </a:ln>
+        </p:spPr>
+        <p:style>
+          <a:lnRef idx="2">
+            <a:schemeClr val="accent1"/>
+          </a:lnRef>
+          <a:fillRef idx="0">
+            <a:schemeClr val="accent1"/>
+          </a:fillRef>
+          <a:effectRef idx="1">
+            <a:schemeClr val="accent1"/>
+          </a:effectRef>
+          <a:fontRef idx="minor">
+            <a:schemeClr val="tx1"/>
+          </a:fontRef>
+        </p:style>
+      </p:cxnSp>
+      <p:pic>
+        <p:nvPicPr>
+          <p:cNvPr id="15" name="Picture 14">
+            <a:extLst>
+              <a:ext uri="{FF2B5EF4-FFF2-40B4-BE49-F238E27FC236}">
+                <a16:creationId xmlns:a16="http://schemas.microsoft.com/office/drawing/2014/main" id="{40DBE4C7-0FC4-FA63-A692-2E803937033E}"/>
+              </a:ext>
+            </a:extLst>
+          </p:cNvPr>
+          <p:cNvPicPr>
+            <a:picLocks noChangeAspect="1"/>
+          </p:cNvPicPr>
+          <p:nvPr/>
+        </p:nvPicPr>
+        <p:blipFill>
+          <a:blip r:embed="rId3"/>
+          <a:stretch>
+            <a:fillRect/>
+          </a:stretch>
+        </p:blipFill>
+        <p:spPr>
+          <a:xfrm>
+            <a:off x="475789" y="208891"/>
+            <a:ext cx="2077840" cy="624858"/>
+          </a:xfrm>
+          <a:prstGeom prst="rect">
+            <a:avLst/>
+          </a:prstGeom>
+        </p:spPr>
+      </p:pic>
+      <p:sp>
+        <p:nvSpPr>
+          <p:cNvPr id="16" name="TextBox 15">
+            <a:extLst>
+              <a:ext uri="{FF2B5EF4-FFF2-40B4-BE49-F238E27FC236}">
+                <a16:creationId xmlns:a16="http://schemas.microsoft.com/office/drawing/2014/main" id="{458713B9-F2CC-CD9B-91AD-991C3062AD37}"/>
+              </a:ext>
+            </a:extLst>
+          </p:cNvPr>
+          <p:cNvSpPr txBox="1"/>
+          <p:nvPr/>
+        </p:nvSpPr>
+        <p:spPr>
+          <a:xfrm>
+            <a:off x="2364058" y="336654"/>
+            <a:ext cx="3124573" cy="369332"/>
+          </a:xfrm>
+          <a:prstGeom prst="rect">
+            <a:avLst/>
+          </a:prstGeom>
+          <a:noFill/>
+        </p:spPr>
+        <p:txBody>
+          <a:bodyPr wrap="none" rtlCol="0">
+            <a:spAutoFit/>
+          </a:bodyPr>
+          <a:lstStyle/>
+          <a:p>
+            <a:r>
+              <a:rPr lang="en-US" dirty="0">
+                <a:latin typeface="ADLaM Display" panose="02010000000000000000" pitchFamily="2" charset="0"/>
+                <a:ea typeface="ADLaM Display" panose="02010000000000000000" pitchFamily="2" charset="0"/>
+                <a:cs typeface="ADLaM Display" panose="02010000000000000000" pitchFamily="2" charset="0"/>
+              </a:rPr>
+              <a:t>|         LEVEL-SELECT MENU</a:t>
+            </a:r>
+          </a:p>
+        </p:txBody>
+      </p:sp>
+      <p:pic>
+        <p:nvPicPr>
+          <p:cNvPr id="17" name="Graphic 16" descr="Hamburger Menu Icon with solid fill">
+            <a:extLst>
+              <a:ext uri="{FF2B5EF4-FFF2-40B4-BE49-F238E27FC236}">
+                <a16:creationId xmlns:a16="http://schemas.microsoft.com/office/drawing/2014/main" id="{AFB0D23C-8F54-3C57-31CB-6536F7117913}"/>
+              </a:ext>
+            </a:extLst>
+          </p:cNvPr>
+          <p:cNvPicPr>
+            <a:picLocks noChangeAspect="1"/>
+          </p:cNvPicPr>
+          <p:nvPr/>
+        </p:nvPicPr>
+        <p:blipFill>
+          <a:blip r:embed="rId4">
+            <a:extLst>
+              <a:ext uri="{96DAC541-7B7A-43D3-8B79-37D633B846F1}">
+                <asvg:svgBlip xmlns:asvg="http://schemas.microsoft.com/office/drawing/2016/SVG/main" r:embed="rId5"/>
+              </a:ext>
+            </a:extLst>
+          </a:blip>
+          <a:srcRect/>
+          <a:stretch/>
+        </p:blipFill>
+        <p:spPr>
+          <a:xfrm>
+            <a:off x="2553629" y="295269"/>
+            <a:ext cx="474403" cy="474403"/>
+          </a:xfrm>
+          <a:prstGeom prst="rect">
+            <a:avLst/>
+          </a:prstGeom>
+        </p:spPr>
+      </p:pic>
+      <p:pic>
+        <p:nvPicPr>
+          <p:cNvPr id="32" name="Picture 31">
+            <a:extLst>
+              <a:ext uri="{FF2B5EF4-FFF2-40B4-BE49-F238E27FC236}">
+                <a16:creationId xmlns:a16="http://schemas.microsoft.com/office/drawing/2014/main" id="{06B4D77F-D3DC-917C-B07A-E6106B1F20E7}"/>
+              </a:ext>
+            </a:extLst>
+          </p:cNvPr>
+          <p:cNvPicPr>
+            <a:picLocks noChangeAspect="1"/>
+          </p:cNvPicPr>
+          <p:nvPr/>
+        </p:nvPicPr>
+        <p:blipFill>
+          <a:blip r:embed="rId6">
+            <a:alphaModFix amt="35000"/>
+          </a:blip>
+          <a:stretch>
+            <a:fillRect/>
+          </a:stretch>
+        </p:blipFill>
+        <p:spPr>
+          <a:xfrm>
+            <a:off x="371360" y="1206815"/>
+            <a:ext cx="11449280" cy="4444369"/>
+          </a:xfrm>
+          <a:prstGeom prst="rect">
+            <a:avLst/>
+          </a:prstGeom>
+        </p:spPr>
+      </p:pic>
+      <p:sp>
+        <p:nvSpPr>
+          <p:cNvPr id="33" name="Rectangle: Rounded Corners 32">
+            <a:extLst>
+              <a:ext uri="{FF2B5EF4-FFF2-40B4-BE49-F238E27FC236}">
+                <a16:creationId xmlns:a16="http://schemas.microsoft.com/office/drawing/2014/main" id="{431DFE69-ED57-A1E3-5AE7-A8FF5297FF85}"/>
               </a:ext>
             </a:extLst>
           </p:cNvPr>
@@ -9583,17 +13157,22 @@
         </p:nvSpPr>
         <p:spPr>
           <a:xfrm>
-            <a:off x="3386403" y="4731981"/>
-            <a:ext cx="4170556" cy="342404"/>
-          </a:xfrm>
-          <a:prstGeom prst="rect">
+            <a:off x="475789" y="6088328"/>
+            <a:ext cx="1336257" cy="474670"/>
+          </a:xfrm>
+          <a:prstGeom prst="roundRect">
             <a:avLst/>
           </a:prstGeom>
           <a:solidFill>
-            <a:srgbClr val="F8F8F9"/>
+            <a:schemeClr val="bg1">
+              <a:lumMod val="75000"/>
+              <a:alpha val="59000"/>
+            </a:schemeClr>
           </a:solidFill>
-          <a:ln>
-            <a:noFill/>
+          <a:ln w="6350">
+            <a:solidFill>
+              <a:schemeClr val="tx1"/>
+            </a:solidFill>
           </a:ln>
         </p:spPr>
         <p:style>
@@ -9623,10 +13202,51 @@
       </p:sp>
       <p:sp>
         <p:nvSpPr>
-          <p:cNvPr id="40" name="Cube 39">
-            <a:extLst>
-              <a:ext uri="{FF2B5EF4-FFF2-40B4-BE49-F238E27FC236}">
-                <a16:creationId xmlns:a16="http://schemas.microsoft.com/office/drawing/2014/main" id="{FC52FCAC-6481-3242-6B61-BECC942BAA4D}"/>
+          <p:cNvPr id="34" name="TextBox 33">
+            <a:extLst>
+              <a:ext uri="{FF2B5EF4-FFF2-40B4-BE49-F238E27FC236}">
+                <a16:creationId xmlns:a16="http://schemas.microsoft.com/office/drawing/2014/main" id="{4A080375-2154-D8E2-240E-4249DFCAD96F}"/>
+              </a:ext>
+            </a:extLst>
+          </p:cNvPr>
+          <p:cNvSpPr txBox="1"/>
+          <p:nvPr/>
+        </p:nvSpPr>
+        <p:spPr>
+          <a:xfrm>
+            <a:off x="475790" y="6101333"/>
+            <a:ext cx="1336257" cy="461665"/>
+          </a:xfrm>
+          <a:prstGeom prst="rect">
+            <a:avLst/>
+          </a:prstGeom>
+          <a:noFill/>
+          <a:ln>
+            <a:noFill/>
+          </a:ln>
+        </p:spPr>
+        <p:txBody>
+          <a:bodyPr wrap="square" rtlCol="0">
+            <a:spAutoFit/>
+          </a:bodyPr>
+          <a:lstStyle/>
+          <a:p>
+            <a:r>
+              <a:rPr lang="en-US" sz="2400" dirty="0">
+                <a:ea typeface="ADLaM Display" panose="02010000000000000000" pitchFamily="2" charset="0"/>
+                <a:cs typeface="ADLaM Display" panose="02010000000000000000" pitchFamily="2" charset="0"/>
+              </a:rPr>
+              <a:t>Go Back</a:t>
+            </a:r>
+          </a:p>
+        </p:txBody>
+      </p:sp>
+      <p:sp>
+        <p:nvSpPr>
+          <p:cNvPr id="35" name="Rectangle: Rounded Corners 34">
+            <a:extLst>
+              <a:ext uri="{FF2B5EF4-FFF2-40B4-BE49-F238E27FC236}">
+                <a16:creationId xmlns:a16="http://schemas.microsoft.com/office/drawing/2014/main" id="{051A9F85-9E5A-7787-053B-E82D3AEAA149}"/>
               </a:ext>
             </a:extLst>
           </p:cNvPr>
@@ -9634,20 +13254,20 @@
           <p:nvPr/>
         </p:nvSpPr>
         <p:spPr>
-          <a:xfrm rot="5400000">
-            <a:off x="6190579" y="3718892"/>
-            <a:ext cx="2398078" cy="334682"/>
-          </a:xfrm>
-          <a:prstGeom prst="cube">
-            <a:avLst>
-              <a:gd name="adj" fmla="val 0"/>
-            </a:avLst>
+          <a:xfrm>
+            <a:off x="1143917" y="1507128"/>
+            <a:ext cx="1979293" cy="620480"/>
+          </a:xfrm>
+          <a:prstGeom prst="roundRect">
+            <a:avLst/>
           </a:prstGeom>
           <a:solidFill>
-            <a:srgbClr val="F8F8F9"/>
+            <a:srgbClr val="C00000"/>
           </a:solidFill>
           <a:ln>
-            <a:noFill/>
+            <a:solidFill>
+              <a:schemeClr val="bg1"/>
+            </a:solidFill>
           </a:ln>
         </p:spPr>
         <p:style>
@@ -9671,16 +13291,16 @@
           <a:lstStyle/>
           <a:p>
             <a:pPr algn="ctr"/>
-            <a:endParaRPr lang="en-US"/>
-          </a:p>
-        </p:txBody>
-      </p:sp>
-      <p:sp>
-        <p:nvSpPr>
-          <p:cNvPr id="41" name="Cube 40">
-            <a:extLst>
-              <a:ext uri="{FF2B5EF4-FFF2-40B4-BE49-F238E27FC236}">
-                <a16:creationId xmlns:a16="http://schemas.microsoft.com/office/drawing/2014/main" id="{47B453E1-4E9F-FBC1-A455-38AE180ECBF4}"/>
+            <a:endParaRPr lang="en-US" dirty="0"/>
+          </a:p>
+        </p:txBody>
+      </p:sp>
+      <p:sp>
+        <p:nvSpPr>
+          <p:cNvPr id="37" name="Rectangle: Rounded Corners 36">
+            <a:extLst>
+              <a:ext uri="{FF2B5EF4-FFF2-40B4-BE49-F238E27FC236}">
+                <a16:creationId xmlns:a16="http://schemas.microsoft.com/office/drawing/2014/main" id="{DB6D4A07-416B-9325-C6B5-90D8A4F51678}"/>
               </a:ext>
             </a:extLst>
           </p:cNvPr>
@@ -9688,18 +13308,18 @@
           <p:nvPr/>
         </p:nvSpPr>
         <p:spPr>
-          <a:xfrm flipH="1">
-            <a:off x="5551079" y="4579145"/>
-            <a:ext cx="914400" cy="342404"/>
-          </a:xfrm>
-          <a:prstGeom prst="cube">
-            <a:avLst/>
-          </a:prstGeom>
-          <a:solidFill>
-            <a:srgbClr val="B3FFBC"/>
-          </a:solidFill>
+          <a:xfrm>
+            <a:off x="3472726" y="1507128"/>
+            <a:ext cx="1979293" cy="620480"/>
+          </a:xfrm>
+          <a:prstGeom prst="roundRect">
+            <a:avLst/>
+          </a:prstGeom>
+          <a:noFill/>
           <a:ln>
-            <a:noFill/>
+            <a:solidFill>
+              <a:srgbClr val="C00000"/>
+            </a:solidFill>
           </a:ln>
         </p:spPr>
         <p:style>
@@ -9729,10 +13349,10 @@
       </p:sp>
       <p:sp>
         <p:nvSpPr>
-          <p:cNvPr id="42" name="Cube 41">
-            <a:extLst>
-              <a:ext uri="{FF2B5EF4-FFF2-40B4-BE49-F238E27FC236}">
-                <a16:creationId xmlns:a16="http://schemas.microsoft.com/office/drawing/2014/main" id="{1C5C6384-4B95-B5F7-AE19-84837B923E12}"/>
+          <p:cNvPr id="38" name="Rectangle: Rounded Corners 37">
+            <a:extLst>
+              <a:ext uri="{FF2B5EF4-FFF2-40B4-BE49-F238E27FC236}">
+                <a16:creationId xmlns:a16="http://schemas.microsoft.com/office/drawing/2014/main" id="{E3870BC0-ECB9-9ED1-3806-7BD2C7979855}"/>
               </a:ext>
             </a:extLst>
           </p:cNvPr>
@@ -9740,20 +13360,18 @@
           <p:nvPr/>
         </p:nvSpPr>
         <p:spPr>
-          <a:xfrm rot="16200000">
-            <a:off x="3954996" y="4007149"/>
-            <a:ext cx="914400" cy="914400"/>
-          </a:xfrm>
-          <a:prstGeom prst="cube">
-            <a:avLst>
-              <a:gd name="adj" fmla="val 15244"/>
-            </a:avLst>
-          </a:prstGeom>
-          <a:solidFill>
-            <a:srgbClr val="FF3A55"/>
-          </a:solidFill>
+          <a:xfrm>
+            <a:off x="5823379" y="1487798"/>
+            <a:ext cx="1979293" cy="620480"/>
+          </a:xfrm>
+          <a:prstGeom prst="roundRect">
+            <a:avLst/>
+          </a:prstGeom>
+          <a:noFill/>
           <a:ln>
-            <a:noFill/>
+            <a:solidFill>
+              <a:srgbClr val="C00000"/>
+            </a:solidFill>
           </a:ln>
         </p:spPr>
         <p:style>
@@ -9783,118 +13401,29 @@
       </p:sp>
       <p:sp>
         <p:nvSpPr>
-          <p:cNvPr id="43" name="TextBox 42">
-            <a:extLst>
-              <a:ext uri="{FF2B5EF4-FFF2-40B4-BE49-F238E27FC236}">
-                <a16:creationId xmlns:a16="http://schemas.microsoft.com/office/drawing/2014/main" id="{741881D4-173F-AAE3-8CC8-D1FD59C73B1E}"/>
-              </a:ext>
-            </a:extLst>
-          </p:cNvPr>
-          <p:cNvSpPr txBox="1"/>
-          <p:nvPr/>
-        </p:nvSpPr>
-        <p:spPr>
-          <a:xfrm>
-            <a:off x="8517638" y="5603400"/>
-            <a:ext cx="4669348" cy="276999"/>
-          </a:xfrm>
-          <a:prstGeom prst="rect">
+          <p:cNvPr id="39" name="Rectangle: Rounded Corners 38">
+            <a:extLst>
+              <a:ext uri="{FF2B5EF4-FFF2-40B4-BE49-F238E27FC236}">
+                <a16:creationId xmlns:a16="http://schemas.microsoft.com/office/drawing/2014/main" id="{3D0E7506-47FE-4F83-F5F8-A84653F397BB}"/>
+              </a:ext>
+            </a:extLst>
+          </p:cNvPr>
+          <p:cNvSpPr/>
+          <p:nvPr/>
+        </p:nvSpPr>
+        <p:spPr>
+          <a:xfrm>
+            <a:off x="8208633" y="1507127"/>
+            <a:ext cx="1979293" cy="620480"/>
+          </a:xfrm>
+          <a:prstGeom prst="roundRect">
             <a:avLst/>
           </a:prstGeom>
           <a:noFill/>
-        </p:spPr>
-        <p:txBody>
-          <a:bodyPr wrap="square">
-            <a:spAutoFit/>
-          </a:bodyPr>
-          <a:lstStyle/>
-          <a:p>
-            <a:pPr algn="ctr"/>
-            <a:r>
-              <a:rPr lang="en-US" sz="1200" dirty="0">
-                <a:latin typeface="ADLaM Display" panose="02010000000000000000" pitchFamily="2" charset="0"/>
-                <a:ea typeface="ADLaM Display" panose="02010000000000000000" pitchFamily="2" charset="0"/>
-                <a:cs typeface="ADLaM Display" panose="02010000000000000000" pitchFamily="2" charset="0"/>
-              </a:rPr>
-              <a:t>Developed by Majd Lahbib</a:t>
-            </a:r>
-          </a:p>
-        </p:txBody>
-      </p:sp>
-      <p:pic>
-        <p:nvPicPr>
-          <p:cNvPr id="44" name="Picture 2">
-            <a:extLst>
-              <a:ext uri="{FF2B5EF4-FFF2-40B4-BE49-F238E27FC236}">
-                <a16:creationId xmlns:a16="http://schemas.microsoft.com/office/drawing/2014/main" id="{C62D2F03-7F6D-0AA0-5C27-7E47116AE24F}"/>
-              </a:ext>
-            </a:extLst>
-          </p:cNvPr>
-          <p:cNvPicPr>
-            <a:picLocks noChangeAspect="1" noChangeArrowheads="1"/>
-          </p:cNvPicPr>
-          <p:nvPr/>
-        </p:nvPicPr>
-        <p:blipFill>
-          <a:blip r:embed="rId3">
-            <a:extLst>
-              <a:ext uri="{28A0092B-C50C-407E-A947-70E740481C1C}">
-                <a14:useLocalDpi xmlns:a14="http://schemas.microsoft.com/office/drawing/2010/main" val="0"/>
-              </a:ext>
-            </a:extLst>
-          </a:blip>
-          <a:srcRect/>
-          <a:stretch>
-            <a:fillRect/>
-          </a:stretch>
-        </p:blipFill>
-        <p:spPr bwMode="auto">
-          <a:xfrm>
-            <a:off x="10054126" y="4153435"/>
-            <a:ext cx="578546" cy="578546"/>
-          </a:xfrm>
-          <a:prstGeom prst="rect">
-            <a:avLst/>
-          </a:prstGeom>
-          <a:noFill/>
-          <a:extLst>
-            <a:ext uri="{909E8E84-426E-40DD-AFC4-6F175D3DCCD1}">
-              <a14:hiddenFill xmlns:a14="http://schemas.microsoft.com/office/drawing/2010/main">
-                <a:solidFill>
-                  <a:srgbClr val="FFFFFF"/>
-                </a:solidFill>
-              </a14:hiddenFill>
-            </a:ext>
-          </a:extLst>
-        </p:spPr>
-      </p:pic>
-      <p:sp>
-        <p:nvSpPr>
-          <p:cNvPr id="45" name="Cube 44">
-            <a:extLst>
-              <a:ext uri="{FF2B5EF4-FFF2-40B4-BE49-F238E27FC236}">
-                <a16:creationId xmlns:a16="http://schemas.microsoft.com/office/drawing/2014/main" id="{97C42F8E-21CA-480A-FB8C-0738FAC31E9A}"/>
-              </a:ext>
-            </a:extLst>
-          </p:cNvPr>
-          <p:cNvSpPr/>
-          <p:nvPr/>
-        </p:nvSpPr>
-        <p:spPr>
-          <a:xfrm>
-            <a:off x="6051318" y="2464126"/>
-            <a:ext cx="318633" cy="1150145"/>
-          </a:xfrm>
-          <a:prstGeom prst="cube">
-            <a:avLst>
-              <a:gd name="adj" fmla="val 16473"/>
-            </a:avLst>
-          </a:prstGeom>
-          <a:solidFill>
-            <a:srgbClr val="B9C3C7"/>
-          </a:solidFill>
           <a:ln>
-            <a:noFill/>
+            <a:solidFill>
+              <a:srgbClr val="C00000"/>
+            </a:solidFill>
           </a:ln>
         </p:spPr>
         <p:style>
@@ -9922,69 +13451,10 @@
           </a:p>
         </p:txBody>
       </p:sp>
-      <p:pic>
-        <p:nvPicPr>
-          <p:cNvPr id="46" name="Picture 45">
-            <a:extLst>
-              <a:ext uri="{FF2B5EF4-FFF2-40B4-BE49-F238E27FC236}">
-                <a16:creationId xmlns:a16="http://schemas.microsoft.com/office/drawing/2014/main" id="{4E40C680-0BFC-48C0-7B00-620F8C0DC985}"/>
-              </a:ext>
-            </a:extLst>
-          </p:cNvPr>
-          <p:cNvPicPr>
-            <a:picLocks noChangeAspect="1"/>
-          </p:cNvPicPr>
-          <p:nvPr/>
-        </p:nvPicPr>
-        <p:blipFill rotWithShape="1">
-          <a:blip r:embed="rId4"/>
-          <a:srcRect l="1410"/>
-          <a:stretch/>
-        </p:blipFill>
-        <p:spPr>
-          <a:xfrm>
-            <a:off x="-2567056" y="490849"/>
-            <a:ext cx="4604115" cy="5096698"/>
-          </a:xfrm>
-          <a:prstGeom prst="rect">
-            <a:avLst/>
-          </a:prstGeom>
-        </p:spPr>
-      </p:pic>
-      <p:pic>
-        <p:nvPicPr>
-          <p:cNvPr id="3" name="Picture 2">
-            <a:extLst>
-              <a:ext uri="{FF2B5EF4-FFF2-40B4-BE49-F238E27FC236}">
-                <a16:creationId xmlns:a16="http://schemas.microsoft.com/office/drawing/2014/main" id="{C78EF76D-39E3-6C32-663B-B6513AEFF6F6}"/>
-              </a:ext>
-            </a:extLst>
-          </p:cNvPr>
-          <p:cNvPicPr>
-            <a:picLocks noChangeAspect="1"/>
-          </p:cNvPicPr>
-          <p:nvPr/>
-        </p:nvPicPr>
-        <p:blipFill>
-          <a:blip r:embed="rId5"/>
-          <a:stretch>
-            <a:fillRect/>
-          </a:stretch>
-        </p:blipFill>
-        <p:spPr>
-          <a:xfrm>
-            <a:off x="11572680" y="2464126"/>
-            <a:ext cx="4602879" cy="5096698"/>
-          </a:xfrm>
-          <a:prstGeom prst="rect">
-            <a:avLst/>
-          </a:prstGeom>
-        </p:spPr>
-      </p:pic>
     </p:spTree>
     <p:extLst>
       <p:ext uri="{BB962C8B-B14F-4D97-AF65-F5344CB8AC3E}">
-        <p14:creationId xmlns:p14="http://schemas.microsoft.com/office/powerpoint/2010/main" val="3083914836"/>
+        <p14:creationId xmlns:p14="http://schemas.microsoft.com/office/powerpoint/2010/main" val="2590077758"/>
       </p:ext>
     </p:extLst>
   </p:cSld>
@@ -10013,6 +13483,752 @@
       </p:grpSpPr>
       <p:sp>
         <p:nvSpPr>
+          <p:cNvPr id="3" name="Rectangle: Rounded Corners 2">
+            <a:extLst>
+              <a:ext uri="{FF2B5EF4-FFF2-40B4-BE49-F238E27FC236}">
+                <a16:creationId xmlns:a16="http://schemas.microsoft.com/office/drawing/2014/main" id="{758783EE-6788-2469-C845-24250FD07D49}"/>
+              </a:ext>
+            </a:extLst>
+          </p:cNvPr>
+          <p:cNvSpPr/>
+          <p:nvPr/>
+        </p:nvSpPr>
+        <p:spPr>
+          <a:xfrm>
+            <a:off x="8730978" y="4949465"/>
+            <a:ext cx="1336257" cy="474670"/>
+          </a:xfrm>
+          <a:prstGeom prst="roundRect">
+            <a:avLst/>
+          </a:prstGeom>
+          <a:solidFill>
+            <a:schemeClr val="bg1">
+              <a:lumMod val="75000"/>
+              <a:alpha val="59000"/>
+            </a:schemeClr>
+          </a:solidFill>
+          <a:ln w="19050">
+            <a:solidFill>
+              <a:schemeClr val="tx1"/>
+            </a:solidFill>
+          </a:ln>
+        </p:spPr>
+        <p:style>
+          <a:lnRef idx="2">
+            <a:schemeClr val="accent1">
+              <a:shade val="15000"/>
+            </a:schemeClr>
+          </a:lnRef>
+          <a:fillRef idx="1">
+            <a:schemeClr val="accent1"/>
+          </a:fillRef>
+          <a:effectRef idx="0">
+            <a:schemeClr val="accent1"/>
+          </a:effectRef>
+          <a:fontRef idx="minor">
+            <a:schemeClr val="lt1"/>
+          </a:fontRef>
+        </p:style>
+        <p:txBody>
+          <a:bodyPr rtlCol="0" anchor="ctr"/>
+          <a:lstStyle/>
+          <a:p>
+            <a:pPr algn="ctr"/>
+            <a:endParaRPr lang="en-US"/>
+          </a:p>
+        </p:txBody>
+      </p:sp>
+      <p:sp>
+        <p:nvSpPr>
+          <p:cNvPr id="10" name="TextBox 9">
+            <a:extLst>
+              <a:ext uri="{FF2B5EF4-FFF2-40B4-BE49-F238E27FC236}">
+                <a16:creationId xmlns:a16="http://schemas.microsoft.com/office/drawing/2014/main" id="{41E49C3D-CF28-0A47-6D04-1CCAE444A929}"/>
+              </a:ext>
+            </a:extLst>
+          </p:cNvPr>
+          <p:cNvSpPr txBox="1"/>
+          <p:nvPr/>
+        </p:nvSpPr>
+        <p:spPr>
+          <a:xfrm>
+            <a:off x="8730979" y="4962470"/>
+            <a:ext cx="1336257" cy="461665"/>
+          </a:xfrm>
+          <a:prstGeom prst="rect">
+            <a:avLst/>
+          </a:prstGeom>
+          <a:noFill/>
+          <a:ln>
+            <a:noFill/>
+          </a:ln>
+        </p:spPr>
+        <p:txBody>
+          <a:bodyPr wrap="square" rtlCol="0">
+            <a:spAutoFit/>
+          </a:bodyPr>
+          <a:lstStyle/>
+          <a:p>
+            <a:r>
+              <a:rPr lang="en-US" sz="2400" dirty="0">
+                <a:ea typeface="ADLaM Display" panose="02010000000000000000" pitchFamily="2" charset="0"/>
+                <a:cs typeface="ADLaM Display" panose="02010000000000000000" pitchFamily="2" charset="0"/>
+              </a:rPr>
+              <a:t>Go Back</a:t>
+            </a:r>
+          </a:p>
+        </p:txBody>
+      </p:sp>
+    </p:spTree>
+    <p:extLst>
+      <p:ext uri="{BB962C8B-B14F-4D97-AF65-F5344CB8AC3E}">
+        <p14:creationId xmlns:p14="http://schemas.microsoft.com/office/powerpoint/2010/main" val="2688002936"/>
+      </p:ext>
+    </p:extLst>
+  </p:cSld>
+  <p:clrMapOvr>
+    <a:masterClrMapping/>
+  </p:clrMapOvr>
+</p:sld>
+</file>
+
+<file path=ppt/slides/slide4.xml><?xml version="1.0" encoding="utf-8"?>
+<p:sld xmlns:a="http://schemas.openxmlformats.org/drawingml/2006/main" xmlns:r="http://schemas.openxmlformats.org/officeDocument/2006/relationships" xmlns:p="http://schemas.openxmlformats.org/presentationml/2006/main">
+  <p:cSld>
+    <p:spTree>
+      <p:nvGrpSpPr>
+        <p:cNvPr id="1" name=""/>
+        <p:cNvGrpSpPr/>
+        <p:nvPr/>
+      </p:nvGrpSpPr>
+      <p:grpSpPr>
+        <a:xfrm>
+          <a:off x="0" y="0"/>
+          <a:ext cx="0" cy="0"/>
+          <a:chOff x="0" y="0"/>
+          <a:chExt cx="0" cy="0"/>
+        </a:xfrm>
+      </p:grpSpPr>
+      <p:sp>
+        <p:nvSpPr>
+          <p:cNvPr id="2" name="Rectangle 1">
+            <a:extLst>
+              <a:ext uri="{FF2B5EF4-FFF2-40B4-BE49-F238E27FC236}">
+                <a16:creationId xmlns:a16="http://schemas.microsoft.com/office/drawing/2014/main" id="{20B22D9D-E8B4-34B2-9E1C-0857AF7881EC}"/>
+              </a:ext>
+            </a:extLst>
+          </p:cNvPr>
+          <p:cNvSpPr/>
+          <p:nvPr/>
+        </p:nvSpPr>
+        <p:spPr>
+          <a:xfrm>
+            <a:off x="3386403" y="374606"/>
+            <a:ext cx="4604115" cy="5096534"/>
+          </a:xfrm>
+          <a:prstGeom prst="rect">
+            <a:avLst/>
+          </a:prstGeom>
+          <a:solidFill>
+            <a:srgbClr val="CAD1D4"/>
+          </a:solidFill>
+          <a:ln>
+            <a:noFill/>
+          </a:ln>
+        </p:spPr>
+        <p:style>
+          <a:lnRef idx="2">
+            <a:schemeClr val="accent1">
+              <a:shade val="15000"/>
+            </a:schemeClr>
+          </a:lnRef>
+          <a:fillRef idx="1">
+            <a:schemeClr val="accent1"/>
+          </a:fillRef>
+          <a:effectRef idx="0">
+            <a:schemeClr val="accent1"/>
+          </a:effectRef>
+          <a:fontRef idx="minor">
+            <a:schemeClr val="lt1"/>
+          </a:fontRef>
+        </p:style>
+        <p:txBody>
+          <a:bodyPr rtlCol="0" anchor="ctr"/>
+          <a:lstStyle/>
+          <a:p>
+            <a:pPr algn="ctr"/>
+            <a:endParaRPr lang="en-US"/>
+          </a:p>
+        </p:txBody>
+      </p:sp>
+      <p:pic>
+        <p:nvPicPr>
+          <p:cNvPr id="16" name="Picture 15">
+            <a:extLst>
+              <a:ext uri="{FF2B5EF4-FFF2-40B4-BE49-F238E27FC236}">
+                <a16:creationId xmlns:a16="http://schemas.microsoft.com/office/drawing/2014/main" id="{A282AAC4-90AC-E8E5-19FD-5B6E91A97AC8}"/>
+              </a:ext>
+            </a:extLst>
+          </p:cNvPr>
+          <p:cNvPicPr>
+            <a:picLocks noChangeAspect="1"/>
+          </p:cNvPicPr>
+          <p:nvPr/>
+        </p:nvPicPr>
+        <p:blipFill>
+          <a:blip r:embed="rId2"/>
+          <a:stretch>
+            <a:fillRect/>
+          </a:stretch>
+        </p:blipFill>
+        <p:spPr>
+          <a:xfrm>
+            <a:off x="3819962" y="871830"/>
+            <a:ext cx="4170556" cy="1254189"/>
+          </a:xfrm>
+          <a:prstGeom prst="rect">
+            <a:avLst/>
+          </a:prstGeom>
+        </p:spPr>
+      </p:pic>
+      <p:sp>
+        <p:nvSpPr>
+          <p:cNvPr id="17" name="TextBox 16">
+            <a:extLst>
+              <a:ext uri="{FF2B5EF4-FFF2-40B4-BE49-F238E27FC236}">
+                <a16:creationId xmlns:a16="http://schemas.microsoft.com/office/drawing/2014/main" id="{6EC0E6A4-D8E0-F4AC-938D-1407A152D59F}"/>
+              </a:ext>
+            </a:extLst>
+          </p:cNvPr>
+          <p:cNvSpPr txBox="1"/>
+          <p:nvPr/>
+        </p:nvSpPr>
+        <p:spPr>
+          <a:xfrm>
+            <a:off x="9773331" y="1498924"/>
+            <a:ext cx="2157962" cy="230832"/>
+          </a:xfrm>
+          <a:prstGeom prst="rect">
+            <a:avLst/>
+          </a:prstGeom>
+          <a:noFill/>
+        </p:spPr>
+        <p:txBody>
+          <a:bodyPr wrap="none" rtlCol="0">
+            <a:spAutoFit/>
+          </a:bodyPr>
+          <a:lstStyle/>
+          <a:p>
+            <a:pPr algn="ctr"/>
+            <a:r>
+              <a:rPr lang="en-US" sz="900" dirty="0">
+                <a:latin typeface="ADLaM Display" panose="02010000000000000000" pitchFamily="2" charset="0"/>
+                <a:ea typeface="ADLaM Display" panose="02010000000000000000" pitchFamily="2" charset="0"/>
+                <a:cs typeface="ADLaM Display" panose="02010000000000000000" pitchFamily="2" charset="0"/>
+              </a:rPr>
+              <a:t>AN OPEN-SOURCE GODOT PROJECT</a:t>
+            </a:r>
+          </a:p>
+        </p:txBody>
+      </p:sp>
+      <p:sp>
+        <p:nvSpPr>
+          <p:cNvPr id="35" name="Cube 34">
+            <a:extLst>
+              <a:ext uri="{FF2B5EF4-FFF2-40B4-BE49-F238E27FC236}">
+                <a16:creationId xmlns:a16="http://schemas.microsoft.com/office/drawing/2014/main" id="{FD29D6E7-0F59-924C-C911-6E903EC2EEBA}"/>
+              </a:ext>
+            </a:extLst>
+          </p:cNvPr>
+          <p:cNvSpPr/>
+          <p:nvPr/>
+        </p:nvSpPr>
+        <p:spPr>
+          <a:xfrm rot="16200000">
+            <a:off x="5454952" y="2764505"/>
+            <a:ext cx="318633" cy="1380899"/>
+          </a:xfrm>
+          <a:prstGeom prst="cube">
+            <a:avLst>
+              <a:gd name="adj" fmla="val 16473"/>
+            </a:avLst>
+          </a:prstGeom>
+          <a:solidFill>
+            <a:srgbClr val="B9C3C7"/>
+          </a:solidFill>
+          <a:ln>
+            <a:noFill/>
+          </a:ln>
+        </p:spPr>
+        <p:style>
+          <a:lnRef idx="2">
+            <a:schemeClr val="accent1">
+              <a:shade val="15000"/>
+            </a:schemeClr>
+          </a:lnRef>
+          <a:fillRef idx="1">
+            <a:schemeClr val="accent1"/>
+          </a:fillRef>
+          <a:effectRef idx="0">
+            <a:schemeClr val="accent1"/>
+          </a:effectRef>
+          <a:fontRef idx="minor">
+            <a:schemeClr val="lt1"/>
+          </a:fontRef>
+        </p:style>
+        <p:txBody>
+          <a:bodyPr rtlCol="0" anchor="ctr"/>
+          <a:lstStyle/>
+          <a:p>
+            <a:pPr algn="ctr"/>
+            <a:endParaRPr lang="en-US"/>
+          </a:p>
+        </p:txBody>
+      </p:sp>
+      <p:sp>
+        <p:nvSpPr>
+          <p:cNvPr id="39" name="Rectangle 38">
+            <a:extLst>
+              <a:ext uri="{FF2B5EF4-FFF2-40B4-BE49-F238E27FC236}">
+                <a16:creationId xmlns:a16="http://schemas.microsoft.com/office/drawing/2014/main" id="{3C54D869-859F-95F4-95BD-6F2AB9A8EA94}"/>
+              </a:ext>
+            </a:extLst>
+          </p:cNvPr>
+          <p:cNvSpPr/>
+          <p:nvPr/>
+        </p:nvSpPr>
+        <p:spPr>
+          <a:xfrm>
+            <a:off x="3386403" y="4731981"/>
+            <a:ext cx="4170556" cy="342404"/>
+          </a:xfrm>
+          <a:prstGeom prst="rect">
+            <a:avLst/>
+          </a:prstGeom>
+          <a:solidFill>
+            <a:srgbClr val="F8F8F9"/>
+          </a:solidFill>
+          <a:ln>
+            <a:noFill/>
+          </a:ln>
+        </p:spPr>
+        <p:style>
+          <a:lnRef idx="2">
+            <a:schemeClr val="accent1">
+              <a:shade val="15000"/>
+            </a:schemeClr>
+          </a:lnRef>
+          <a:fillRef idx="1">
+            <a:schemeClr val="accent1"/>
+          </a:fillRef>
+          <a:effectRef idx="0">
+            <a:schemeClr val="accent1"/>
+          </a:effectRef>
+          <a:fontRef idx="minor">
+            <a:schemeClr val="lt1"/>
+          </a:fontRef>
+        </p:style>
+        <p:txBody>
+          <a:bodyPr rtlCol="0" anchor="ctr"/>
+          <a:lstStyle/>
+          <a:p>
+            <a:pPr algn="ctr"/>
+            <a:endParaRPr lang="en-US"/>
+          </a:p>
+        </p:txBody>
+      </p:sp>
+      <p:sp>
+        <p:nvSpPr>
+          <p:cNvPr id="40" name="Cube 39">
+            <a:extLst>
+              <a:ext uri="{FF2B5EF4-FFF2-40B4-BE49-F238E27FC236}">
+                <a16:creationId xmlns:a16="http://schemas.microsoft.com/office/drawing/2014/main" id="{FC52FCAC-6481-3242-6B61-BECC942BAA4D}"/>
+              </a:ext>
+            </a:extLst>
+          </p:cNvPr>
+          <p:cNvSpPr/>
+          <p:nvPr/>
+        </p:nvSpPr>
+        <p:spPr>
+          <a:xfrm rot="5400000">
+            <a:off x="6190579" y="3718892"/>
+            <a:ext cx="2398078" cy="334682"/>
+          </a:xfrm>
+          <a:prstGeom prst="cube">
+            <a:avLst>
+              <a:gd name="adj" fmla="val 0"/>
+            </a:avLst>
+          </a:prstGeom>
+          <a:solidFill>
+            <a:srgbClr val="F8F8F9"/>
+          </a:solidFill>
+          <a:ln>
+            <a:noFill/>
+          </a:ln>
+        </p:spPr>
+        <p:style>
+          <a:lnRef idx="2">
+            <a:schemeClr val="accent1">
+              <a:shade val="15000"/>
+            </a:schemeClr>
+          </a:lnRef>
+          <a:fillRef idx="1">
+            <a:schemeClr val="accent1"/>
+          </a:fillRef>
+          <a:effectRef idx="0">
+            <a:schemeClr val="accent1"/>
+          </a:effectRef>
+          <a:fontRef idx="minor">
+            <a:schemeClr val="lt1"/>
+          </a:fontRef>
+        </p:style>
+        <p:txBody>
+          <a:bodyPr rtlCol="0" anchor="ctr"/>
+          <a:lstStyle/>
+          <a:p>
+            <a:pPr algn="ctr"/>
+            <a:endParaRPr lang="en-US"/>
+          </a:p>
+        </p:txBody>
+      </p:sp>
+      <p:sp>
+        <p:nvSpPr>
+          <p:cNvPr id="41" name="Cube 40">
+            <a:extLst>
+              <a:ext uri="{FF2B5EF4-FFF2-40B4-BE49-F238E27FC236}">
+                <a16:creationId xmlns:a16="http://schemas.microsoft.com/office/drawing/2014/main" id="{47B453E1-4E9F-FBC1-A455-38AE180ECBF4}"/>
+              </a:ext>
+            </a:extLst>
+          </p:cNvPr>
+          <p:cNvSpPr/>
+          <p:nvPr/>
+        </p:nvSpPr>
+        <p:spPr>
+          <a:xfrm flipH="1">
+            <a:off x="5551079" y="4579145"/>
+            <a:ext cx="914400" cy="342404"/>
+          </a:xfrm>
+          <a:prstGeom prst="cube">
+            <a:avLst/>
+          </a:prstGeom>
+          <a:solidFill>
+            <a:srgbClr val="B3FFBC"/>
+          </a:solidFill>
+          <a:ln>
+            <a:noFill/>
+          </a:ln>
+        </p:spPr>
+        <p:style>
+          <a:lnRef idx="2">
+            <a:schemeClr val="accent1">
+              <a:shade val="15000"/>
+            </a:schemeClr>
+          </a:lnRef>
+          <a:fillRef idx="1">
+            <a:schemeClr val="accent1"/>
+          </a:fillRef>
+          <a:effectRef idx="0">
+            <a:schemeClr val="accent1"/>
+          </a:effectRef>
+          <a:fontRef idx="minor">
+            <a:schemeClr val="lt1"/>
+          </a:fontRef>
+        </p:style>
+        <p:txBody>
+          <a:bodyPr rtlCol="0" anchor="ctr"/>
+          <a:lstStyle/>
+          <a:p>
+            <a:pPr algn="ctr"/>
+            <a:endParaRPr lang="en-US"/>
+          </a:p>
+        </p:txBody>
+      </p:sp>
+      <p:sp>
+        <p:nvSpPr>
+          <p:cNvPr id="42" name="Cube 41">
+            <a:extLst>
+              <a:ext uri="{FF2B5EF4-FFF2-40B4-BE49-F238E27FC236}">
+                <a16:creationId xmlns:a16="http://schemas.microsoft.com/office/drawing/2014/main" id="{1C5C6384-4B95-B5F7-AE19-84837B923E12}"/>
+              </a:ext>
+            </a:extLst>
+          </p:cNvPr>
+          <p:cNvSpPr/>
+          <p:nvPr/>
+        </p:nvSpPr>
+        <p:spPr>
+          <a:xfrm rot="16200000">
+            <a:off x="3954996" y="4007149"/>
+            <a:ext cx="914400" cy="914400"/>
+          </a:xfrm>
+          <a:prstGeom prst="cube">
+            <a:avLst>
+              <a:gd name="adj" fmla="val 15244"/>
+            </a:avLst>
+          </a:prstGeom>
+          <a:solidFill>
+            <a:srgbClr val="FF3A55"/>
+          </a:solidFill>
+          <a:ln>
+            <a:noFill/>
+          </a:ln>
+        </p:spPr>
+        <p:style>
+          <a:lnRef idx="2">
+            <a:schemeClr val="accent1">
+              <a:shade val="15000"/>
+            </a:schemeClr>
+          </a:lnRef>
+          <a:fillRef idx="1">
+            <a:schemeClr val="accent1"/>
+          </a:fillRef>
+          <a:effectRef idx="0">
+            <a:schemeClr val="accent1"/>
+          </a:effectRef>
+          <a:fontRef idx="minor">
+            <a:schemeClr val="lt1"/>
+          </a:fontRef>
+        </p:style>
+        <p:txBody>
+          <a:bodyPr rtlCol="0" anchor="ctr"/>
+          <a:lstStyle/>
+          <a:p>
+            <a:pPr algn="ctr"/>
+            <a:endParaRPr lang="en-US"/>
+          </a:p>
+        </p:txBody>
+      </p:sp>
+      <p:sp>
+        <p:nvSpPr>
+          <p:cNvPr id="43" name="TextBox 42">
+            <a:extLst>
+              <a:ext uri="{FF2B5EF4-FFF2-40B4-BE49-F238E27FC236}">
+                <a16:creationId xmlns:a16="http://schemas.microsoft.com/office/drawing/2014/main" id="{741881D4-173F-AAE3-8CC8-D1FD59C73B1E}"/>
+              </a:ext>
+            </a:extLst>
+          </p:cNvPr>
+          <p:cNvSpPr txBox="1"/>
+          <p:nvPr/>
+        </p:nvSpPr>
+        <p:spPr>
+          <a:xfrm>
+            <a:off x="8517638" y="5603400"/>
+            <a:ext cx="4669348" cy="276999"/>
+          </a:xfrm>
+          <a:prstGeom prst="rect">
+            <a:avLst/>
+          </a:prstGeom>
+          <a:noFill/>
+        </p:spPr>
+        <p:txBody>
+          <a:bodyPr wrap="square">
+            <a:spAutoFit/>
+          </a:bodyPr>
+          <a:lstStyle/>
+          <a:p>
+            <a:pPr algn="ctr"/>
+            <a:r>
+              <a:rPr lang="en-US" sz="1200" dirty="0">
+                <a:latin typeface="ADLaM Display" panose="02010000000000000000" pitchFamily="2" charset="0"/>
+                <a:ea typeface="ADLaM Display" panose="02010000000000000000" pitchFamily="2" charset="0"/>
+                <a:cs typeface="ADLaM Display" panose="02010000000000000000" pitchFamily="2" charset="0"/>
+              </a:rPr>
+              <a:t>Developed by Majd Lahbib</a:t>
+            </a:r>
+          </a:p>
+        </p:txBody>
+      </p:sp>
+      <p:pic>
+        <p:nvPicPr>
+          <p:cNvPr id="44" name="Picture 2">
+            <a:extLst>
+              <a:ext uri="{FF2B5EF4-FFF2-40B4-BE49-F238E27FC236}">
+                <a16:creationId xmlns:a16="http://schemas.microsoft.com/office/drawing/2014/main" id="{C62D2F03-7F6D-0AA0-5C27-7E47116AE24F}"/>
+              </a:ext>
+            </a:extLst>
+          </p:cNvPr>
+          <p:cNvPicPr>
+            <a:picLocks noChangeAspect="1" noChangeArrowheads="1"/>
+          </p:cNvPicPr>
+          <p:nvPr/>
+        </p:nvPicPr>
+        <p:blipFill>
+          <a:blip r:embed="rId3">
+            <a:extLst>
+              <a:ext uri="{28A0092B-C50C-407E-A947-70E740481C1C}">
+                <a14:useLocalDpi xmlns:a14="http://schemas.microsoft.com/office/drawing/2010/main" val="0"/>
+              </a:ext>
+            </a:extLst>
+          </a:blip>
+          <a:srcRect/>
+          <a:stretch>
+            <a:fillRect/>
+          </a:stretch>
+        </p:blipFill>
+        <p:spPr bwMode="auto">
+          <a:xfrm>
+            <a:off x="10054126" y="4153435"/>
+            <a:ext cx="578546" cy="578546"/>
+          </a:xfrm>
+          <a:prstGeom prst="rect">
+            <a:avLst/>
+          </a:prstGeom>
+          <a:noFill/>
+          <a:extLst>
+            <a:ext uri="{909E8E84-426E-40DD-AFC4-6F175D3DCCD1}">
+              <a14:hiddenFill xmlns:a14="http://schemas.microsoft.com/office/drawing/2010/main">
+                <a:solidFill>
+                  <a:srgbClr val="FFFFFF"/>
+                </a:solidFill>
+              </a14:hiddenFill>
+            </a:ext>
+          </a:extLst>
+        </p:spPr>
+      </p:pic>
+      <p:sp>
+        <p:nvSpPr>
+          <p:cNvPr id="45" name="Cube 44">
+            <a:extLst>
+              <a:ext uri="{FF2B5EF4-FFF2-40B4-BE49-F238E27FC236}">
+                <a16:creationId xmlns:a16="http://schemas.microsoft.com/office/drawing/2014/main" id="{97C42F8E-21CA-480A-FB8C-0738FAC31E9A}"/>
+              </a:ext>
+            </a:extLst>
+          </p:cNvPr>
+          <p:cNvSpPr/>
+          <p:nvPr/>
+        </p:nvSpPr>
+        <p:spPr>
+          <a:xfrm>
+            <a:off x="6051318" y="2464126"/>
+            <a:ext cx="318633" cy="1150145"/>
+          </a:xfrm>
+          <a:prstGeom prst="cube">
+            <a:avLst>
+              <a:gd name="adj" fmla="val 16473"/>
+            </a:avLst>
+          </a:prstGeom>
+          <a:solidFill>
+            <a:srgbClr val="B9C3C7"/>
+          </a:solidFill>
+          <a:ln>
+            <a:noFill/>
+          </a:ln>
+        </p:spPr>
+        <p:style>
+          <a:lnRef idx="2">
+            <a:schemeClr val="accent1">
+              <a:shade val="15000"/>
+            </a:schemeClr>
+          </a:lnRef>
+          <a:fillRef idx="1">
+            <a:schemeClr val="accent1"/>
+          </a:fillRef>
+          <a:effectRef idx="0">
+            <a:schemeClr val="accent1"/>
+          </a:effectRef>
+          <a:fontRef idx="minor">
+            <a:schemeClr val="lt1"/>
+          </a:fontRef>
+        </p:style>
+        <p:txBody>
+          <a:bodyPr rtlCol="0" anchor="ctr"/>
+          <a:lstStyle/>
+          <a:p>
+            <a:pPr algn="ctr"/>
+            <a:endParaRPr lang="en-US"/>
+          </a:p>
+        </p:txBody>
+      </p:sp>
+      <p:pic>
+        <p:nvPicPr>
+          <p:cNvPr id="46" name="Picture 45">
+            <a:extLst>
+              <a:ext uri="{FF2B5EF4-FFF2-40B4-BE49-F238E27FC236}">
+                <a16:creationId xmlns:a16="http://schemas.microsoft.com/office/drawing/2014/main" id="{4E40C680-0BFC-48C0-7B00-620F8C0DC985}"/>
+              </a:ext>
+            </a:extLst>
+          </p:cNvPr>
+          <p:cNvPicPr>
+            <a:picLocks noChangeAspect="1"/>
+          </p:cNvPicPr>
+          <p:nvPr/>
+        </p:nvPicPr>
+        <p:blipFill rotWithShape="1">
+          <a:blip r:embed="rId4"/>
+          <a:srcRect l="1410"/>
+          <a:stretch/>
+        </p:blipFill>
+        <p:spPr>
+          <a:xfrm>
+            <a:off x="-2567056" y="490849"/>
+            <a:ext cx="4604115" cy="5096698"/>
+          </a:xfrm>
+          <a:prstGeom prst="rect">
+            <a:avLst/>
+          </a:prstGeom>
+        </p:spPr>
+      </p:pic>
+      <p:pic>
+        <p:nvPicPr>
+          <p:cNvPr id="3" name="Picture 2">
+            <a:extLst>
+              <a:ext uri="{FF2B5EF4-FFF2-40B4-BE49-F238E27FC236}">
+                <a16:creationId xmlns:a16="http://schemas.microsoft.com/office/drawing/2014/main" id="{C78EF76D-39E3-6C32-663B-B6513AEFF6F6}"/>
+              </a:ext>
+            </a:extLst>
+          </p:cNvPr>
+          <p:cNvPicPr>
+            <a:picLocks noChangeAspect="1"/>
+          </p:cNvPicPr>
+          <p:nvPr/>
+        </p:nvPicPr>
+        <p:blipFill>
+          <a:blip r:embed="rId5"/>
+          <a:stretch>
+            <a:fillRect/>
+          </a:stretch>
+        </p:blipFill>
+        <p:spPr>
+          <a:xfrm>
+            <a:off x="11572680" y="2464126"/>
+            <a:ext cx="4602879" cy="5096698"/>
+          </a:xfrm>
+          <a:prstGeom prst="rect">
+            <a:avLst/>
+          </a:prstGeom>
+        </p:spPr>
+      </p:pic>
+    </p:spTree>
+    <p:extLst>
+      <p:ext uri="{BB962C8B-B14F-4D97-AF65-F5344CB8AC3E}">
+        <p14:creationId xmlns:p14="http://schemas.microsoft.com/office/powerpoint/2010/main" val="3083914836"/>
+      </p:ext>
+    </p:extLst>
+  </p:cSld>
+  <p:clrMapOvr>
+    <a:masterClrMapping/>
+  </p:clrMapOvr>
+</p:sld>
+</file>
+
+<file path=ppt/slides/slide5.xml><?xml version="1.0" encoding="utf-8"?>
+<p:sld xmlns:a="http://schemas.openxmlformats.org/drawingml/2006/main" xmlns:r="http://schemas.openxmlformats.org/officeDocument/2006/relationships" xmlns:p="http://schemas.openxmlformats.org/presentationml/2006/main">
+  <p:cSld>
+    <p:spTree>
+      <p:nvGrpSpPr>
+        <p:cNvPr id="1" name=""/>
+        <p:cNvGrpSpPr/>
+        <p:nvPr/>
+      </p:nvGrpSpPr>
+      <p:grpSpPr>
+        <a:xfrm>
+          <a:off x="0" y="0"/>
+          <a:ext cx="0" cy="0"/>
+          <a:chOff x="0" y="0"/>
+          <a:chExt cx="0" cy="0"/>
+        </a:xfrm>
+      </p:grpSpPr>
+      <p:sp>
+        <p:nvSpPr>
           <p:cNvPr id="2" name="Rectangle 1">
             <a:extLst>
               <a:ext uri="{FF2B5EF4-FFF2-40B4-BE49-F238E27FC236}">
@@ -10424,7 +14640,7 @@
 </p:sld>
 </file>
 
-<file path=ppt/slides/slide4.xml><?xml version="1.0" encoding="utf-8"?>
+<file path=ppt/slides/slide6.xml><?xml version="1.0" encoding="utf-8"?>
 <p:sld xmlns:a="http://schemas.openxmlformats.org/drawingml/2006/main" xmlns:r="http://schemas.openxmlformats.org/officeDocument/2006/relationships" xmlns:p="http://schemas.openxmlformats.org/presentationml/2006/main">
   <p:cSld>
     <p:spTree>
@@ -10775,7 +14991,7 @@
 </p:sld>
 </file>
 
-<file path=ppt/slides/slide5.xml><?xml version="1.0" encoding="utf-8"?>
+<file path=ppt/slides/slide7.xml><?xml version="1.0" encoding="utf-8"?>
 <p:sld xmlns:a="http://schemas.openxmlformats.org/drawingml/2006/main" xmlns:r="http://schemas.openxmlformats.org/officeDocument/2006/relationships" xmlns:p="http://schemas.openxmlformats.org/presentationml/2006/main">
   <p:cSld>
     <p:bg>
@@ -11277,1023 +15493,6 @@
 </p:sld>
 </file>
 
-<file path=ppt/slides/slide6.xml><?xml version="1.0" encoding="utf-8"?>
-<p:sld xmlns:a="http://schemas.openxmlformats.org/drawingml/2006/main" xmlns:r="http://schemas.openxmlformats.org/officeDocument/2006/relationships" xmlns:p="http://schemas.openxmlformats.org/presentationml/2006/main">
-  <p:cSld>
-    <p:spTree>
-      <p:nvGrpSpPr>
-        <p:cNvPr id="1" name=""/>
-        <p:cNvGrpSpPr/>
-        <p:nvPr/>
-      </p:nvGrpSpPr>
-      <p:grpSpPr>
-        <a:xfrm>
-          <a:off x="0" y="0"/>
-          <a:ext cx="0" cy="0"/>
-          <a:chOff x="0" y="0"/>
-          <a:chExt cx="0" cy="0"/>
-        </a:xfrm>
-      </p:grpSpPr>
-      <p:sp>
-        <p:nvSpPr>
-          <p:cNvPr id="6" name="Rectangle: Rounded Corners 5">
-            <a:extLst>
-              <a:ext uri="{FF2B5EF4-FFF2-40B4-BE49-F238E27FC236}">
-                <a16:creationId xmlns:a16="http://schemas.microsoft.com/office/drawing/2014/main" id="{A7714DB5-6591-AF77-69E4-A416DA2D4DBB}"/>
-              </a:ext>
-            </a:extLst>
-          </p:cNvPr>
-          <p:cNvSpPr/>
-          <p:nvPr/>
-        </p:nvSpPr>
-        <p:spPr>
-          <a:xfrm>
-            <a:off x="1204332" y="847493"/>
-            <a:ext cx="8876371" cy="4694664"/>
-          </a:xfrm>
-          <a:prstGeom prst="roundRect">
-            <a:avLst>
-              <a:gd name="adj" fmla="val 4315"/>
-            </a:avLst>
-          </a:prstGeom>
-          <a:blipFill dpi="0" rotWithShape="1">
-            <a:blip r:embed="rId2">
-              <a:alphaModFix amt="47000"/>
-            </a:blip>
-            <a:srcRect/>
-            <a:stretch>
-              <a:fillRect/>
-            </a:stretch>
-          </a:blipFill>
-          <a:ln w="6350">
-            <a:solidFill>
-              <a:schemeClr val="tx1"/>
-            </a:solidFill>
-          </a:ln>
-        </p:spPr>
-        <p:style>
-          <a:lnRef idx="2">
-            <a:schemeClr val="accent1">
-              <a:shade val="15000"/>
-            </a:schemeClr>
-          </a:lnRef>
-          <a:fillRef idx="1">
-            <a:schemeClr val="accent1"/>
-          </a:fillRef>
-          <a:effectRef idx="0">
-            <a:schemeClr val="accent1"/>
-          </a:effectRef>
-          <a:fontRef idx="minor">
-            <a:schemeClr val="lt1"/>
-          </a:fontRef>
-        </p:style>
-        <p:txBody>
-          <a:bodyPr rtlCol="0" anchor="ctr"/>
-          <a:lstStyle/>
-          <a:p>
-            <a:pPr algn="ctr"/>
-            <a:endParaRPr lang="en-US"/>
-          </a:p>
-        </p:txBody>
-      </p:sp>
-      <p:pic>
-        <p:nvPicPr>
-          <p:cNvPr id="7" name="Picture 6">
-            <a:extLst>
-              <a:ext uri="{FF2B5EF4-FFF2-40B4-BE49-F238E27FC236}">
-                <a16:creationId xmlns:a16="http://schemas.microsoft.com/office/drawing/2014/main" id="{6F29E890-AD96-E461-D13F-9F13FBBBB2EB}"/>
-              </a:ext>
-            </a:extLst>
-          </p:cNvPr>
-          <p:cNvPicPr>
-            <a:picLocks noChangeAspect="1"/>
-          </p:cNvPicPr>
-          <p:nvPr/>
-        </p:nvPicPr>
-        <p:blipFill>
-          <a:blip r:embed="rId3"/>
-          <a:stretch>
-            <a:fillRect/>
-          </a:stretch>
-        </p:blipFill>
-        <p:spPr>
-          <a:xfrm>
-            <a:off x="1479399" y="1106387"/>
-            <a:ext cx="2077840" cy="624858"/>
-          </a:xfrm>
-          <a:prstGeom prst="rect">
-            <a:avLst/>
-          </a:prstGeom>
-        </p:spPr>
-      </p:pic>
-      <p:sp>
-        <p:nvSpPr>
-          <p:cNvPr id="8" name="TextBox 7">
-            <a:extLst>
-              <a:ext uri="{FF2B5EF4-FFF2-40B4-BE49-F238E27FC236}">
-                <a16:creationId xmlns:a16="http://schemas.microsoft.com/office/drawing/2014/main" id="{E1FFC41C-592D-FA02-B371-9B27D90BC32C}"/>
-              </a:ext>
-            </a:extLst>
-          </p:cNvPr>
-          <p:cNvSpPr txBox="1"/>
-          <p:nvPr/>
-        </p:nvSpPr>
-        <p:spPr>
-          <a:xfrm>
-            <a:off x="3367668" y="1234150"/>
-            <a:ext cx="1794081" cy="369332"/>
-          </a:xfrm>
-          <a:prstGeom prst="rect">
-            <a:avLst/>
-          </a:prstGeom>
-          <a:noFill/>
-        </p:spPr>
-        <p:txBody>
-          <a:bodyPr wrap="none" rtlCol="0">
-            <a:spAutoFit/>
-          </a:bodyPr>
-          <a:lstStyle/>
-          <a:p>
-            <a:r>
-              <a:rPr lang="en-US" dirty="0">
-                <a:latin typeface="ADLaM Display" panose="02010000000000000000" pitchFamily="2" charset="0"/>
-                <a:ea typeface="ADLaM Display" panose="02010000000000000000" pitchFamily="2" charset="0"/>
-                <a:cs typeface="ADLaM Display" panose="02010000000000000000" pitchFamily="2" charset="0"/>
-              </a:rPr>
-              <a:t>|        OPTIONS</a:t>
-            </a:r>
-          </a:p>
-        </p:txBody>
-      </p:sp>
-      <p:pic>
-        <p:nvPicPr>
-          <p:cNvPr id="15" name="Graphic 14" descr="Single gear with solid fill">
-            <a:extLst>
-              <a:ext uri="{FF2B5EF4-FFF2-40B4-BE49-F238E27FC236}">
-                <a16:creationId xmlns:a16="http://schemas.microsoft.com/office/drawing/2014/main" id="{6797233F-2E9C-602D-66E8-338A0E691B4E}"/>
-              </a:ext>
-            </a:extLst>
-          </p:cNvPr>
-          <p:cNvPicPr>
-            <a:picLocks noChangeAspect="1"/>
-          </p:cNvPicPr>
-          <p:nvPr/>
-        </p:nvPicPr>
-        <p:blipFill>
-          <a:blip r:embed="rId4">
-            <a:extLst>
-              <a:ext uri="{96DAC541-7B7A-43D3-8B79-37D633B846F1}">
-                <asvg:svgBlip xmlns:asvg="http://schemas.microsoft.com/office/drawing/2016/SVG/main" r:embed="rId5"/>
-              </a:ext>
-            </a:extLst>
-          </a:blip>
-          <a:stretch>
-            <a:fillRect/>
-          </a:stretch>
-        </p:blipFill>
-        <p:spPr>
-          <a:xfrm>
-            <a:off x="3557239" y="1192765"/>
-            <a:ext cx="474403" cy="474403"/>
-          </a:xfrm>
-          <a:prstGeom prst="rect">
-            <a:avLst/>
-          </a:prstGeom>
-        </p:spPr>
-      </p:pic>
-      <p:sp>
-        <p:nvSpPr>
-          <p:cNvPr id="16" name="Rectangle: Rounded Corners 15">
-            <a:extLst>
-              <a:ext uri="{FF2B5EF4-FFF2-40B4-BE49-F238E27FC236}">
-                <a16:creationId xmlns:a16="http://schemas.microsoft.com/office/drawing/2014/main" id="{12E5F702-4F08-4673-7165-D805CCF2321B}"/>
-              </a:ext>
-            </a:extLst>
-          </p:cNvPr>
-          <p:cNvSpPr/>
-          <p:nvPr/>
-        </p:nvSpPr>
-        <p:spPr>
-          <a:xfrm>
-            <a:off x="1479399" y="1990139"/>
-            <a:ext cx="8054894" cy="474670"/>
-          </a:xfrm>
-          <a:prstGeom prst="roundRect">
-            <a:avLst/>
-          </a:prstGeom>
-          <a:solidFill>
-            <a:schemeClr val="bg1">
-              <a:lumMod val="75000"/>
-              <a:alpha val="59000"/>
-            </a:schemeClr>
-          </a:solidFill>
-          <a:ln w="19050">
-            <a:solidFill>
-              <a:schemeClr val="tx1"/>
-            </a:solidFill>
-          </a:ln>
-        </p:spPr>
-        <p:style>
-          <a:lnRef idx="2">
-            <a:schemeClr val="accent1">
-              <a:shade val="15000"/>
-            </a:schemeClr>
-          </a:lnRef>
-          <a:fillRef idx="1">
-            <a:schemeClr val="accent1"/>
-          </a:fillRef>
-          <a:effectRef idx="0">
-            <a:schemeClr val="accent1"/>
-          </a:effectRef>
-          <a:fontRef idx="minor">
-            <a:schemeClr val="lt1"/>
-          </a:fontRef>
-        </p:style>
-        <p:txBody>
-          <a:bodyPr rtlCol="0" anchor="ctr"/>
-          <a:lstStyle/>
-          <a:p>
-            <a:pPr algn="ctr"/>
-            <a:endParaRPr lang="en-US"/>
-          </a:p>
-        </p:txBody>
-      </p:sp>
-      <p:sp>
-        <p:nvSpPr>
-          <p:cNvPr id="22" name="TextBox 21">
-            <a:extLst>
-              <a:ext uri="{FF2B5EF4-FFF2-40B4-BE49-F238E27FC236}">
-                <a16:creationId xmlns:a16="http://schemas.microsoft.com/office/drawing/2014/main" id="{4649DA2E-622B-8700-5BF2-850866E76AAA}"/>
-              </a:ext>
-            </a:extLst>
-          </p:cNvPr>
-          <p:cNvSpPr txBox="1"/>
-          <p:nvPr/>
-        </p:nvSpPr>
-        <p:spPr>
-          <a:xfrm>
-            <a:off x="1596358" y="1988480"/>
-            <a:ext cx="2886432" cy="461665"/>
-          </a:xfrm>
-          <a:prstGeom prst="rect">
-            <a:avLst/>
-          </a:prstGeom>
-          <a:noFill/>
-        </p:spPr>
-        <p:txBody>
-          <a:bodyPr wrap="square" rtlCol="0">
-            <a:spAutoFit/>
-          </a:bodyPr>
-          <a:lstStyle/>
-          <a:p>
-            <a:r>
-              <a:rPr lang="en-US" sz="2400" dirty="0">
-                <a:ea typeface="ADLaM Display" panose="02010000000000000000" pitchFamily="2" charset="0"/>
-                <a:cs typeface="ADLaM Display" panose="02010000000000000000" pitchFamily="2" charset="0"/>
-              </a:rPr>
-              <a:t>Graphics Settings:</a:t>
-            </a:r>
-          </a:p>
-        </p:txBody>
-      </p:sp>
-      <p:sp>
-        <p:nvSpPr>
-          <p:cNvPr id="23" name="Rectangle: Rounded Corners 22">
-            <a:extLst>
-              <a:ext uri="{FF2B5EF4-FFF2-40B4-BE49-F238E27FC236}">
-                <a16:creationId xmlns:a16="http://schemas.microsoft.com/office/drawing/2014/main" id="{F548C85F-45C2-216D-36B2-213E6C4B4F7C}"/>
-              </a:ext>
-            </a:extLst>
-          </p:cNvPr>
-          <p:cNvSpPr/>
-          <p:nvPr/>
-        </p:nvSpPr>
-        <p:spPr>
-          <a:xfrm>
-            <a:off x="1479399" y="2584558"/>
-            <a:ext cx="8054894" cy="474670"/>
-          </a:xfrm>
-          <a:prstGeom prst="roundRect">
-            <a:avLst/>
-          </a:prstGeom>
-          <a:solidFill>
-            <a:schemeClr val="bg1">
-              <a:lumMod val="75000"/>
-              <a:alpha val="59000"/>
-            </a:schemeClr>
-          </a:solidFill>
-          <a:ln w="19050">
-            <a:solidFill>
-              <a:schemeClr val="tx1"/>
-            </a:solidFill>
-          </a:ln>
-        </p:spPr>
-        <p:style>
-          <a:lnRef idx="2">
-            <a:schemeClr val="accent1">
-              <a:shade val="15000"/>
-            </a:schemeClr>
-          </a:lnRef>
-          <a:fillRef idx="1">
-            <a:schemeClr val="accent1"/>
-          </a:fillRef>
-          <a:effectRef idx="0">
-            <a:schemeClr val="accent1"/>
-          </a:effectRef>
-          <a:fontRef idx="minor">
-            <a:schemeClr val="lt1"/>
-          </a:fontRef>
-        </p:style>
-        <p:txBody>
-          <a:bodyPr rtlCol="0" anchor="ctr"/>
-          <a:lstStyle/>
-          <a:p>
-            <a:pPr algn="ctr"/>
-            <a:endParaRPr lang="en-US"/>
-          </a:p>
-        </p:txBody>
-      </p:sp>
-      <p:sp>
-        <p:nvSpPr>
-          <p:cNvPr id="24" name="TextBox 23">
-            <a:extLst>
-              <a:ext uri="{FF2B5EF4-FFF2-40B4-BE49-F238E27FC236}">
-                <a16:creationId xmlns:a16="http://schemas.microsoft.com/office/drawing/2014/main" id="{A4D9787A-9B97-428C-6673-2BE2F644854A}"/>
-              </a:ext>
-            </a:extLst>
-          </p:cNvPr>
-          <p:cNvSpPr txBox="1"/>
-          <p:nvPr/>
-        </p:nvSpPr>
-        <p:spPr>
-          <a:xfrm>
-            <a:off x="1596358" y="2594050"/>
-            <a:ext cx="3170851" cy="461665"/>
-          </a:xfrm>
-          <a:prstGeom prst="rect">
-            <a:avLst/>
-          </a:prstGeom>
-          <a:noFill/>
-          <a:ln>
-            <a:noFill/>
-          </a:ln>
-        </p:spPr>
-        <p:txBody>
-          <a:bodyPr wrap="square" rtlCol="0">
-            <a:spAutoFit/>
-          </a:bodyPr>
-          <a:lstStyle/>
-          <a:p>
-            <a:r>
-              <a:rPr lang="en-US" sz="2400" dirty="0"/>
-              <a:t>Control Settings</a:t>
-            </a:r>
-            <a:r>
-              <a:rPr lang="en-US" sz="2400" dirty="0">
-                <a:ea typeface="ADLaM Display" panose="02010000000000000000" pitchFamily="2" charset="0"/>
-                <a:cs typeface="ADLaM Display" panose="02010000000000000000" pitchFamily="2" charset="0"/>
-              </a:rPr>
-              <a:t>:</a:t>
-            </a:r>
-          </a:p>
-        </p:txBody>
-      </p:sp>
-      <p:sp>
-        <p:nvSpPr>
-          <p:cNvPr id="25" name="Rectangle: Rounded Corners 24">
-            <a:extLst>
-              <a:ext uri="{FF2B5EF4-FFF2-40B4-BE49-F238E27FC236}">
-                <a16:creationId xmlns:a16="http://schemas.microsoft.com/office/drawing/2014/main" id="{E121176E-B9F7-4E11-96D6-A0B82C82EE1E}"/>
-              </a:ext>
-            </a:extLst>
-          </p:cNvPr>
-          <p:cNvSpPr/>
-          <p:nvPr/>
-        </p:nvSpPr>
-        <p:spPr>
-          <a:xfrm>
-            <a:off x="8976731" y="1233155"/>
-            <a:ext cx="557561" cy="474670"/>
-          </a:xfrm>
-          <a:prstGeom prst="roundRect">
-            <a:avLst/>
-          </a:prstGeom>
-          <a:solidFill>
-            <a:schemeClr val="bg1">
-              <a:lumMod val="75000"/>
-              <a:alpha val="59000"/>
-            </a:schemeClr>
-          </a:solidFill>
-          <a:ln w="3175">
-            <a:solidFill>
-              <a:schemeClr val="tx1"/>
-            </a:solidFill>
-          </a:ln>
-        </p:spPr>
-        <p:style>
-          <a:lnRef idx="2">
-            <a:schemeClr val="accent1">
-              <a:shade val="15000"/>
-            </a:schemeClr>
-          </a:lnRef>
-          <a:fillRef idx="1">
-            <a:schemeClr val="accent1"/>
-          </a:fillRef>
-          <a:effectRef idx="0">
-            <a:schemeClr val="accent1"/>
-          </a:effectRef>
-          <a:fontRef idx="minor">
-            <a:schemeClr val="lt1"/>
-          </a:fontRef>
-        </p:style>
-        <p:txBody>
-          <a:bodyPr rtlCol="0" anchor="ctr"/>
-          <a:lstStyle/>
-          <a:p>
-            <a:pPr algn="ctr"/>
-            <a:endParaRPr lang="en-US"/>
-          </a:p>
-        </p:txBody>
-      </p:sp>
-      <p:sp>
-        <p:nvSpPr>
-          <p:cNvPr id="26" name="TextBox 25">
-            <a:extLst>
-              <a:ext uri="{FF2B5EF4-FFF2-40B4-BE49-F238E27FC236}">
-                <a16:creationId xmlns:a16="http://schemas.microsoft.com/office/drawing/2014/main" id="{F7250BF8-F0E9-A69E-E2A4-63E0E37810DE}"/>
-              </a:ext>
-            </a:extLst>
-          </p:cNvPr>
-          <p:cNvSpPr txBox="1"/>
-          <p:nvPr/>
-        </p:nvSpPr>
-        <p:spPr>
-          <a:xfrm>
-            <a:off x="9063932" y="1226635"/>
-            <a:ext cx="383438" cy="523220"/>
-          </a:xfrm>
-          <a:prstGeom prst="rect">
-            <a:avLst/>
-          </a:prstGeom>
-          <a:noFill/>
-        </p:spPr>
-        <p:txBody>
-          <a:bodyPr wrap="none" rtlCol="0">
-            <a:spAutoFit/>
-          </a:bodyPr>
-          <a:lstStyle/>
-          <a:p>
-            <a:r>
-              <a:rPr lang="en-US" sz="2800" dirty="0">
-                <a:ea typeface="ADLaM Display" panose="02010000000000000000" pitchFamily="2" charset="0"/>
-                <a:cs typeface="ADLaM Display" panose="02010000000000000000" pitchFamily="2" charset="0"/>
-              </a:rPr>
-              <a:t>X</a:t>
-            </a:r>
-          </a:p>
-        </p:txBody>
-      </p:sp>
-      <p:sp>
-        <p:nvSpPr>
-          <p:cNvPr id="27" name="Rectangle: Rounded Corners 26">
-            <a:extLst>
-              <a:ext uri="{FF2B5EF4-FFF2-40B4-BE49-F238E27FC236}">
-                <a16:creationId xmlns:a16="http://schemas.microsoft.com/office/drawing/2014/main" id="{C5E117A8-E3E0-D5C8-6F87-A50988D3F283}"/>
-              </a:ext>
-            </a:extLst>
-          </p:cNvPr>
-          <p:cNvSpPr/>
-          <p:nvPr/>
-        </p:nvSpPr>
-        <p:spPr>
-          <a:xfrm>
-            <a:off x="8211127" y="4949465"/>
-            <a:ext cx="1323165" cy="474670"/>
-          </a:xfrm>
-          <a:prstGeom prst="roundRect">
-            <a:avLst/>
-          </a:prstGeom>
-          <a:solidFill>
-            <a:schemeClr val="bg1">
-              <a:lumMod val="75000"/>
-              <a:alpha val="59000"/>
-            </a:schemeClr>
-          </a:solidFill>
-          <a:ln w="19050">
-            <a:solidFill>
-              <a:schemeClr val="tx1"/>
-            </a:solidFill>
-          </a:ln>
-        </p:spPr>
-        <p:style>
-          <a:lnRef idx="2">
-            <a:schemeClr val="accent1">
-              <a:shade val="15000"/>
-            </a:schemeClr>
-          </a:lnRef>
-          <a:fillRef idx="1">
-            <a:schemeClr val="accent1"/>
-          </a:fillRef>
-          <a:effectRef idx="0">
-            <a:schemeClr val="accent1"/>
-          </a:effectRef>
-          <a:fontRef idx="minor">
-            <a:schemeClr val="lt1"/>
-          </a:fontRef>
-        </p:style>
-        <p:txBody>
-          <a:bodyPr rtlCol="0" anchor="ctr"/>
-          <a:lstStyle/>
-          <a:p>
-            <a:pPr algn="ctr"/>
-            <a:endParaRPr lang="en-US"/>
-          </a:p>
-        </p:txBody>
-      </p:sp>
-      <p:sp>
-        <p:nvSpPr>
-          <p:cNvPr id="28" name="TextBox 27">
-            <a:extLst>
-              <a:ext uri="{FF2B5EF4-FFF2-40B4-BE49-F238E27FC236}">
-                <a16:creationId xmlns:a16="http://schemas.microsoft.com/office/drawing/2014/main" id="{A9719FE4-0232-D41A-838B-F3AD671E87DC}"/>
-              </a:ext>
-            </a:extLst>
-          </p:cNvPr>
-          <p:cNvSpPr txBox="1"/>
-          <p:nvPr/>
-        </p:nvSpPr>
-        <p:spPr>
-          <a:xfrm>
-            <a:off x="8445229" y="4955967"/>
-            <a:ext cx="869098" cy="461665"/>
-          </a:xfrm>
-          <a:prstGeom prst="rect">
-            <a:avLst/>
-          </a:prstGeom>
-          <a:noFill/>
-          <a:ln>
-            <a:noFill/>
-          </a:ln>
-        </p:spPr>
-        <p:txBody>
-          <a:bodyPr wrap="square" rtlCol="0">
-            <a:spAutoFit/>
-          </a:bodyPr>
-          <a:lstStyle/>
-          <a:p>
-            <a:r>
-              <a:rPr lang="en-US" sz="2400" dirty="0">
-                <a:ea typeface="ADLaM Display" panose="02010000000000000000" pitchFamily="2" charset="0"/>
-                <a:cs typeface="ADLaM Display" panose="02010000000000000000" pitchFamily="2" charset="0"/>
-              </a:rPr>
-              <a:t>Save</a:t>
-            </a:r>
-          </a:p>
-        </p:txBody>
-      </p:sp>
-      <p:sp>
-        <p:nvSpPr>
-          <p:cNvPr id="2" name="Rectangle: Rounded Corners 1">
-            <a:extLst>
-              <a:ext uri="{FF2B5EF4-FFF2-40B4-BE49-F238E27FC236}">
-                <a16:creationId xmlns:a16="http://schemas.microsoft.com/office/drawing/2014/main" id="{0E730CE1-3D46-AD95-A6CB-1AF98D359325}"/>
-              </a:ext>
-            </a:extLst>
-          </p:cNvPr>
-          <p:cNvSpPr/>
-          <p:nvPr/>
-        </p:nvSpPr>
-        <p:spPr>
-          <a:xfrm>
-            <a:off x="1479398" y="3231603"/>
-            <a:ext cx="8054894" cy="474670"/>
-          </a:xfrm>
-          <a:prstGeom prst="roundRect">
-            <a:avLst/>
-          </a:prstGeom>
-          <a:solidFill>
-            <a:schemeClr val="bg1">
-              <a:lumMod val="75000"/>
-              <a:alpha val="59000"/>
-            </a:schemeClr>
-          </a:solidFill>
-          <a:ln w="19050">
-            <a:solidFill>
-              <a:schemeClr val="tx1"/>
-            </a:solidFill>
-          </a:ln>
-        </p:spPr>
-        <p:style>
-          <a:lnRef idx="2">
-            <a:schemeClr val="accent1">
-              <a:shade val="15000"/>
-            </a:schemeClr>
-          </a:lnRef>
-          <a:fillRef idx="1">
-            <a:schemeClr val="accent1"/>
-          </a:fillRef>
-          <a:effectRef idx="0">
-            <a:schemeClr val="accent1"/>
-          </a:effectRef>
-          <a:fontRef idx="minor">
-            <a:schemeClr val="lt1"/>
-          </a:fontRef>
-        </p:style>
-        <p:txBody>
-          <a:bodyPr rtlCol="0" anchor="ctr"/>
-          <a:lstStyle/>
-          <a:p>
-            <a:pPr algn="ctr"/>
-            <a:endParaRPr lang="en-US"/>
-          </a:p>
-        </p:txBody>
-      </p:sp>
-      <p:sp>
-        <p:nvSpPr>
-          <p:cNvPr id="3" name="TextBox 2">
-            <a:extLst>
-              <a:ext uri="{FF2B5EF4-FFF2-40B4-BE49-F238E27FC236}">
-                <a16:creationId xmlns:a16="http://schemas.microsoft.com/office/drawing/2014/main" id="{AE7D123E-D607-8E95-692E-19A716C3B10B}"/>
-              </a:ext>
-            </a:extLst>
-          </p:cNvPr>
-          <p:cNvSpPr txBox="1"/>
-          <p:nvPr/>
-        </p:nvSpPr>
-        <p:spPr>
-          <a:xfrm>
-            <a:off x="1596357" y="3241095"/>
-            <a:ext cx="3170851" cy="461665"/>
-          </a:xfrm>
-          <a:prstGeom prst="rect">
-            <a:avLst/>
-          </a:prstGeom>
-          <a:noFill/>
-          <a:ln>
-            <a:noFill/>
-          </a:ln>
-        </p:spPr>
-        <p:txBody>
-          <a:bodyPr wrap="square" rtlCol="0">
-            <a:spAutoFit/>
-          </a:bodyPr>
-          <a:lstStyle/>
-          <a:p>
-            <a:r>
-              <a:rPr lang="en-US" sz="2400" dirty="0"/>
-              <a:t>Help</a:t>
-            </a:r>
-            <a:r>
-              <a:rPr lang="en-US" sz="2400" dirty="0">
-                <a:ea typeface="ADLaM Display" panose="02010000000000000000" pitchFamily="2" charset="0"/>
-                <a:cs typeface="ADLaM Display" panose="02010000000000000000" pitchFamily="2" charset="0"/>
-              </a:rPr>
-              <a:t>:</a:t>
-            </a:r>
-          </a:p>
-        </p:txBody>
-      </p:sp>
-      <p:sp>
-        <p:nvSpPr>
-          <p:cNvPr id="4" name="Rectangle: Rounded Corners 3">
-            <a:extLst>
-              <a:ext uri="{FF2B5EF4-FFF2-40B4-BE49-F238E27FC236}">
-                <a16:creationId xmlns:a16="http://schemas.microsoft.com/office/drawing/2014/main" id="{F6DA85FC-4D81-0FD1-8E0D-B4883913E36C}"/>
-              </a:ext>
-            </a:extLst>
-          </p:cNvPr>
-          <p:cNvSpPr/>
-          <p:nvPr/>
-        </p:nvSpPr>
-        <p:spPr>
-          <a:xfrm>
-            <a:off x="10911492" y="2581045"/>
-            <a:ext cx="715082" cy="424622"/>
-          </a:xfrm>
-          <a:prstGeom prst="roundRect">
-            <a:avLst>
-              <a:gd name="adj" fmla="val 8691"/>
-            </a:avLst>
-          </a:prstGeom>
-          <a:solidFill>
-            <a:schemeClr val="bg1">
-              <a:lumMod val="75000"/>
-              <a:alpha val="59000"/>
-            </a:schemeClr>
-          </a:solidFill>
-          <a:ln w="9525">
-            <a:solidFill>
-              <a:schemeClr val="tx1"/>
-            </a:solidFill>
-          </a:ln>
-        </p:spPr>
-        <p:style>
-          <a:lnRef idx="2">
-            <a:schemeClr val="accent1">
-              <a:shade val="15000"/>
-            </a:schemeClr>
-          </a:lnRef>
-          <a:fillRef idx="1">
-            <a:schemeClr val="accent1"/>
-          </a:fillRef>
-          <a:effectRef idx="0">
-            <a:schemeClr val="accent1"/>
-          </a:effectRef>
-          <a:fontRef idx="minor">
-            <a:schemeClr val="lt1"/>
-          </a:fontRef>
-        </p:style>
-        <p:txBody>
-          <a:bodyPr rtlCol="0" anchor="ctr"/>
-          <a:lstStyle/>
-          <a:p>
-            <a:pPr algn="ctr"/>
-            <a:endParaRPr lang="en-US"/>
-          </a:p>
-        </p:txBody>
-      </p:sp>
-      <p:pic>
-        <p:nvPicPr>
-          <p:cNvPr id="10" name="Graphic 9" descr="Checkmark with solid fill">
-            <a:extLst>
-              <a:ext uri="{FF2B5EF4-FFF2-40B4-BE49-F238E27FC236}">
-                <a16:creationId xmlns:a16="http://schemas.microsoft.com/office/drawing/2014/main" id="{240001B9-6EF2-B342-8332-CD366F9F08E0}"/>
-              </a:ext>
-            </a:extLst>
-          </p:cNvPr>
-          <p:cNvPicPr>
-            <a:picLocks noChangeAspect="1"/>
-          </p:cNvPicPr>
-          <p:nvPr/>
-        </p:nvPicPr>
-        <p:blipFill>
-          <a:blip r:embed="rId6">
-            <a:extLst>
-              <a:ext uri="{96DAC541-7B7A-43D3-8B79-37D633B846F1}">
-                <asvg:svgBlip xmlns:asvg="http://schemas.microsoft.com/office/drawing/2016/SVG/main" r:embed="rId7"/>
-              </a:ext>
-            </a:extLst>
-          </a:blip>
-          <a:stretch>
-            <a:fillRect/>
-          </a:stretch>
-        </p:blipFill>
-        <p:spPr>
-          <a:xfrm>
-            <a:off x="10668062" y="2310171"/>
-            <a:ext cx="131212" cy="131212"/>
-          </a:xfrm>
-          <a:prstGeom prst="rect">
-            <a:avLst/>
-          </a:prstGeom>
-        </p:spPr>
-      </p:pic>
-      <p:pic>
-        <p:nvPicPr>
-          <p:cNvPr id="9" name="Graphic 8" descr="Caret Down with solid fill">
-            <a:extLst>
-              <a:ext uri="{FF2B5EF4-FFF2-40B4-BE49-F238E27FC236}">
-                <a16:creationId xmlns:a16="http://schemas.microsoft.com/office/drawing/2014/main" id="{5BF0D227-7B87-415A-9053-451E48E1C36C}"/>
-              </a:ext>
-            </a:extLst>
-          </p:cNvPr>
-          <p:cNvPicPr>
-            <a:picLocks noChangeAspect="1"/>
-          </p:cNvPicPr>
-          <p:nvPr/>
-        </p:nvPicPr>
-        <p:blipFill>
-          <a:blip r:embed="rId8">
-            <a:extLst>
-              <a:ext uri="{96DAC541-7B7A-43D3-8B79-37D633B846F1}">
-                <asvg:svgBlip xmlns:asvg="http://schemas.microsoft.com/office/drawing/2016/SVG/main" r:embed="rId9"/>
-              </a:ext>
-            </a:extLst>
-          </a:blip>
-          <a:stretch>
-            <a:fillRect/>
-          </a:stretch>
-        </p:blipFill>
-        <p:spPr>
-          <a:xfrm>
-            <a:off x="5638800" y="2971800"/>
-            <a:ext cx="334433" cy="334433"/>
-          </a:xfrm>
-          <a:prstGeom prst="rect">
-            <a:avLst/>
-          </a:prstGeom>
-        </p:spPr>
-      </p:pic>
-    </p:spTree>
-    <p:extLst>
-      <p:ext uri="{BB962C8B-B14F-4D97-AF65-F5344CB8AC3E}">
-        <p14:creationId xmlns:p14="http://schemas.microsoft.com/office/powerpoint/2010/main" val="1429486532"/>
-      </p:ext>
-    </p:extLst>
-  </p:cSld>
-  <p:clrMapOvr>
-    <a:masterClrMapping/>
-  </p:clrMapOvr>
-</p:sld>
-</file>
-
-<file path=ppt/slides/slide7.xml><?xml version="1.0" encoding="utf-8"?>
-<p:sld xmlns:a="http://schemas.openxmlformats.org/drawingml/2006/main" xmlns:r="http://schemas.openxmlformats.org/officeDocument/2006/relationships" xmlns:p="http://schemas.openxmlformats.org/presentationml/2006/main">
-  <p:cSld>
-    <p:spTree>
-      <p:nvGrpSpPr>
-        <p:cNvPr id="1" name=""/>
-        <p:cNvGrpSpPr/>
-        <p:nvPr/>
-      </p:nvGrpSpPr>
-      <p:grpSpPr>
-        <a:xfrm>
-          <a:off x="0" y="0"/>
-          <a:ext cx="0" cy="0"/>
-          <a:chOff x="0" y="0"/>
-          <a:chExt cx="0" cy="0"/>
-        </a:xfrm>
-      </p:grpSpPr>
-      <p:sp>
-        <p:nvSpPr>
-          <p:cNvPr id="6" name="Rectangle: Rounded Corners 5">
-            <a:extLst>
-              <a:ext uri="{FF2B5EF4-FFF2-40B4-BE49-F238E27FC236}">
-                <a16:creationId xmlns:a16="http://schemas.microsoft.com/office/drawing/2014/main" id="{A7714DB5-6591-AF77-69E4-A416DA2D4DBB}"/>
-              </a:ext>
-            </a:extLst>
-          </p:cNvPr>
-          <p:cNvSpPr/>
-          <p:nvPr/>
-        </p:nvSpPr>
-        <p:spPr>
-          <a:xfrm>
-            <a:off x="1204332" y="847493"/>
-            <a:ext cx="8876371" cy="4694664"/>
-          </a:xfrm>
-          <a:prstGeom prst="roundRect">
-            <a:avLst>
-              <a:gd name="adj" fmla="val 4315"/>
-            </a:avLst>
-          </a:prstGeom>
-          <a:blipFill dpi="0" rotWithShape="1">
-            <a:blip r:embed="rId2">
-              <a:alphaModFix amt="90000"/>
-            </a:blip>
-            <a:srcRect/>
-            <a:stretch>
-              <a:fillRect/>
-            </a:stretch>
-          </a:blipFill>
-          <a:ln w="6350">
-            <a:solidFill>
-              <a:schemeClr val="tx1"/>
-            </a:solidFill>
-          </a:ln>
-        </p:spPr>
-        <p:style>
-          <a:lnRef idx="2">
-            <a:schemeClr val="accent1">
-              <a:shade val="15000"/>
-            </a:schemeClr>
-          </a:lnRef>
-          <a:fillRef idx="1">
-            <a:schemeClr val="accent1"/>
-          </a:fillRef>
-          <a:effectRef idx="0">
-            <a:schemeClr val="accent1"/>
-          </a:effectRef>
-          <a:fontRef idx="minor">
-            <a:schemeClr val="lt1"/>
-          </a:fontRef>
-        </p:style>
-        <p:txBody>
-          <a:bodyPr rtlCol="0" anchor="ctr"/>
-          <a:lstStyle/>
-          <a:p>
-            <a:pPr algn="ctr"/>
-            <a:endParaRPr lang="en-US"/>
-          </a:p>
-        </p:txBody>
-      </p:sp>
-      <p:pic>
-        <p:nvPicPr>
-          <p:cNvPr id="7" name="Picture 6">
-            <a:extLst>
-              <a:ext uri="{FF2B5EF4-FFF2-40B4-BE49-F238E27FC236}">
-                <a16:creationId xmlns:a16="http://schemas.microsoft.com/office/drawing/2014/main" id="{6F29E890-AD96-E461-D13F-9F13FBBBB2EB}"/>
-              </a:ext>
-            </a:extLst>
-          </p:cNvPr>
-          <p:cNvPicPr>
-            <a:picLocks noChangeAspect="1"/>
-          </p:cNvPicPr>
-          <p:nvPr/>
-        </p:nvPicPr>
-        <p:blipFill>
-          <a:blip r:embed="rId3"/>
-          <a:stretch>
-            <a:fillRect/>
-          </a:stretch>
-        </p:blipFill>
-        <p:spPr>
-          <a:xfrm>
-            <a:off x="1479399" y="1106387"/>
-            <a:ext cx="2077840" cy="624858"/>
-          </a:xfrm>
-          <a:prstGeom prst="rect">
-            <a:avLst/>
-          </a:prstGeom>
-        </p:spPr>
-      </p:pic>
-      <p:sp>
-        <p:nvSpPr>
-          <p:cNvPr id="8" name="TextBox 7">
-            <a:extLst>
-              <a:ext uri="{FF2B5EF4-FFF2-40B4-BE49-F238E27FC236}">
-                <a16:creationId xmlns:a16="http://schemas.microsoft.com/office/drawing/2014/main" id="{E1FFC41C-592D-FA02-B371-9B27D90BC32C}"/>
-              </a:ext>
-            </a:extLst>
-          </p:cNvPr>
-          <p:cNvSpPr txBox="1"/>
-          <p:nvPr/>
-        </p:nvSpPr>
-        <p:spPr>
-          <a:xfrm>
-            <a:off x="3367668" y="1234150"/>
-            <a:ext cx="1794081" cy="369332"/>
-          </a:xfrm>
-          <a:prstGeom prst="rect">
-            <a:avLst/>
-          </a:prstGeom>
-          <a:noFill/>
-        </p:spPr>
-        <p:txBody>
-          <a:bodyPr wrap="none" rtlCol="0">
-            <a:spAutoFit/>
-          </a:bodyPr>
-          <a:lstStyle/>
-          <a:p>
-            <a:r>
-              <a:rPr lang="en-US" dirty="0">
-                <a:latin typeface="ADLaM Display" panose="02010000000000000000" pitchFamily="2" charset="0"/>
-                <a:ea typeface="ADLaM Display" panose="02010000000000000000" pitchFamily="2" charset="0"/>
-                <a:cs typeface="ADLaM Display" panose="02010000000000000000" pitchFamily="2" charset="0"/>
-              </a:rPr>
-              <a:t>|        OPTIONS</a:t>
-            </a:r>
-          </a:p>
-        </p:txBody>
-      </p:sp>
-      <p:pic>
-        <p:nvPicPr>
-          <p:cNvPr id="15" name="Graphic 14" descr="Single gear with solid fill">
-            <a:extLst>
-              <a:ext uri="{FF2B5EF4-FFF2-40B4-BE49-F238E27FC236}">
-                <a16:creationId xmlns:a16="http://schemas.microsoft.com/office/drawing/2014/main" id="{6797233F-2E9C-602D-66E8-338A0E691B4E}"/>
-              </a:ext>
-            </a:extLst>
-          </p:cNvPr>
-          <p:cNvPicPr>
-            <a:picLocks noChangeAspect="1"/>
-          </p:cNvPicPr>
-          <p:nvPr/>
-        </p:nvPicPr>
-        <p:blipFill>
-          <a:blip r:embed="rId4">
-            <a:extLst>
-              <a:ext uri="{96DAC541-7B7A-43D3-8B79-37D633B846F1}">
-                <asvg:svgBlip xmlns:asvg="http://schemas.microsoft.com/office/drawing/2016/SVG/main" r:embed="rId5"/>
-              </a:ext>
-            </a:extLst>
-          </a:blip>
-          <a:stretch>
-            <a:fillRect/>
-          </a:stretch>
-        </p:blipFill>
-        <p:spPr>
-          <a:xfrm>
-            <a:off x="3557239" y="1192765"/>
-            <a:ext cx="474403" cy="474403"/>
-          </a:xfrm>
-          <a:prstGeom prst="rect">
-            <a:avLst/>
-          </a:prstGeom>
-        </p:spPr>
-      </p:pic>
-    </p:spTree>
-    <p:extLst>
-      <p:ext uri="{BB962C8B-B14F-4D97-AF65-F5344CB8AC3E}">
-        <p14:creationId xmlns:p14="http://schemas.microsoft.com/office/powerpoint/2010/main" val="1037638877"/>
-      </p:ext>
-    </p:extLst>
-  </p:cSld>
-  <p:clrMapOvr>
-    <a:masterClrMapping/>
-  </p:clrMapOvr>
-</p:sld>
-</file>
-
 <file path=ppt/slides/slide8.xml><?xml version="1.0" encoding="utf-8"?>
 <p:sld xmlns:a="http://schemas.openxmlformats.org/drawingml/2006/main" xmlns:r="http://schemas.openxmlformats.org/officeDocument/2006/relationships" xmlns:p="http://schemas.openxmlformats.org/presentationml/2006/main">
   <p:cSld>
@@ -12492,8 +15691,205 @@
         </p:nvSpPr>
         <p:spPr>
           <a:xfrm>
-            <a:off x="3944107" y="1990139"/>
-            <a:ext cx="5590186" cy="474670"/>
+            <a:off x="1479399" y="1990139"/>
+            <a:ext cx="8054894" cy="474670"/>
+          </a:xfrm>
+          <a:prstGeom prst="roundRect">
+            <a:avLst/>
+          </a:prstGeom>
+          <a:solidFill>
+            <a:schemeClr val="bg1">
+              <a:lumMod val="75000"/>
+              <a:alpha val="59000"/>
+            </a:schemeClr>
+          </a:solidFill>
+          <a:ln w="19050">
+            <a:solidFill>
+              <a:schemeClr val="tx1"/>
+            </a:solidFill>
+          </a:ln>
+        </p:spPr>
+        <p:style>
+          <a:lnRef idx="2">
+            <a:schemeClr val="accent1">
+              <a:shade val="15000"/>
+            </a:schemeClr>
+          </a:lnRef>
+          <a:fillRef idx="1">
+            <a:schemeClr val="accent1"/>
+          </a:fillRef>
+          <a:effectRef idx="0">
+            <a:schemeClr val="accent1"/>
+          </a:effectRef>
+          <a:fontRef idx="minor">
+            <a:schemeClr val="lt1"/>
+          </a:fontRef>
+        </p:style>
+        <p:txBody>
+          <a:bodyPr rtlCol="0" anchor="ctr"/>
+          <a:lstStyle/>
+          <a:p>
+            <a:pPr algn="ctr"/>
+            <a:endParaRPr lang="en-US"/>
+          </a:p>
+        </p:txBody>
+      </p:sp>
+      <p:sp>
+        <p:nvSpPr>
+          <p:cNvPr id="22" name="TextBox 21">
+            <a:extLst>
+              <a:ext uri="{FF2B5EF4-FFF2-40B4-BE49-F238E27FC236}">
+                <a16:creationId xmlns:a16="http://schemas.microsoft.com/office/drawing/2014/main" id="{4649DA2E-622B-8700-5BF2-850866E76AAA}"/>
+              </a:ext>
+            </a:extLst>
+          </p:cNvPr>
+          <p:cNvSpPr txBox="1"/>
+          <p:nvPr/>
+        </p:nvSpPr>
+        <p:spPr>
+          <a:xfrm>
+            <a:off x="1596358" y="1988480"/>
+            <a:ext cx="2886432" cy="461665"/>
+          </a:xfrm>
+          <a:prstGeom prst="rect">
+            <a:avLst/>
+          </a:prstGeom>
+          <a:noFill/>
+        </p:spPr>
+        <p:txBody>
+          <a:bodyPr wrap="square" rtlCol="0">
+            <a:spAutoFit/>
+          </a:bodyPr>
+          <a:lstStyle/>
+          <a:p>
+            <a:r>
+              <a:rPr lang="en-US" sz="2400" dirty="0">
+                <a:ea typeface="ADLaM Display" panose="02010000000000000000" pitchFamily="2" charset="0"/>
+                <a:cs typeface="ADLaM Display" panose="02010000000000000000" pitchFamily="2" charset="0"/>
+              </a:rPr>
+              <a:t>Graphics Settings:</a:t>
+            </a:r>
+          </a:p>
+        </p:txBody>
+      </p:sp>
+      <p:sp>
+        <p:nvSpPr>
+          <p:cNvPr id="23" name="Rectangle: Rounded Corners 22">
+            <a:extLst>
+              <a:ext uri="{FF2B5EF4-FFF2-40B4-BE49-F238E27FC236}">
+                <a16:creationId xmlns:a16="http://schemas.microsoft.com/office/drawing/2014/main" id="{F548C85F-45C2-216D-36B2-213E6C4B4F7C}"/>
+              </a:ext>
+            </a:extLst>
+          </p:cNvPr>
+          <p:cNvSpPr/>
+          <p:nvPr/>
+        </p:nvSpPr>
+        <p:spPr>
+          <a:xfrm>
+            <a:off x="1479399" y="2584558"/>
+            <a:ext cx="8054894" cy="474670"/>
+          </a:xfrm>
+          <a:prstGeom prst="roundRect">
+            <a:avLst/>
+          </a:prstGeom>
+          <a:solidFill>
+            <a:schemeClr val="bg1">
+              <a:lumMod val="75000"/>
+              <a:alpha val="59000"/>
+            </a:schemeClr>
+          </a:solidFill>
+          <a:ln w="19050">
+            <a:solidFill>
+              <a:schemeClr val="tx1"/>
+            </a:solidFill>
+          </a:ln>
+        </p:spPr>
+        <p:style>
+          <a:lnRef idx="2">
+            <a:schemeClr val="accent1">
+              <a:shade val="15000"/>
+            </a:schemeClr>
+          </a:lnRef>
+          <a:fillRef idx="1">
+            <a:schemeClr val="accent1"/>
+          </a:fillRef>
+          <a:effectRef idx="0">
+            <a:schemeClr val="accent1"/>
+          </a:effectRef>
+          <a:fontRef idx="minor">
+            <a:schemeClr val="lt1"/>
+          </a:fontRef>
+        </p:style>
+        <p:txBody>
+          <a:bodyPr rtlCol="0" anchor="ctr"/>
+          <a:lstStyle/>
+          <a:p>
+            <a:pPr algn="ctr"/>
+            <a:endParaRPr lang="en-US"/>
+          </a:p>
+        </p:txBody>
+      </p:sp>
+      <p:sp>
+        <p:nvSpPr>
+          <p:cNvPr id="24" name="TextBox 23">
+            <a:extLst>
+              <a:ext uri="{FF2B5EF4-FFF2-40B4-BE49-F238E27FC236}">
+                <a16:creationId xmlns:a16="http://schemas.microsoft.com/office/drawing/2014/main" id="{A4D9787A-9B97-428C-6673-2BE2F644854A}"/>
+              </a:ext>
+            </a:extLst>
+          </p:cNvPr>
+          <p:cNvSpPr txBox="1"/>
+          <p:nvPr/>
+        </p:nvSpPr>
+        <p:spPr>
+          <a:xfrm>
+            <a:off x="1596358" y="2594050"/>
+            <a:ext cx="3170851" cy="461665"/>
+          </a:xfrm>
+          <a:prstGeom prst="rect">
+            <a:avLst/>
+          </a:prstGeom>
+          <a:noFill/>
+          <a:ln>
+            <a:noFill/>
+          </a:ln>
+        </p:spPr>
+        <p:txBody>
+          <a:bodyPr wrap="square" rtlCol="0">
+            <a:spAutoFit/>
+          </a:bodyPr>
+          <a:lstStyle/>
+          <a:p>
+            <a:r>
+              <a:rPr lang="en-US" sz="2400" dirty="0"/>
+              <a:t>Control Settings</a:t>
+            </a:r>
+            <a:r>
+              <a:rPr lang="en-US" sz="2400" dirty="0">
+                <a:ea typeface="ADLaM Display" panose="02010000000000000000" pitchFamily="2" charset="0"/>
+                <a:cs typeface="ADLaM Display" panose="02010000000000000000" pitchFamily="2" charset="0"/>
+              </a:rPr>
+              <a:t>:</a:t>
+            </a:r>
+          </a:p>
+        </p:txBody>
+      </p:sp>
+      <p:sp>
+        <p:nvSpPr>
+          <p:cNvPr id="25" name="Rectangle: Rounded Corners 24">
+            <a:extLst>
+              <a:ext uri="{FF2B5EF4-FFF2-40B4-BE49-F238E27FC236}">
+                <a16:creationId xmlns:a16="http://schemas.microsoft.com/office/drawing/2014/main" id="{E121176E-B9F7-4E11-96D6-A0B82C82EE1E}"/>
+              </a:ext>
+            </a:extLst>
+          </p:cNvPr>
+          <p:cNvSpPr/>
+          <p:nvPr/>
+        </p:nvSpPr>
+        <p:spPr>
+          <a:xfrm>
+            <a:off x="8976731" y="1233155"/>
+            <a:ext cx="557561" cy="474670"/>
           </a:xfrm>
           <a:prstGeom prst="roundRect">
             <a:avLst/>
@@ -12537,10 +15933,10 @@
       </p:sp>
       <p:sp>
         <p:nvSpPr>
-          <p:cNvPr id="22" name="TextBox 21">
-            <a:extLst>
-              <a:ext uri="{FF2B5EF4-FFF2-40B4-BE49-F238E27FC236}">
-                <a16:creationId xmlns:a16="http://schemas.microsoft.com/office/drawing/2014/main" id="{4649DA2E-622B-8700-5BF2-850866E76AAA}"/>
+          <p:cNvPr id="26" name="TextBox 25">
+            <a:extLst>
+              <a:ext uri="{FF2B5EF4-FFF2-40B4-BE49-F238E27FC236}">
+                <a16:creationId xmlns:a16="http://schemas.microsoft.com/office/drawing/2014/main" id="{F7250BF8-F0E9-A69E-E2A4-63E0E37810DE}"/>
               </a:ext>
             </a:extLst>
           </p:cNvPr>
@@ -12549,8 +15945,8 @@
         </p:nvSpPr>
         <p:spPr>
           <a:xfrm>
-            <a:off x="3944107" y="1988917"/>
-            <a:ext cx="2435284" cy="461665"/>
+            <a:off x="9063932" y="1226635"/>
+            <a:ext cx="383438" cy="523220"/>
           </a:xfrm>
           <a:prstGeom prst="rect">
             <a:avLst/>
@@ -12558,27 +15954,27 @@
           <a:noFill/>
         </p:spPr>
         <p:txBody>
-          <a:bodyPr wrap="square" rtlCol="0">
+          <a:bodyPr wrap="none" rtlCol="0">
             <a:spAutoFit/>
           </a:bodyPr>
           <a:lstStyle/>
           <a:p>
             <a:r>
-              <a:rPr lang="en-US" sz="2400" dirty="0">
+              <a:rPr lang="en-US" sz="2800" dirty="0">
                 <a:ea typeface="ADLaM Display" panose="02010000000000000000" pitchFamily="2" charset="0"/>
                 <a:cs typeface="ADLaM Display" panose="02010000000000000000" pitchFamily="2" charset="0"/>
               </a:rPr>
-              <a:t>Full Screen:</a:t>
-            </a:r>
-          </a:p>
-        </p:txBody>
-      </p:sp>
-      <p:sp>
-        <p:nvSpPr>
-          <p:cNvPr id="23" name="Rectangle: Rounded Corners 22">
-            <a:extLst>
-              <a:ext uri="{FF2B5EF4-FFF2-40B4-BE49-F238E27FC236}">
-                <a16:creationId xmlns:a16="http://schemas.microsoft.com/office/drawing/2014/main" id="{F548C85F-45C2-216D-36B2-213E6C4B4F7C}"/>
+              <a:t>X</a:t>
+            </a:r>
+          </a:p>
+        </p:txBody>
+      </p:sp>
+      <p:sp>
+        <p:nvSpPr>
+          <p:cNvPr id="27" name="Rectangle: Rounded Corners 26">
+            <a:extLst>
+              <a:ext uri="{FF2B5EF4-FFF2-40B4-BE49-F238E27FC236}">
+                <a16:creationId xmlns:a16="http://schemas.microsoft.com/office/drawing/2014/main" id="{C5E117A8-E3E0-D5C8-6F87-A50988D3F283}"/>
               </a:ext>
             </a:extLst>
           </p:cNvPr>
@@ -12587,8 +15983,8 @@
         </p:nvSpPr>
         <p:spPr>
           <a:xfrm>
-            <a:off x="3944107" y="2584558"/>
-            <a:ext cx="5590186" cy="474670"/>
+            <a:off x="8211127" y="4949465"/>
+            <a:ext cx="1323165" cy="474670"/>
           </a:xfrm>
           <a:prstGeom prst="roundRect">
             <a:avLst/>
@@ -12599,7 +15995,7 @@
               <a:alpha val="59000"/>
             </a:schemeClr>
           </a:solidFill>
-          <a:ln w="3175">
+          <a:ln w="19050">
             <a:solidFill>
               <a:schemeClr val="tx1"/>
             </a:solidFill>
@@ -12632,10 +16028,10 @@
       </p:sp>
       <p:sp>
         <p:nvSpPr>
-          <p:cNvPr id="24" name="TextBox 23">
-            <a:extLst>
-              <a:ext uri="{FF2B5EF4-FFF2-40B4-BE49-F238E27FC236}">
-                <a16:creationId xmlns:a16="http://schemas.microsoft.com/office/drawing/2014/main" id="{A4D9787A-9B97-428C-6673-2BE2F644854A}"/>
+          <p:cNvPr id="28" name="TextBox 27">
+            <a:extLst>
+              <a:ext uri="{FF2B5EF4-FFF2-40B4-BE49-F238E27FC236}">
+                <a16:creationId xmlns:a16="http://schemas.microsoft.com/office/drawing/2014/main" id="{A9719FE4-0232-D41A-838B-F3AD671E87DC}"/>
               </a:ext>
             </a:extLst>
           </p:cNvPr>
@@ -12644,8 +16040,8 @@
         </p:nvSpPr>
         <p:spPr>
           <a:xfrm>
-            <a:off x="3944107" y="2587975"/>
-            <a:ext cx="3170851" cy="461665"/>
+            <a:off x="8445229" y="4955967"/>
+            <a:ext cx="869098" cy="461665"/>
           </a:xfrm>
           <a:prstGeom prst="rect">
             <a:avLst/>
@@ -12666,17 +16062,17 @@
                 <a:ea typeface="ADLaM Display" panose="02010000000000000000" pitchFamily="2" charset="0"/>
                 <a:cs typeface="ADLaM Display" panose="02010000000000000000" pitchFamily="2" charset="0"/>
               </a:rPr>
-              <a:t>Screen Resolution:</a:t>
-            </a:r>
-          </a:p>
-        </p:txBody>
-      </p:sp>
-      <p:sp>
-        <p:nvSpPr>
-          <p:cNvPr id="25" name="Rectangle: Rounded Corners 24">
-            <a:extLst>
-              <a:ext uri="{FF2B5EF4-FFF2-40B4-BE49-F238E27FC236}">
-                <a16:creationId xmlns:a16="http://schemas.microsoft.com/office/drawing/2014/main" id="{E121176E-B9F7-4E11-96D6-A0B82C82EE1E}"/>
+              <a:t>Save</a:t>
+            </a:r>
+          </a:p>
+        </p:txBody>
+      </p:sp>
+      <p:sp>
+        <p:nvSpPr>
+          <p:cNvPr id="2" name="Rectangle: Rounded Corners 1">
+            <a:extLst>
+              <a:ext uri="{FF2B5EF4-FFF2-40B4-BE49-F238E27FC236}">
+                <a16:creationId xmlns:a16="http://schemas.microsoft.com/office/drawing/2014/main" id="{0E730CE1-3D46-AD95-A6CB-1AF98D359325}"/>
               </a:ext>
             </a:extLst>
           </p:cNvPr>
@@ -12685,8 +16081,8 @@
         </p:nvSpPr>
         <p:spPr>
           <a:xfrm>
-            <a:off x="8976731" y="1233155"/>
-            <a:ext cx="557561" cy="474670"/>
+            <a:off x="1479398" y="3231603"/>
+            <a:ext cx="8054894" cy="474670"/>
           </a:xfrm>
           <a:prstGeom prst="roundRect">
             <a:avLst/>
@@ -12697,7 +16093,7 @@
               <a:alpha val="59000"/>
             </a:schemeClr>
           </a:solidFill>
-          <a:ln w="3175">
+          <a:ln w="19050">
             <a:solidFill>
               <a:schemeClr val="tx1"/>
             </a:solidFill>
@@ -12730,10 +16126,10 @@
       </p:sp>
       <p:sp>
         <p:nvSpPr>
-          <p:cNvPr id="26" name="TextBox 25">
-            <a:extLst>
-              <a:ext uri="{FF2B5EF4-FFF2-40B4-BE49-F238E27FC236}">
-                <a16:creationId xmlns:a16="http://schemas.microsoft.com/office/drawing/2014/main" id="{F7250BF8-F0E9-A69E-E2A4-63E0E37810DE}"/>
+          <p:cNvPr id="3" name="TextBox 2">
+            <a:extLst>
+              <a:ext uri="{FF2B5EF4-FFF2-40B4-BE49-F238E27FC236}">
+                <a16:creationId xmlns:a16="http://schemas.microsoft.com/office/drawing/2014/main" id="{AE7D123E-D607-8E95-692E-19A716C3B10B}"/>
               </a:ext>
             </a:extLst>
           </p:cNvPr>
@@ -12742,36 +16138,43 @@
         </p:nvSpPr>
         <p:spPr>
           <a:xfrm>
-            <a:off x="9063932" y="1226635"/>
-            <a:ext cx="383438" cy="523220"/>
+            <a:off x="1596357" y="3241095"/>
+            <a:ext cx="3170851" cy="461665"/>
           </a:xfrm>
           <a:prstGeom prst="rect">
             <a:avLst/>
           </a:prstGeom>
           <a:noFill/>
-        </p:spPr>
-        <p:txBody>
-          <a:bodyPr wrap="none" rtlCol="0">
+          <a:ln>
+            <a:noFill/>
+          </a:ln>
+        </p:spPr>
+        <p:txBody>
+          <a:bodyPr wrap="square" rtlCol="0">
             <a:spAutoFit/>
           </a:bodyPr>
           <a:lstStyle/>
           <a:p>
             <a:r>
-              <a:rPr lang="en-US" sz="2800" dirty="0">
+              <a:rPr lang="en-US" sz="2400" dirty="0"/>
+              <a:t>Help</a:t>
+            </a:r>
+            <a:r>
+              <a:rPr lang="en-US" sz="2400" dirty="0">
                 <a:ea typeface="ADLaM Display" panose="02010000000000000000" pitchFamily="2" charset="0"/>
                 <a:cs typeface="ADLaM Display" panose="02010000000000000000" pitchFamily="2" charset="0"/>
               </a:rPr>
-              <a:t>X</a:t>
-            </a:r>
-          </a:p>
-        </p:txBody>
-      </p:sp>
-      <p:sp>
-        <p:nvSpPr>
-          <p:cNvPr id="27" name="Rectangle: Rounded Corners 26">
-            <a:extLst>
-              <a:ext uri="{FF2B5EF4-FFF2-40B4-BE49-F238E27FC236}">
-                <a16:creationId xmlns:a16="http://schemas.microsoft.com/office/drawing/2014/main" id="{C5E117A8-E3E0-D5C8-6F87-A50988D3F283}"/>
+              <a:t>:</a:t>
+            </a:r>
+          </a:p>
+        </p:txBody>
+      </p:sp>
+      <p:sp>
+        <p:nvSpPr>
+          <p:cNvPr id="4" name="Rectangle: Rounded Corners 3">
+            <a:extLst>
+              <a:ext uri="{FF2B5EF4-FFF2-40B4-BE49-F238E27FC236}">
+                <a16:creationId xmlns:a16="http://schemas.microsoft.com/office/drawing/2014/main" id="{F6DA85FC-4D81-0FD1-8E0D-B4883913E36C}"/>
               </a:ext>
             </a:extLst>
           </p:cNvPr>
@@ -12780,11 +16183,13 @@
         </p:nvSpPr>
         <p:spPr>
           <a:xfrm>
-            <a:off x="8211127" y="4949465"/>
-            <a:ext cx="1323165" cy="474670"/>
+            <a:off x="10911492" y="2581045"/>
+            <a:ext cx="715082" cy="424622"/>
           </a:xfrm>
           <a:prstGeom prst="roundRect">
-            <a:avLst/>
+            <a:avLst>
+              <a:gd name="adj" fmla="val 8691"/>
+            </a:avLst>
           </a:prstGeom>
           <a:solidFill>
             <a:schemeClr val="bg1">
@@ -12792,7 +16197,7 @@
               <a:alpha val="59000"/>
             </a:schemeClr>
           </a:solidFill>
-          <a:ln w="3175">
+          <a:ln w="9525">
             <a:solidFill>
               <a:schemeClr val="tx1"/>
             </a:solidFill>
@@ -12823,215 +16228,12 @@
           </a:p>
         </p:txBody>
       </p:sp>
-      <p:sp>
-        <p:nvSpPr>
-          <p:cNvPr id="28" name="TextBox 27">
-            <a:extLst>
-              <a:ext uri="{FF2B5EF4-FFF2-40B4-BE49-F238E27FC236}">
-                <a16:creationId xmlns:a16="http://schemas.microsoft.com/office/drawing/2014/main" id="{A9719FE4-0232-D41A-838B-F3AD671E87DC}"/>
-              </a:ext>
-            </a:extLst>
-          </p:cNvPr>
-          <p:cNvSpPr txBox="1"/>
-          <p:nvPr/>
-        </p:nvSpPr>
-        <p:spPr>
-          <a:xfrm>
-            <a:off x="8445229" y="4955967"/>
-            <a:ext cx="869098" cy="461665"/>
-          </a:xfrm>
-          <a:prstGeom prst="rect">
-            <a:avLst/>
-          </a:prstGeom>
-          <a:noFill/>
-          <a:ln>
-            <a:noFill/>
-          </a:ln>
-        </p:spPr>
-        <p:txBody>
-          <a:bodyPr wrap="square" rtlCol="0">
-            <a:spAutoFit/>
-          </a:bodyPr>
-          <a:lstStyle/>
-          <a:p>
-            <a:r>
-              <a:rPr lang="en-US" sz="2400" dirty="0">
-                <a:ea typeface="ADLaM Display" panose="02010000000000000000" pitchFamily="2" charset="0"/>
-                <a:cs typeface="ADLaM Display" panose="02010000000000000000" pitchFamily="2" charset="0"/>
-              </a:rPr>
-              <a:t>Save</a:t>
-            </a:r>
-          </a:p>
-        </p:txBody>
-      </p:sp>
-      <p:sp>
-        <p:nvSpPr>
-          <p:cNvPr id="2" name="Rectangle: Rounded Corners 1">
-            <a:extLst>
-              <a:ext uri="{FF2B5EF4-FFF2-40B4-BE49-F238E27FC236}">
-                <a16:creationId xmlns:a16="http://schemas.microsoft.com/office/drawing/2014/main" id="{8AF9467F-8436-5ADF-A183-BC65C4460876}"/>
-              </a:ext>
-            </a:extLst>
-          </p:cNvPr>
-          <p:cNvSpPr/>
-          <p:nvPr/>
-        </p:nvSpPr>
-        <p:spPr>
-          <a:xfrm>
-            <a:off x="1347858" y="1942824"/>
-            <a:ext cx="2435284" cy="3474808"/>
-          </a:xfrm>
-          <a:prstGeom prst="roundRect">
-            <a:avLst>
-              <a:gd name="adj" fmla="val 7891"/>
-            </a:avLst>
-          </a:prstGeom>
-          <a:blipFill dpi="0" rotWithShape="1">
-            <a:blip r:embed="rId2">
-              <a:alphaModFix amt="47000"/>
-            </a:blip>
-            <a:srcRect/>
-            <a:stretch>
-              <a:fillRect/>
-            </a:stretch>
-          </a:blipFill>
-          <a:ln w="6350">
-            <a:solidFill>
-              <a:schemeClr val="tx1"/>
-            </a:solidFill>
-          </a:ln>
-        </p:spPr>
-        <p:style>
-          <a:lnRef idx="2">
-            <a:schemeClr val="accent1">
-              <a:shade val="15000"/>
-            </a:schemeClr>
-          </a:lnRef>
-          <a:fillRef idx="1">
-            <a:schemeClr val="accent1"/>
-          </a:fillRef>
-          <a:effectRef idx="0">
-            <a:schemeClr val="accent1"/>
-          </a:effectRef>
-          <a:fontRef idx="minor">
-            <a:schemeClr val="lt1"/>
-          </a:fontRef>
-        </p:style>
-        <p:txBody>
-          <a:bodyPr rtlCol="0" anchor="ctr"/>
-          <a:lstStyle/>
-          <a:p>
-            <a:pPr algn="ctr"/>
-            <a:endParaRPr lang="en-US"/>
-          </a:p>
-        </p:txBody>
-      </p:sp>
-      <p:sp>
-        <p:nvSpPr>
-          <p:cNvPr id="3" name="Rectangle: Rounded Corners 2">
-            <a:extLst>
-              <a:ext uri="{FF2B5EF4-FFF2-40B4-BE49-F238E27FC236}">
-                <a16:creationId xmlns:a16="http://schemas.microsoft.com/office/drawing/2014/main" id="{19B2DE9F-D46E-7939-9505-31BC3800A2F9}"/>
-              </a:ext>
-            </a:extLst>
-          </p:cNvPr>
-          <p:cNvSpPr/>
-          <p:nvPr/>
-        </p:nvSpPr>
-        <p:spPr>
-          <a:xfrm>
-            <a:off x="1479398" y="2076517"/>
-            <a:ext cx="2178201" cy="508041"/>
-          </a:xfrm>
-          <a:prstGeom prst="roundRect">
-            <a:avLst>
-              <a:gd name="adj" fmla="val 30169"/>
-            </a:avLst>
-          </a:prstGeom>
-          <a:blipFill dpi="0" rotWithShape="1">
-            <a:blip r:embed="rId2">
-              <a:alphaModFix amt="47000"/>
-            </a:blip>
-            <a:srcRect/>
-            <a:stretch>
-              <a:fillRect/>
-            </a:stretch>
-          </a:blipFill>
-          <a:ln w="6350">
-            <a:solidFill>
-              <a:schemeClr val="tx1"/>
-            </a:solidFill>
-          </a:ln>
-        </p:spPr>
-        <p:style>
-          <a:lnRef idx="2">
-            <a:schemeClr val="accent1">
-              <a:shade val="15000"/>
-            </a:schemeClr>
-          </a:lnRef>
-          <a:fillRef idx="1">
-            <a:schemeClr val="accent1"/>
-          </a:fillRef>
-          <a:effectRef idx="0">
-            <a:schemeClr val="accent1"/>
-          </a:effectRef>
-          <a:fontRef idx="minor">
-            <a:schemeClr val="lt1"/>
-          </a:fontRef>
-        </p:style>
-        <p:txBody>
-          <a:bodyPr rtlCol="0" anchor="ctr"/>
-          <a:lstStyle/>
-          <a:p>
-            <a:pPr algn="ctr"/>
-            <a:endParaRPr lang="en-US"/>
-          </a:p>
-        </p:txBody>
-      </p:sp>
-      <p:sp>
-        <p:nvSpPr>
-          <p:cNvPr id="4" name="TextBox 3">
-            <a:extLst>
-              <a:ext uri="{FF2B5EF4-FFF2-40B4-BE49-F238E27FC236}">
-                <a16:creationId xmlns:a16="http://schemas.microsoft.com/office/drawing/2014/main" id="{1D2E86C7-14B6-084B-AE43-FF5A35E6FC8C}"/>
-              </a:ext>
-            </a:extLst>
-          </p:cNvPr>
-          <p:cNvSpPr txBox="1"/>
-          <p:nvPr/>
-        </p:nvSpPr>
-        <p:spPr>
-          <a:xfrm>
-            <a:off x="2055633" y="2077932"/>
-            <a:ext cx="1447176" cy="461665"/>
-          </a:xfrm>
-          <a:prstGeom prst="rect">
-            <a:avLst/>
-          </a:prstGeom>
-          <a:noFill/>
-        </p:spPr>
-        <p:txBody>
-          <a:bodyPr wrap="square" rtlCol="0">
-            <a:spAutoFit/>
-          </a:bodyPr>
-          <a:lstStyle/>
-          <a:p>
-            <a:r>
-              <a:rPr lang="en-US" sz="2400" dirty="0">
-                <a:ea typeface="ADLaM Display" panose="02010000000000000000" pitchFamily="2" charset="0"/>
-                <a:cs typeface="ADLaM Display" panose="02010000000000000000" pitchFamily="2" charset="0"/>
-              </a:rPr>
-              <a:t>Display</a:t>
-            </a:r>
-          </a:p>
-        </p:txBody>
-      </p:sp>
       <p:pic>
         <p:nvPicPr>
-          <p:cNvPr id="9" name="Graphic 8" descr="Monitor with solid fill">
-            <a:extLst>
-              <a:ext uri="{FF2B5EF4-FFF2-40B4-BE49-F238E27FC236}">
-                <a16:creationId xmlns:a16="http://schemas.microsoft.com/office/drawing/2014/main" id="{09356AF1-E602-90DF-1DD2-A1862F13E453}"/>
+          <p:cNvPr id="10" name="Graphic 9" descr="Checkmark with solid fill">
+            <a:extLst>
+              <a:ext uri="{FF2B5EF4-FFF2-40B4-BE49-F238E27FC236}">
+                <a16:creationId xmlns:a16="http://schemas.microsoft.com/office/drawing/2014/main" id="{240001B9-6EF2-B342-8332-CD366F9F08E0}"/>
               </a:ext>
             </a:extLst>
           </p:cNvPr>
@@ -13054,58 +16256,20 @@
         </p:blipFill>
         <p:spPr>
           <a:xfrm>
-            <a:off x="1611179" y="2133599"/>
-            <a:ext cx="373340" cy="373340"/>
+            <a:off x="10668062" y="2310171"/>
+            <a:ext cx="131212" cy="131212"/>
           </a:xfrm>
           <a:prstGeom prst="rect">
             <a:avLst/>
           </a:prstGeom>
         </p:spPr>
       </p:pic>
-      <p:sp>
-        <p:nvSpPr>
-          <p:cNvPr id="5" name="TextBox 4">
-            <a:extLst>
-              <a:ext uri="{FF2B5EF4-FFF2-40B4-BE49-F238E27FC236}">
-                <a16:creationId xmlns:a16="http://schemas.microsoft.com/office/drawing/2014/main" id="{B7110627-2270-B649-03C1-F346A343FAA6}"/>
-              </a:ext>
-            </a:extLst>
-          </p:cNvPr>
-          <p:cNvSpPr txBox="1"/>
-          <p:nvPr/>
-        </p:nvSpPr>
-        <p:spPr>
-          <a:xfrm>
-            <a:off x="1427399" y="5817813"/>
-            <a:ext cx="3279954" cy="461665"/>
-          </a:xfrm>
-          <a:prstGeom prst="rect">
-            <a:avLst/>
-          </a:prstGeom>
-          <a:noFill/>
-        </p:spPr>
-        <p:txBody>
-          <a:bodyPr wrap="square" rtlCol="0">
-            <a:spAutoFit/>
-          </a:bodyPr>
-          <a:lstStyle/>
-          <a:p>
-            <a:r>
-              <a:rPr lang="en-US" sz="2400" dirty="0">
-                <a:ea typeface="ADLaM Display" panose="02010000000000000000" pitchFamily="2" charset="0"/>
-                <a:cs typeface="ADLaM Display" panose="02010000000000000000" pitchFamily="2" charset="0"/>
-              </a:rPr>
-              <a:t>You can contact me on:</a:t>
-            </a:r>
-          </a:p>
-        </p:txBody>
-      </p:sp>
       <p:pic>
         <p:nvPicPr>
-          <p:cNvPr id="10" name="Picture 9">
-            <a:extLst>
-              <a:ext uri="{FF2B5EF4-FFF2-40B4-BE49-F238E27FC236}">
-                <a16:creationId xmlns:a16="http://schemas.microsoft.com/office/drawing/2014/main" id="{68FB6436-195C-69BD-6591-0F4CBAB34573}"/>
+          <p:cNvPr id="9" name="Graphic 8" descr="Caret Down with solid fill">
+            <a:extLst>
+              <a:ext uri="{FF2B5EF4-FFF2-40B4-BE49-F238E27FC236}">
+                <a16:creationId xmlns:a16="http://schemas.microsoft.com/office/drawing/2014/main" id="{5BF0D227-7B87-415A-9053-451E48E1C36C}"/>
               </a:ext>
             </a:extLst>
           </p:cNvPr>
@@ -13115,190 +16279,31 @@
           <p:nvPr/>
         </p:nvPicPr>
         <p:blipFill>
-          <a:blip r:embed="rId8"/>
+          <a:blip r:embed="rId8">
+            <a:extLst>
+              <a:ext uri="{96DAC541-7B7A-43D3-8B79-37D633B846F1}">
+                <asvg:svgBlip xmlns:asvg="http://schemas.microsoft.com/office/drawing/2016/SVG/main" r:embed="rId9"/>
+              </a:ext>
+            </a:extLst>
+          </a:blip>
           <a:stretch>
             <a:fillRect/>
           </a:stretch>
         </p:blipFill>
         <p:spPr>
           <a:xfrm>
-            <a:off x="4707353" y="5886208"/>
-            <a:ext cx="359284" cy="357768"/>
-          </a:xfrm>
-          <a:prstGeom prst="roundRect">
+            <a:off x="5638800" y="2971800"/>
+            <a:ext cx="334433" cy="334433"/>
+          </a:xfrm>
+          <a:prstGeom prst="rect">
             <a:avLst/>
           </a:prstGeom>
         </p:spPr>
       </p:pic>
-      <p:sp>
-        <p:nvSpPr>
-          <p:cNvPr id="14" name="TextBox 13">
-            <a:extLst>
-              <a:ext uri="{FF2B5EF4-FFF2-40B4-BE49-F238E27FC236}">
-                <a16:creationId xmlns:a16="http://schemas.microsoft.com/office/drawing/2014/main" id="{F041C94E-7DF4-BC0F-A6CD-3331ABC60BF3}"/>
-              </a:ext>
-            </a:extLst>
-          </p:cNvPr>
-          <p:cNvSpPr txBox="1"/>
-          <p:nvPr/>
-        </p:nvSpPr>
-        <p:spPr>
-          <a:xfrm>
-            <a:off x="5022033" y="5874540"/>
-            <a:ext cx="1760397" cy="380587"/>
-          </a:xfrm>
-          <a:prstGeom prst="rect">
-            <a:avLst/>
-          </a:prstGeom>
-          <a:noFill/>
-        </p:spPr>
-        <p:txBody>
-          <a:bodyPr wrap="square">
-            <a:spAutoFit/>
-          </a:bodyPr>
-          <a:lstStyle/>
-          <a:p>
-            <a:r>
-              <a:rPr lang="en-US" dirty="0"/>
-              <a:t>@LahbibMajd</a:t>
-            </a:r>
-          </a:p>
-        </p:txBody>
-      </p:sp>
-      <p:pic>
-        <p:nvPicPr>
-          <p:cNvPr id="1026" name="Picture 2" descr="Github Logo Vector Art, Icons, and Graphics for Free Download">
-            <a:extLst>
-              <a:ext uri="{FF2B5EF4-FFF2-40B4-BE49-F238E27FC236}">
-                <a16:creationId xmlns:a16="http://schemas.microsoft.com/office/drawing/2014/main" id="{0F616A23-3C98-7993-1287-37694797286E}"/>
-              </a:ext>
-            </a:extLst>
-          </p:cNvPr>
-          <p:cNvPicPr>
-            <a:picLocks noChangeAspect="1" noChangeArrowheads="1"/>
-          </p:cNvPicPr>
-          <p:nvPr/>
-        </p:nvPicPr>
-        <p:blipFill rotWithShape="1">
-          <a:blip r:embed="rId9">
-            <a:extLst>
-              <a:ext uri="{28A0092B-C50C-407E-A947-70E740481C1C}">
-                <a14:useLocalDpi xmlns:a14="http://schemas.microsoft.com/office/drawing/2010/main" val="0"/>
-              </a:ext>
-            </a:extLst>
-          </a:blip>
-          <a:srcRect l="8865" t="11900" r="59397" b="26860"/>
-          <a:stretch/>
-        </p:blipFill>
-        <p:spPr bwMode="auto">
-          <a:xfrm>
-            <a:off x="6618598" y="5834000"/>
-            <a:ext cx="478512" cy="461665"/>
-          </a:xfrm>
-          <a:prstGeom prst="ellipse">
-            <a:avLst/>
-          </a:prstGeom>
-          <a:noFill/>
-          <a:extLst>
-            <a:ext uri="{909E8E84-426E-40DD-AFC4-6F175D3DCCD1}">
-              <a14:hiddenFill xmlns:a14="http://schemas.microsoft.com/office/drawing/2010/main">
-                <a:solidFill>
-                  <a:srgbClr val="FFFFFF"/>
-                </a:solidFill>
-              </a14:hiddenFill>
-            </a:ext>
-          </a:extLst>
-        </p:spPr>
-      </p:pic>
-      <p:sp>
-        <p:nvSpPr>
-          <p:cNvPr id="17" name="TextBox 16">
-            <a:extLst>
-              <a:ext uri="{FF2B5EF4-FFF2-40B4-BE49-F238E27FC236}">
-                <a16:creationId xmlns:a16="http://schemas.microsoft.com/office/drawing/2014/main" id="{806AFB5D-12E2-D015-6CD9-1A6BC9F6DDF7}"/>
-              </a:ext>
-            </a:extLst>
-          </p:cNvPr>
-          <p:cNvSpPr txBox="1"/>
-          <p:nvPr/>
-        </p:nvSpPr>
-        <p:spPr>
-          <a:xfrm>
-            <a:off x="7052475" y="5902956"/>
-            <a:ext cx="3028228" cy="369332"/>
-          </a:xfrm>
-          <a:prstGeom prst="rect">
-            <a:avLst/>
-          </a:prstGeom>
-          <a:noFill/>
-        </p:spPr>
-        <p:txBody>
-          <a:bodyPr wrap="square">
-            <a:spAutoFit/>
-          </a:bodyPr>
-          <a:lstStyle/>
-          <a:p>
-            <a:r>
-              <a:rPr lang="en-US" dirty="0"/>
-              <a:t>@MajdLHB</a:t>
-            </a:r>
-          </a:p>
-        </p:txBody>
-      </p:sp>
-      <p:sp>
-        <p:nvSpPr>
-          <p:cNvPr id="18" name="Rectangle: Rounded Corners 17">
-            <a:extLst>
-              <a:ext uri="{FF2B5EF4-FFF2-40B4-BE49-F238E27FC236}">
-                <a16:creationId xmlns:a16="http://schemas.microsoft.com/office/drawing/2014/main" id="{70889207-7020-C4C2-6487-60B30EACB117}"/>
-              </a:ext>
-            </a:extLst>
-          </p:cNvPr>
-          <p:cNvSpPr/>
-          <p:nvPr/>
-        </p:nvSpPr>
-        <p:spPr>
-          <a:xfrm>
-            <a:off x="1360469" y="5722071"/>
-            <a:ext cx="8720233" cy="653148"/>
-          </a:xfrm>
-          <a:prstGeom prst="roundRect">
-            <a:avLst/>
-          </a:prstGeom>
-          <a:noFill/>
-          <a:ln w="19050">
-            <a:noFill/>
-          </a:ln>
-        </p:spPr>
-        <p:style>
-          <a:lnRef idx="2">
-            <a:schemeClr val="accent1">
-              <a:shade val="15000"/>
-            </a:schemeClr>
-          </a:lnRef>
-          <a:fillRef idx="1">
-            <a:schemeClr val="accent1"/>
-          </a:fillRef>
-          <a:effectRef idx="0">
-            <a:schemeClr val="accent1"/>
-          </a:effectRef>
-          <a:fontRef idx="minor">
-            <a:schemeClr val="lt1"/>
-          </a:fontRef>
-        </p:style>
-        <p:txBody>
-          <a:bodyPr rtlCol="0" anchor="ctr"/>
-          <a:lstStyle/>
-          <a:p>
-            <a:pPr algn="ctr"/>
-            <a:endParaRPr lang="en-US"/>
-          </a:p>
-        </p:txBody>
-      </p:sp>
     </p:spTree>
     <p:extLst>
       <p:ext uri="{BB962C8B-B14F-4D97-AF65-F5344CB8AC3E}">
-        <p14:creationId xmlns:p14="http://schemas.microsoft.com/office/powerpoint/2010/main" val="2495720798"/>
+        <p14:creationId xmlns:p14="http://schemas.microsoft.com/office/powerpoint/2010/main" val="1429486532"/>
       </p:ext>
     </p:extLst>
   </p:cSld>
@@ -13339,8 +16344,8 @@
         </p:nvSpPr>
         <p:spPr>
           <a:xfrm>
-            <a:off x="1204332" y="847492"/>
-            <a:ext cx="8876371" cy="5553307"/>
+            <a:off x="1204332" y="847493"/>
+            <a:ext cx="8876371" cy="4694664"/>
           </a:xfrm>
           <a:prstGeom prst="roundRect">
             <a:avLst>
@@ -13349,7 +16354,7 @@
           </a:prstGeom>
           <a:blipFill dpi="0" rotWithShape="1">
             <a:blip r:embed="rId2">
-              <a:alphaModFix amt="77000"/>
+              <a:alphaModFix amt="90000"/>
             </a:blip>
             <a:srcRect/>
             <a:stretch>
@@ -13383,7 +16388,7 @@
           <a:lstStyle/>
           <a:p>
             <a:pPr algn="ctr"/>
-            <a:endParaRPr lang="en-US" dirty="0"/>
+            <a:endParaRPr lang="en-US"/>
           </a:p>
         </p:txBody>
       </p:sp>
@@ -13432,7 +16437,7 @@
         <p:spPr>
           <a:xfrm>
             <a:off x="3367668" y="1234150"/>
-            <a:ext cx="2927404" cy="369332"/>
+            <a:ext cx="1794081" cy="369332"/>
           </a:xfrm>
           <a:prstGeom prst="rect">
             <a:avLst/>
@@ -13451,305 +16456,17 @@
                 <a:ea typeface="ADLaM Display" panose="02010000000000000000" pitchFamily="2" charset="0"/>
                 <a:cs typeface="ADLaM Display" panose="02010000000000000000" pitchFamily="2" charset="0"/>
               </a:rPr>
-              <a:t>|        ABOUT DEVELOPER</a:t>
-            </a:r>
-          </a:p>
-        </p:txBody>
-      </p:sp>
-      <p:sp>
-        <p:nvSpPr>
-          <p:cNvPr id="16" name="Rectangle: Rounded Corners 15">
-            <a:extLst>
-              <a:ext uri="{FF2B5EF4-FFF2-40B4-BE49-F238E27FC236}">
-                <a16:creationId xmlns:a16="http://schemas.microsoft.com/office/drawing/2014/main" id="{12E5F702-4F08-4673-7165-D805CCF2321B}"/>
-              </a:ext>
-            </a:extLst>
-          </p:cNvPr>
-          <p:cNvSpPr/>
-          <p:nvPr/>
-        </p:nvSpPr>
-        <p:spPr>
-          <a:xfrm>
-            <a:off x="1479399" y="1990139"/>
-            <a:ext cx="8054894" cy="474670"/>
-          </a:xfrm>
-          <a:prstGeom prst="roundRect">
-            <a:avLst/>
-          </a:prstGeom>
-          <a:solidFill>
-            <a:schemeClr val="bg1">
-              <a:lumMod val="75000"/>
-              <a:alpha val="59000"/>
-            </a:schemeClr>
-          </a:solidFill>
-          <a:ln w="3175">
-            <a:solidFill>
-              <a:schemeClr val="tx1"/>
-            </a:solidFill>
-          </a:ln>
-        </p:spPr>
-        <p:style>
-          <a:lnRef idx="2">
-            <a:schemeClr val="accent1">
-              <a:shade val="15000"/>
-            </a:schemeClr>
-          </a:lnRef>
-          <a:fillRef idx="1">
-            <a:schemeClr val="accent1"/>
-          </a:fillRef>
-          <a:effectRef idx="0">
-            <a:schemeClr val="accent1"/>
-          </a:effectRef>
-          <a:fontRef idx="minor">
-            <a:schemeClr val="lt1"/>
-          </a:fontRef>
-        </p:style>
-        <p:txBody>
-          <a:bodyPr rtlCol="0" anchor="ctr"/>
-          <a:lstStyle/>
-          <a:p>
-            <a:pPr algn="ctr"/>
-            <a:endParaRPr lang="en-US"/>
-          </a:p>
-        </p:txBody>
-      </p:sp>
-      <p:sp>
-        <p:nvSpPr>
-          <p:cNvPr id="20" name="Rectangle: Rounded Corners 19">
-            <a:extLst>
-              <a:ext uri="{FF2B5EF4-FFF2-40B4-BE49-F238E27FC236}">
-                <a16:creationId xmlns:a16="http://schemas.microsoft.com/office/drawing/2014/main" id="{AED4AA92-6110-8CC8-0EDB-12AE0973D887}"/>
-              </a:ext>
-            </a:extLst>
-          </p:cNvPr>
-          <p:cNvSpPr/>
-          <p:nvPr/>
-        </p:nvSpPr>
-        <p:spPr>
-          <a:xfrm>
-            <a:off x="8976731" y="1233155"/>
-            <a:ext cx="557561" cy="474670"/>
-          </a:xfrm>
-          <a:prstGeom prst="roundRect">
-            <a:avLst/>
-          </a:prstGeom>
-          <a:solidFill>
-            <a:schemeClr val="bg1">
-              <a:lumMod val="75000"/>
-              <a:alpha val="59000"/>
-            </a:schemeClr>
-          </a:solidFill>
-          <a:ln w="3175">
-            <a:solidFill>
-              <a:schemeClr val="tx1"/>
-            </a:solidFill>
-          </a:ln>
-        </p:spPr>
-        <p:style>
-          <a:lnRef idx="2">
-            <a:schemeClr val="accent1">
-              <a:shade val="15000"/>
-            </a:schemeClr>
-          </a:lnRef>
-          <a:fillRef idx="1">
-            <a:schemeClr val="accent1"/>
-          </a:fillRef>
-          <a:effectRef idx="0">
-            <a:schemeClr val="accent1"/>
-          </a:effectRef>
-          <a:fontRef idx="minor">
-            <a:schemeClr val="lt1"/>
-          </a:fontRef>
-        </p:style>
-        <p:txBody>
-          <a:bodyPr rtlCol="0" anchor="ctr"/>
-          <a:lstStyle/>
-          <a:p>
-            <a:pPr algn="ctr"/>
-            <a:endParaRPr lang="en-US"/>
-          </a:p>
-        </p:txBody>
-      </p:sp>
-      <p:sp>
-        <p:nvSpPr>
-          <p:cNvPr id="21" name="TextBox 20">
-            <a:extLst>
-              <a:ext uri="{FF2B5EF4-FFF2-40B4-BE49-F238E27FC236}">
-                <a16:creationId xmlns:a16="http://schemas.microsoft.com/office/drawing/2014/main" id="{FB25FCDF-326B-0F63-34BB-7D1028E59477}"/>
-              </a:ext>
-            </a:extLst>
-          </p:cNvPr>
-          <p:cNvSpPr txBox="1"/>
-          <p:nvPr/>
-        </p:nvSpPr>
-        <p:spPr>
-          <a:xfrm>
-            <a:off x="9063932" y="1226635"/>
-            <a:ext cx="383438" cy="523220"/>
-          </a:xfrm>
-          <a:prstGeom prst="rect">
-            <a:avLst/>
-          </a:prstGeom>
-          <a:noFill/>
-        </p:spPr>
-        <p:txBody>
-          <a:bodyPr wrap="none" rtlCol="0">
-            <a:spAutoFit/>
-          </a:bodyPr>
-          <a:lstStyle/>
-          <a:p>
-            <a:r>
-              <a:rPr lang="en-US" sz="2800" dirty="0">
-                <a:ea typeface="ADLaM Display" panose="02010000000000000000" pitchFamily="2" charset="0"/>
-                <a:cs typeface="ADLaM Display" panose="02010000000000000000" pitchFamily="2" charset="0"/>
-              </a:rPr>
-              <a:t>X</a:t>
-            </a:r>
-          </a:p>
-        </p:txBody>
-      </p:sp>
-      <p:sp>
-        <p:nvSpPr>
-          <p:cNvPr id="22" name="TextBox 21">
-            <a:extLst>
-              <a:ext uri="{FF2B5EF4-FFF2-40B4-BE49-F238E27FC236}">
-                <a16:creationId xmlns:a16="http://schemas.microsoft.com/office/drawing/2014/main" id="{4649DA2E-622B-8700-5BF2-850866E76AAA}"/>
-              </a:ext>
-            </a:extLst>
-          </p:cNvPr>
-          <p:cNvSpPr txBox="1"/>
-          <p:nvPr/>
-        </p:nvSpPr>
-        <p:spPr>
-          <a:xfrm>
-            <a:off x="1596358" y="1988480"/>
-            <a:ext cx="7714910" cy="461665"/>
-          </a:xfrm>
-          <a:prstGeom prst="rect">
-            <a:avLst/>
-          </a:prstGeom>
-          <a:noFill/>
-        </p:spPr>
-        <p:txBody>
-          <a:bodyPr wrap="square" rtlCol="0">
-            <a:spAutoFit/>
-          </a:bodyPr>
-          <a:lstStyle/>
-          <a:p>
-            <a:r>
-              <a:rPr lang="en-US" sz="2400" b="1" dirty="0">
-                <a:ea typeface="ADLaM Display" panose="02010000000000000000" pitchFamily="2" charset="0"/>
-                <a:cs typeface="ADLaM Display" panose="02010000000000000000" pitchFamily="2" charset="0"/>
-              </a:rPr>
-              <a:t>Developer:</a:t>
-            </a:r>
-          </a:p>
-        </p:txBody>
-      </p:sp>
-      <p:sp>
-        <p:nvSpPr>
-          <p:cNvPr id="23" name="Rectangle: Rounded Corners 22">
-            <a:extLst>
-              <a:ext uri="{FF2B5EF4-FFF2-40B4-BE49-F238E27FC236}">
-                <a16:creationId xmlns:a16="http://schemas.microsoft.com/office/drawing/2014/main" id="{F548C85F-45C2-216D-36B2-213E6C4B4F7C}"/>
-              </a:ext>
-            </a:extLst>
-          </p:cNvPr>
-          <p:cNvSpPr/>
-          <p:nvPr/>
-        </p:nvSpPr>
-        <p:spPr>
-          <a:xfrm>
-            <a:off x="1479398" y="3822344"/>
-            <a:ext cx="8054894" cy="474670"/>
-          </a:xfrm>
-          <a:prstGeom prst="roundRect">
-            <a:avLst/>
-          </a:prstGeom>
-          <a:solidFill>
-            <a:schemeClr val="bg1">
-              <a:lumMod val="75000"/>
-              <a:alpha val="59000"/>
-            </a:schemeClr>
-          </a:solidFill>
-          <a:ln w="3175">
-            <a:solidFill>
-              <a:schemeClr val="tx1"/>
-            </a:solidFill>
-          </a:ln>
-        </p:spPr>
-        <p:style>
-          <a:lnRef idx="2">
-            <a:schemeClr val="accent1">
-              <a:shade val="15000"/>
-            </a:schemeClr>
-          </a:lnRef>
-          <a:fillRef idx="1">
-            <a:schemeClr val="accent1"/>
-          </a:fillRef>
-          <a:effectRef idx="0">
-            <a:schemeClr val="accent1"/>
-          </a:effectRef>
-          <a:fontRef idx="minor">
-            <a:schemeClr val="lt1"/>
-          </a:fontRef>
-        </p:style>
-        <p:txBody>
-          <a:bodyPr rtlCol="0" anchor="ctr"/>
-          <a:lstStyle/>
-          <a:p>
-            <a:pPr algn="ctr"/>
-            <a:endParaRPr lang="en-US"/>
-          </a:p>
-        </p:txBody>
-      </p:sp>
-      <p:sp>
-        <p:nvSpPr>
-          <p:cNvPr id="24" name="TextBox 23">
-            <a:extLst>
-              <a:ext uri="{FF2B5EF4-FFF2-40B4-BE49-F238E27FC236}">
-                <a16:creationId xmlns:a16="http://schemas.microsoft.com/office/drawing/2014/main" id="{A4D9787A-9B97-428C-6673-2BE2F644854A}"/>
-              </a:ext>
-            </a:extLst>
-          </p:cNvPr>
-          <p:cNvSpPr txBox="1"/>
-          <p:nvPr/>
-        </p:nvSpPr>
-        <p:spPr>
-          <a:xfrm>
-            <a:off x="1596357" y="3831836"/>
-            <a:ext cx="7714910" cy="461665"/>
-          </a:xfrm>
-          <a:prstGeom prst="rect">
-            <a:avLst/>
-          </a:prstGeom>
-          <a:noFill/>
-          <a:ln>
-            <a:noFill/>
-          </a:ln>
-        </p:spPr>
-        <p:txBody>
-          <a:bodyPr wrap="square" rtlCol="0">
-            <a:spAutoFit/>
-          </a:bodyPr>
-          <a:lstStyle/>
-          <a:p>
-            <a:r>
-              <a:rPr lang="en-US" sz="2400" b="1" dirty="0">
-                <a:ea typeface="ADLaM Display" panose="02010000000000000000" pitchFamily="2" charset="0"/>
-                <a:cs typeface="ADLaM Display" panose="02010000000000000000" pitchFamily="2" charset="0"/>
-              </a:rPr>
-              <a:t>Game project:</a:t>
+              <a:t>|        OPTIONS</a:t>
             </a:r>
           </a:p>
         </p:txBody>
       </p:sp>
       <p:pic>
         <p:nvPicPr>
-          <p:cNvPr id="3" name="Graphic 2" descr="Information with solid fill">
-            <a:extLst>
-              <a:ext uri="{FF2B5EF4-FFF2-40B4-BE49-F238E27FC236}">
-                <a16:creationId xmlns:a16="http://schemas.microsoft.com/office/drawing/2014/main" id="{D387ABC8-6DE9-5EE2-B7ED-73FDF17F742D}"/>
+          <p:cNvPr id="15" name="Graphic 14" descr="Single gear with solid fill">
+            <a:extLst>
+              <a:ext uri="{FF2B5EF4-FFF2-40B4-BE49-F238E27FC236}">
+                <a16:creationId xmlns:a16="http://schemas.microsoft.com/office/drawing/2014/main" id="{6797233F-2E9C-602D-66E8-338A0E691B4E}"/>
               </a:ext>
             </a:extLst>
           </p:cNvPr>
@@ -13772,222 +16489,18 @@
         </p:blipFill>
         <p:spPr>
           <a:xfrm>
-            <a:off x="3557240" y="1220446"/>
-            <a:ext cx="423514" cy="423514"/>
+            <a:off x="3557239" y="1192765"/>
+            <a:ext cx="474403" cy="474403"/>
           </a:xfrm>
           <a:prstGeom prst="rect">
             <a:avLst/>
           </a:prstGeom>
         </p:spPr>
       </p:pic>
-      <p:pic>
-        <p:nvPicPr>
-          <p:cNvPr id="5" name="Picture 4" descr="A person wearing glasses and smiling&#10;&#10;Description automatically generated">
-            <a:extLst>
-              <a:ext uri="{FF2B5EF4-FFF2-40B4-BE49-F238E27FC236}">
-                <a16:creationId xmlns:a16="http://schemas.microsoft.com/office/drawing/2014/main" id="{F1D9C522-E8FD-2C96-3547-5B3D8BE10E91}"/>
-              </a:ext>
-            </a:extLst>
-          </p:cNvPr>
-          <p:cNvPicPr>
-            <a:picLocks noChangeAspect="1"/>
-          </p:cNvPicPr>
-          <p:nvPr/>
-        </p:nvPicPr>
-        <p:blipFill rotWithShape="1">
-          <a:blip r:embed="rId6">
-            <a:extLst>
-              <a:ext uri="{28A0092B-C50C-407E-A947-70E740481C1C}">
-                <a14:useLocalDpi xmlns:a14="http://schemas.microsoft.com/office/drawing/2010/main" val="0"/>
-              </a:ext>
-            </a:extLst>
-          </a:blip>
-          <a:srcRect l="11541" t="17998" r="7383" b="9115"/>
-          <a:stretch/>
-        </p:blipFill>
-        <p:spPr>
-          <a:xfrm>
-            <a:off x="1618921" y="2736537"/>
-            <a:ext cx="752589" cy="757118"/>
-          </a:xfrm>
-          <a:prstGeom prst="ellipse">
-            <a:avLst/>
-          </a:prstGeom>
-        </p:spPr>
-      </p:pic>
-      <p:sp>
-        <p:nvSpPr>
-          <p:cNvPr id="9" name="TextBox 8">
-            <a:extLst>
-              <a:ext uri="{FF2B5EF4-FFF2-40B4-BE49-F238E27FC236}">
-                <a16:creationId xmlns:a16="http://schemas.microsoft.com/office/drawing/2014/main" id="{FFB1E401-5DFE-ED22-BE27-408D2752E7F2}"/>
-              </a:ext>
-            </a:extLst>
-          </p:cNvPr>
-          <p:cNvSpPr txBox="1"/>
-          <p:nvPr/>
-        </p:nvSpPr>
-        <p:spPr>
-          <a:xfrm>
-            <a:off x="2625682" y="2674252"/>
-            <a:ext cx="6696175" cy="830997"/>
-          </a:xfrm>
-          <a:prstGeom prst="rect">
-            <a:avLst/>
-          </a:prstGeom>
-          <a:noFill/>
-        </p:spPr>
-        <p:txBody>
-          <a:bodyPr wrap="square" rtlCol="0">
-            <a:spAutoFit/>
-          </a:bodyPr>
-          <a:lstStyle/>
-          <a:p>
-            <a:r>
-              <a:rPr lang="en-US" sz="2400" dirty="0">
-                <a:ea typeface="ADLaM Display" panose="02010000000000000000" pitchFamily="2" charset="0"/>
-                <a:cs typeface="ADLaM Display" panose="02010000000000000000" pitchFamily="2" charset="0"/>
-              </a:rPr>
-              <a:t>This game is developed by Majd Lahbib in a short period of time in goal to learn Godot.</a:t>
-            </a:r>
-          </a:p>
-        </p:txBody>
-      </p:sp>
-      <p:cxnSp>
-        <p:nvCxnSpPr>
-          <p:cNvPr id="11" name="Straight Connector 10">
-            <a:extLst>
-              <a:ext uri="{FF2B5EF4-FFF2-40B4-BE49-F238E27FC236}">
-                <a16:creationId xmlns:a16="http://schemas.microsoft.com/office/drawing/2014/main" id="{AA54430F-3F10-A4B0-7EFE-9C47DFB831DE}"/>
-              </a:ext>
-            </a:extLst>
-          </p:cNvPr>
-          <p:cNvCxnSpPr/>
-          <p:nvPr/>
-        </p:nvCxnSpPr>
-        <p:spPr>
-          <a:xfrm>
-            <a:off x="2597672" y="2736537"/>
-            <a:ext cx="0" cy="757118"/>
-          </a:xfrm>
-          <a:prstGeom prst="line">
-            <a:avLst/>
-          </a:prstGeom>
-          <a:ln>
-            <a:solidFill>
-              <a:schemeClr val="tx1"/>
-            </a:solidFill>
-          </a:ln>
-        </p:spPr>
-        <p:style>
-          <a:lnRef idx="2">
-            <a:schemeClr val="accent1"/>
-          </a:lnRef>
-          <a:fillRef idx="0">
-            <a:schemeClr val="accent1"/>
-          </a:fillRef>
-          <a:effectRef idx="1">
-            <a:schemeClr val="accent1"/>
-          </a:effectRef>
-          <a:fontRef idx="minor">
-            <a:schemeClr val="tx1"/>
-          </a:fontRef>
-        </p:style>
-      </p:cxnSp>
-      <p:sp>
-        <p:nvSpPr>
-          <p:cNvPr id="12" name="TextBox 11">
-            <a:extLst>
-              <a:ext uri="{FF2B5EF4-FFF2-40B4-BE49-F238E27FC236}">
-                <a16:creationId xmlns:a16="http://schemas.microsoft.com/office/drawing/2014/main" id="{9FC711FE-4218-4D18-6031-487F5251467E}"/>
-              </a:ext>
-            </a:extLst>
-          </p:cNvPr>
-          <p:cNvSpPr txBox="1"/>
-          <p:nvPr/>
-        </p:nvSpPr>
-        <p:spPr>
-          <a:xfrm>
-            <a:off x="1483282" y="4382630"/>
-            <a:ext cx="7964088" cy="1569660"/>
-          </a:xfrm>
-          <a:prstGeom prst="rect">
-            <a:avLst/>
-          </a:prstGeom>
-          <a:noFill/>
-        </p:spPr>
-        <p:txBody>
-          <a:bodyPr wrap="square" rtlCol="0">
-            <a:spAutoFit/>
-          </a:bodyPr>
-          <a:lstStyle/>
-          <a:p>
-            <a:r>
-              <a:rPr lang="en-US" sz="2400" dirty="0">
-                <a:ea typeface="ADLaM Display" panose="02010000000000000000" pitchFamily="2" charset="0"/>
-                <a:cs typeface="ADLaM Display" panose="02010000000000000000" pitchFamily="2" charset="0"/>
-              </a:rPr>
-              <a:t>This project is open-source. You can get it from @MajdLHB GitHub profile.</a:t>
-            </a:r>
-          </a:p>
-          <a:p>
-            <a:r>
-              <a:rPr lang="en-US" sz="2400" dirty="0">
-                <a:ea typeface="ADLaM Display" panose="02010000000000000000" pitchFamily="2" charset="0"/>
-                <a:cs typeface="ADLaM Display" panose="02010000000000000000" pitchFamily="2" charset="0"/>
-              </a:rPr>
-              <a:t>Feel free to make your version of the game by adding levels or you can just get things from the project</a:t>
-            </a:r>
-          </a:p>
-        </p:txBody>
-      </p:sp>
-      <p:sp>
-        <p:nvSpPr>
-          <p:cNvPr id="13" name="TextBox 12">
-            <a:extLst>
-              <a:ext uri="{FF2B5EF4-FFF2-40B4-BE49-F238E27FC236}">
-                <a16:creationId xmlns:a16="http://schemas.microsoft.com/office/drawing/2014/main" id="{395FF803-824E-B684-9475-09B6373150EC}"/>
-              </a:ext>
-            </a:extLst>
-          </p:cNvPr>
-          <p:cNvSpPr txBox="1"/>
-          <p:nvPr/>
-        </p:nvSpPr>
-        <p:spPr>
-          <a:xfrm>
-            <a:off x="1524801" y="5950338"/>
-            <a:ext cx="7964088" cy="369332"/>
-          </a:xfrm>
-          <a:prstGeom prst="rect">
-            <a:avLst/>
-          </a:prstGeom>
-          <a:noFill/>
-        </p:spPr>
-        <p:txBody>
-          <a:bodyPr wrap="square" rtlCol="0">
-            <a:spAutoFit/>
-          </a:bodyPr>
-          <a:lstStyle/>
-          <a:p>
-            <a:r>
-              <a:rPr lang="en-US" dirty="0">
-                <a:solidFill>
-                  <a:schemeClr val="bg1">
-                    <a:lumMod val="50000"/>
-                  </a:schemeClr>
-                </a:solidFill>
-                <a:ea typeface="ADLaM Display" panose="02010000000000000000" pitchFamily="2" charset="0"/>
-                <a:cs typeface="ADLaM Display" panose="02010000000000000000" pitchFamily="2" charset="0"/>
-              </a:rPr>
-              <a:t>© Majd Lahbib 2024 - MIT license – Game Version 1.0 PC  </a:t>
-            </a:r>
-          </a:p>
-        </p:txBody>
-      </p:sp>
     </p:spTree>
     <p:extLst>
       <p:ext uri="{BB962C8B-B14F-4D97-AF65-F5344CB8AC3E}">
-        <p14:creationId xmlns:p14="http://schemas.microsoft.com/office/powerpoint/2010/main" val="961277298"/>
+        <p14:creationId xmlns:p14="http://schemas.microsoft.com/office/powerpoint/2010/main" val="1037638877"/>
       </p:ext>
     </p:extLst>
   </p:cSld>
@@ -14310,4 +16823,319 @@
     </a:ext>
   </a:extLst>
 </a:theme>
+</file>
+
+<file path=ppt/theme/theme2.xml><?xml version="1.0" encoding="utf-8"?>
+<a:theme xmlns:a="http://schemas.openxmlformats.org/drawingml/2006/main" name="Office Theme">
+  <a:themeElements>
+    <a:clrScheme name="Office">
+      <a:dk1>
+        <a:sysClr val="windowText" lastClr="000000"/>
+      </a:dk1>
+      <a:lt1>
+        <a:sysClr val="window" lastClr="FFFFFF"/>
+      </a:lt1>
+      <a:dk2>
+        <a:srgbClr val="0E2841"/>
+      </a:dk2>
+      <a:lt2>
+        <a:srgbClr val="E8E8E8"/>
+      </a:lt2>
+      <a:accent1>
+        <a:srgbClr val="156082"/>
+      </a:accent1>
+      <a:accent2>
+        <a:srgbClr val="E97132"/>
+      </a:accent2>
+      <a:accent3>
+        <a:srgbClr val="196B24"/>
+      </a:accent3>
+      <a:accent4>
+        <a:srgbClr val="0F9ED5"/>
+      </a:accent4>
+      <a:accent5>
+        <a:srgbClr val="A02B93"/>
+      </a:accent5>
+      <a:accent6>
+        <a:srgbClr val="4EA72E"/>
+      </a:accent6>
+      <a:hlink>
+        <a:srgbClr val="467886"/>
+      </a:hlink>
+      <a:folHlink>
+        <a:srgbClr val="96607D"/>
+      </a:folHlink>
+    </a:clrScheme>
+    <a:fontScheme name="Office">
+      <a:majorFont>
+        <a:latin typeface="Aptos Display" panose="02110004020202020204"/>
+        <a:ea typeface=""/>
+        <a:cs typeface=""/>
+        <a:font script="Jpan" typeface="游ゴシック Light"/>
+        <a:font script="Hang" typeface="맑은 고딕"/>
+        <a:font script="Hans" typeface="等线 Light"/>
+        <a:font script="Hant" typeface="新細明體"/>
+        <a:font script="Arab" typeface="Times New Roman"/>
+        <a:font script="Hebr" typeface="Times New Roman"/>
+        <a:font script="Thai" typeface="Angsana New"/>
+        <a:font script="Ethi" typeface="Nyala"/>
+        <a:font script="Beng" typeface="Vrinda"/>
+        <a:font script="Gujr" typeface="Shruti"/>
+        <a:font script="Khmr" typeface="MoolBoran"/>
+        <a:font script="Knda" typeface="Tunga"/>
+        <a:font script="Guru" typeface="Raavi"/>
+        <a:font script="Cans" typeface="Euphemia"/>
+        <a:font script="Cher" typeface="Plantagenet Cherokee"/>
+        <a:font script="Yiii" typeface="Microsoft Yi Baiti"/>
+        <a:font script="Tibt" typeface="Microsoft Himalaya"/>
+        <a:font script="Thaa" typeface="MV Boli"/>
+        <a:font script="Deva" typeface="Mangal"/>
+        <a:font script="Telu" typeface="Gautami"/>
+        <a:font script="Taml" typeface="Latha"/>
+        <a:font script="Syrc" typeface="Estrangelo Edessa"/>
+        <a:font script="Orya" typeface="Kalinga"/>
+        <a:font script="Mlym" typeface="Kartika"/>
+        <a:font script="Laoo" typeface="DokChampa"/>
+        <a:font script="Sinh" typeface="Iskoola Pota"/>
+        <a:font script="Mong" typeface="Mongolian Baiti"/>
+        <a:font script="Viet" typeface="Times New Roman"/>
+        <a:font script="Uigh" typeface="Microsoft Uighur"/>
+        <a:font script="Geor" typeface="Sylfaen"/>
+        <a:font script="Armn" typeface="Arial"/>
+        <a:font script="Bugi" typeface="Leelawadee UI"/>
+        <a:font script="Bopo" typeface="Microsoft JhengHei"/>
+        <a:font script="Java" typeface="Javanese Text"/>
+        <a:font script="Lisu" typeface="Segoe UI"/>
+        <a:font script="Mymr" typeface="Myanmar Text"/>
+        <a:font script="Nkoo" typeface="Ebrima"/>
+        <a:font script="Olck" typeface="Nirmala UI"/>
+        <a:font script="Osma" typeface="Ebrima"/>
+        <a:font script="Phag" typeface="Phagspa"/>
+        <a:font script="Syrn" typeface="Estrangelo Edessa"/>
+        <a:font script="Syrj" typeface="Estrangelo Edessa"/>
+        <a:font script="Syre" typeface="Estrangelo Edessa"/>
+        <a:font script="Sora" typeface="Nirmala UI"/>
+        <a:font script="Tale" typeface="Microsoft Tai Le"/>
+        <a:font script="Talu" typeface="Microsoft New Tai Lue"/>
+        <a:font script="Tfng" typeface="Ebrima"/>
+      </a:majorFont>
+      <a:minorFont>
+        <a:latin typeface="Aptos" panose="02110004020202020204"/>
+        <a:ea typeface=""/>
+        <a:cs typeface=""/>
+        <a:font script="Jpan" typeface="游ゴシック"/>
+        <a:font script="Hang" typeface="맑은 고딕"/>
+        <a:font script="Hans" typeface="等线"/>
+        <a:font script="Hant" typeface="新細明體"/>
+        <a:font script="Arab" typeface="Arial"/>
+        <a:font script="Hebr" typeface="Arial"/>
+        <a:font script="Thai" typeface="Cordia New"/>
+        <a:font script="Ethi" typeface="Nyala"/>
+        <a:font script="Beng" typeface="Vrinda"/>
+        <a:font script="Gujr" typeface="Shruti"/>
+        <a:font script="Khmr" typeface="DaunPenh"/>
+        <a:font script="Knda" typeface="Tunga"/>
+        <a:font script="Guru" typeface="Raavi"/>
+        <a:font script="Cans" typeface="Euphemia"/>
+        <a:font script="Cher" typeface="Plantagenet Cherokee"/>
+        <a:font script="Yiii" typeface="Microsoft Yi Baiti"/>
+        <a:font script="Tibt" typeface="Microsoft Himalaya"/>
+        <a:font script="Thaa" typeface="MV Boli"/>
+        <a:font script="Deva" typeface="Mangal"/>
+        <a:font script="Telu" typeface="Gautami"/>
+        <a:font script="Taml" typeface="Latha"/>
+        <a:font script="Syrc" typeface="Estrangelo Edessa"/>
+        <a:font script="Orya" typeface="Kalinga"/>
+        <a:font script="Mlym" typeface="Kartika"/>
+        <a:font script="Laoo" typeface="DokChampa"/>
+        <a:font script="Sinh" typeface="Iskoola Pota"/>
+        <a:font script="Mong" typeface="Mongolian Baiti"/>
+        <a:font script="Viet" typeface="Arial"/>
+        <a:font script="Uigh" typeface="Microsoft Uighur"/>
+        <a:font script="Geor" typeface="Sylfaen"/>
+        <a:font script="Armn" typeface="Arial"/>
+        <a:font script="Bugi" typeface="Leelawadee UI"/>
+        <a:font script="Bopo" typeface="Microsoft JhengHei"/>
+        <a:font script="Java" typeface="Javanese Text"/>
+        <a:font script="Lisu" typeface="Segoe UI"/>
+        <a:font script="Mymr" typeface="Myanmar Text"/>
+        <a:font script="Nkoo" typeface="Ebrima"/>
+        <a:font script="Olck" typeface="Nirmala UI"/>
+        <a:font script="Osma" typeface="Ebrima"/>
+        <a:font script="Phag" typeface="Phagspa"/>
+        <a:font script="Syrn" typeface="Estrangelo Edessa"/>
+        <a:font script="Syrj" typeface="Estrangelo Edessa"/>
+        <a:font script="Syre" typeface="Estrangelo Edessa"/>
+        <a:font script="Sora" typeface="Nirmala UI"/>
+        <a:font script="Tale" typeface="Microsoft Tai Le"/>
+        <a:font script="Talu" typeface="Microsoft New Tai Lue"/>
+        <a:font script="Tfng" typeface="Ebrima"/>
+      </a:minorFont>
+    </a:fontScheme>
+    <a:fmtScheme name="Office">
+      <a:fillStyleLst>
+        <a:solidFill>
+          <a:schemeClr val="phClr"/>
+        </a:solidFill>
+        <a:gradFill rotWithShape="1">
+          <a:gsLst>
+            <a:gs pos="0">
+              <a:schemeClr val="phClr">
+                <a:lumMod val="110000"/>
+                <a:satMod val="105000"/>
+                <a:tint val="67000"/>
+              </a:schemeClr>
+            </a:gs>
+            <a:gs pos="50000">
+              <a:schemeClr val="phClr">
+                <a:lumMod val="105000"/>
+                <a:satMod val="103000"/>
+                <a:tint val="73000"/>
+              </a:schemeClr>
+            </a:gs>
+            <a:gs pos="100000">
+              <a:schemeClr val="phClr">
+                <a:lumMod val="105000"/>
+                <a:satMod val="109000"/>
+                <a:tint val="81000"/>
+              </a:schemeClr>
+            </a:gs>
+          </a:gsLst>
+          <a:lin ang="5400000" scaled="0"/>
+        </a:gradFill>
+        <a:gradFill rotWithShape="1">
+          <a:gsLst>
+            <a:gs pos="0">
+              <a:schemeClr val="phClr">
+                <a:satMod val="103000"/>
+                <a:lumMod val="102000"/>
+                <a:tint val="94000"/>
+              </a:schemeClr>
+            </a:gs>
+            <a:gs pos="50000">
+              <a:schemeClr val="phClr">
+                <a:satMod val="110000"/>
+                <a:lumMod val="100000"/>
+                <a:shade val="100000"/>
+              </a:schemeClr>
+            </a:gs>
+            <a:gs pos="100000">
+              <a:schemeClr val="phClr">
+                <a:lumMod val="99000"/>
+                <a:satMod val="120000"/>
+                <a:shade val="78000"/>
+              </a:schemeClr>
+            </a:gs>
+          </a:gsLst>
+          <a:lin ang="5400000" scaled="0"/>
+        </a:gradFill>
+      </a:fillStyleLst>
+      <a:lnStyleLst>
+        <a:ln w="12700" cap="flat" cmpd="sng" algn="ctr">
+          <a:solidFill>
+            <a:schemeClr val="phClr"/>
+          </a:solidFill>
+          <a:prstDash val="solid"/>
+          <a:miter lim="800000"/>
+        </a:ln>
+        <a:ln w="19050" cap="flat" cmpd="sng" algn="ctr">
+          <a:solidFill>
+            <a:schemeClr val="phClr"/>
+          </a:solidFill>
+          <a:prstDash val="solid"/>
+          <a:miter lim="800000"/>
+        </a:ln>
+        <a:ln w="25400" cap="flat" cmpd="sng" algn="ctr">
+          <a:solidFill>
+            <a:schemeClr val="phClr"/>
+          </a:solidFill>
+          <a:prstDash val="solid"/>
+          <a:miter lim="800000"/>
+        </a:ln>
+      </a:lnStyleLst>
+      <a:effectStyleLst>
+        <a:effectStyle>
+          <a:effectLst/>
+        </a:effectStyle>
+        <a:effectStyle>
+          <a:effectLst/>
+        </a:effectStyle>
+        <a:effectStyle>
+          <a:effectLst>
+            <a:outerShdw blurRad="57150" dist="19050" dir="5400000" algn="ctr" rotWithShape="0">
+              <a:srgbClr val="000000">
+                <a:alpha val="63000"/>
+              </a:srgbClr>
+            </a:outerShdw>
+          </a:effectLst>
+        </a:effectStyle>
+      </a:effectStyleLst>
+      <a:bgFillStyleLst>
+        <a:solidFill>
+          <a:schemeClr val="phClr"/>
+        </a:solidFill>
+        <a:solidFill>
+          <a:schemeClr val="phClr">
+            <a:tint val="95000"/>
+            <a:satMod val="170000"/>
+          </a:schemeClr>
+        </a:solidFill>
+        <a:gradFill rotWithShape="1">
+          <a:gsLst>
+            <a:gs pos="0">
+              <a:schemeClr val="phClr">
+                <a:tint val="93000"/>
+                <a:satMod val="150000"/>
+                <a:shade val="98000"/>
+                <a:lumMod val="102000"/>
+              </a:schemeClr>
+            </a:gs>
+            <a:gs pos="50000">
+              <a:schemeClr val="phClr">
+                <a:tint val="98000"/>
+                <a:satMod val="130000"/>
+                <a:shade val="90000"/>
+                <a:lumMod val="103000"/>
+              </a:schemeClr>
+            </a:gs>
+            <a:gs pos="100000">
+              <a:schemeClr val="phClr">
+                <a:shade val="63000"/>
+                <a:satMod val="120000"/>
+              </a:schemeClr>
+            </a:gs>
+          </a:gsLst>
+          <a:lin ang="5400000" scaled="0"/>
+        </a:gradFill>
+      </a:bgFillStyleLst>
+    </a:fmtScheme>
+  </a:themeElements>
+  <a:objectDefaults>
+    <a:lnDef>
+      <a:spPr/>
+      <a:bodyPr/>
+      <a:lstStyle/>
+      <a:style>
+        <a:lnRef idx="2">
+          <a:schemeClr val="accent1"/>
+        </a:lnRef>
+        <a:fillRef idx="0">
+          <a:schemeClr val="accent1"/>
+        </a:fillRef>
+        <a:effectRef idx="1">
+          <a:schemeClr val="accent1"/>
+        </a:effectRef>
+        <a:fontRef idx="minor">
+          <a:schemeClr val="tx1"/>
+        </a:fontRef>
+      </a:style>
+    </a:lnDef>
+  </a:objectDefaults>
+  <a:extraClrSchemeLst/>
+  <a:extLst>
+    <a:ext uri="{05A4C25C-085E-4340-85A3-A5531E510DB2}">
+      <thm15:themeFamily xmlns:thm15="http://schemas.microsoft.com/office/thememl/2012/main" name="Office Theme" id="{2E142A2C-CD16-42D6-873A-C26D2A0506FA}" vid="{1BDDFF52-6CD6-40A5-AB3C-68EB2F1E4D0A}"/>
+    </a:ext>
+  </a:extLst>
+</a:theme>
 </file>
--- a/Godot Project/Concept.pptx
+++ b/Godot Project/Concept.pptx
@@ -5,7 +5,7 @@
     <p:sldMasterId id="2147483648" r:id="rId1"/>
   </p:sldMasterIdLst>
   <p:notesMasterIdLst>
-    <p:notesMasterId r:id="rId20"/>
+    <p:notesMasterId r:id="rId21"/>
   </p:notesMasterIdLst>
   <p:sldIdLst>
     <p:sldId id="256" r:id="rId2"/>
@@ -26,6 +26,7 @@
     <p:sldId id="271" r:id="rId17"/>
     <p:sldId id="272" r:id="rId18"/>
     <p:sldId id="273" r:id="rId19"/>
+    <p:sldId id="274" r:id="rId20"/>
   </p:sldIdLst>
   <p:sldSz cx="12192000" cy="6858000"/>
   <p:notesSz cx="6858000" cy="9144000"/>
@@ -214,7 +215,7 @@
           <a:p>
             <a:fld id="{A079C53D-E9F5-4253-B088-62086649C9D2}" type="datetimeFigureOut">
               <a:rPr lang="en-US" smtClean="0"/>
-              <a:t>9/10/2024</a:t>
+              <a:t>9/27/2024</a:t>
             </a:fld>
             <a:endParaRPr lang="en-US"/>
           </a:p>
@@ -880,7 +881,7 @@
           <a:p>
             <a:fld id="{0E6B98C6-4E2D-4493-BB6F-B0B550CAA038}" type="datetimeFigureOut">
               <a:rPr lang="en-US" smtClean="0"/>
-              <a:t>9/10/2024</a:t>
+              <a:t>9/27/2024</a:t>
             </a:fld>
             <a:endParaRPr lang="en-US"/>
           </a:p>
@@ -1078,7 +1079,7 @@
           <a:p>
             <a:fld id="{0E6B98C6-4E2D-4493-BB6F-B0B550CAA038}" type="datetimeFigureOut">
               <a:rPr lang="en-US" smtClean="0"/>
-              <a:t>9/10/2024</a:t>
+              <a:t>9/27/2024</a:t>
             </a:fld>
             <a:endParaRPr lang="en-US"/>
           </a:p>
@@ -1286,7 +1287,7 @@
           <a:p>
             <a:fld id="{0E6B98C6-4E2D-4493-BB6F-B0B550CAA038}" type="datetimeFigureOut">
               <a:rPr lang="en-US" smtClean="0"/>
-              <a:t>9/10/2024</a:t>
+              <a:t>9/27/2024</a:t>
             </a:fld>
             <a:endParaRPr lang="en-US"/>
           </a:p>
@@ -1484,7 +1485,7 @@
           <a:p>
             <a:fld id="{0E6B98C6-4E2D-4493-BB6F-B0B550CAA038}" type="datetimeFigureOut">
               <a:rPr lang="en-US" smtClean="0"/>
-              <a:t>9/10/2024</a:t>
+              <a:t>9/27/2024</a:t>
             </a:fld>
             <a:endParaRPr lang="en-US"/>
           </a:p>
@@ -1759,7 +1760,7 @@
           <a:p>
             <a:fld id="{0E6B98C6-4E2D-4493-BB6F-B0B550CAA038}" type="datetimeFigureOut">
               <a:rPr lang="en-US" smtClean="0"/>
-              <a:t>9/10/2024</a:t>
+              <a:t>9/27/2024</a:t>
             </a:fld>
             <a:endParaRPr lang="en-US"/>
           </a:p>
@@ -2024,7 +2025,7 @@
           <a:p>
             <a:fld id="{0E6B98C6-4E2D-4493-BB6F-B0B550CAA038}" type="datetimeFigureOut">
               <a:rPr lang="en-US" smtClean="0"/>
-              <a:t>9/10/2024</a:t>
+              <a:t>9/27/2024</a:t>
             </a:fld>
             <a:endParaRPr lang="en-US"/>
           </a:p>
@@ -2436,7 +2437,7 @@
           <a:p>
             <a:fld id="{0E6B98C6-4E2D-4493-BB6F-B0B550CAA038}" type="datetimeFigureOut">
               <a:rPr lang="en-US" smtClean="0"/>
-              <a:t>9/10/2024</a:t>
+              <a:t>9/27/2024</a:t>
             </a:fld>
             <a:endParaRPr lang="en-US"/>
           </a:p>
@@ -2577,7 +2578,7 @@
           <a:p>
             <a:fld id="{0E6B98C6-4E2D-4493-BB6F-B0B550CAA038}" type="datetimeFigureOut">
               <a:rPr lang="en-US" smtClean="0"/>
-              <a:t>9/10/2024</a:t>
+              <a:t>9/27/2024</a:t>
             </a:fld>
             <a:endParaRPr lang="en-US"/>
           </a:p>
@@ -2690,7 +2691,7 @@
           <a:p>
             <a:fld id="{0E6B98C6-4E2D-4493-BB6F-B0B550CAA038}" type="datetimeFigureOut">
               <a:rPr lang="en-US" smtClean="0"/>
-              <a:t>9/10/2024</a:t>
+              <a:t>9/27/2024</a:t>
             </a:fld>
             <a:endParaRPr lang="en-US"/>
           </a:p>
@@ -3001,7 +3002,7 @@
           <a:p>
             <a:fld id="{0E6B98C6-4E2D-4493-BB6F-B0B550CAA038}" type="datetimeFigureOut">
               <a:rPr lang="en-US" smtClean="0"/>
-              <a:t>9/10/2024</a:t>
+              <a:t>9/27/2024</a:t>
             </a:fld>
             <a:endParaRPr lang="en-US"/>
           </a:p>
@@ -3289,7 +3290,7 @@
           <a:p>
             <a:fld id="{0E6B98C6-4E2D-4493-BB6F-B0B550CAA038}" type="datetimeFigureOut">
               <a:rPr lang="en-US" smtClean="0"/>
-              <a:t>9/10/2024</a:t>
+              <a:t>9/27/2024</a:t>
             </a:fld>
             <a:endParaRPr lang="en-US"/>
           </a:p>
@@ -3530,7 +3531,7 @@
           <a:p>
             <a:fld id="{0E6B98C6-4E2D-4493-BB6F-B0B550CAA038}" type="datetimeFigureOut">
               <a:rPr lang="en-US" smtClean="0"/>
-              <a:t>9/10/2024</a:t>
+              <a:t>9/27/2024</a:t>
             </a:fld>
             <a:endParaRPr lang="en-US"/>
           </a:p>
@@ -12742,6 +12743,848 @@
 </p:sld>
 </file>
 
+<file path=ppt/slides/slide19.xml><?xml version="1.0" encoding="utf-8"?>
+<p:sld xmlns:a="http://schemas.openxmlformats.org/drawingml/2006/main" xmlns:r="http://schemas.openxmlformats.org/officeDocument/2006/relationships" xmlns:p="http://schemas.openxmlformats.org/presentationml/2006/main">
+  <p:cSld>
+    <p:bg>
+      <p:bgPr>
+        <a:solidFill>
+          <a:srgbClr val="92D050"/>
+        </a:solidFill>
+        <a:effectLst/>
+      </p:bgPr>
+    </p:bg>
+    <p:spTree>
+      <p:nvGrpSpPr>
+        <p:cNvPr id="1" name=""/>
+        <p:cNvGrpSpPr/>
+        <p:nvPr/>
+      </p:nvGrpSpPr>
+      <p:grpSpPr>
+        <a:xfrm>
+          <a:off x="0" y="0"/>
+          <a:ext cx="0" cy="0"/>
+          <a:chOff x="0" y="0"/>
+          <a:chExt cx="0" cy="0"/>
+        </a:xfrm>
+      </p:grpSpPr>
+      <p:sp>
+        <p:nvSpPr>
+          <p:cNvPr id="3" name="Oval 2">
+            <a:extLst>
+              <a:ext uri="{FF2B5EF4-FFF2-40B4-BE49-F238E27FC236}">
+                <a16:creationId xmlns:a16="http://schemas.microsoft.com/office/drawing/2014/main" id="{48732F47-78DA-9C78-F787-5F6244741F94}"/>
+              </a:ext>
+            </a:extLst>
+          </p:cNvPr>
+          <p:cNvSpPr/>
+          <p:nvPr/>
+        </p:nvSpPr>
+        <p:spPr>
+          <a:xfrm>
+            <a:off x="2377440" y="1207008"/>
+            <a:ext cx="2121408" cy="2121408"/>
+          </a:xfrm>
+          <a:prstGeom prst="ellipse">
+            <a:avLst/>
+          </a:prstGeom>
+          <a:noFill/>
+          <a:ln w="38100">
+            <a:solidFill>
+              <a:srgbClr val="C00000"/>
+            </a:solidFill>
+          </a:ln>
+        </p:spPr>
+        <p:style>
+          <a:lnRef idx="2">
+            <a:schemeClr val="accent1">
+              <a:shade val="15000"/>
+            </a:schemeClr>
+          </a:lnRef>
+          <a:fillRef idx="1">
+            <a:schemeClr val="accent1"/>
+          </a:fillRef>
+          <a:effectRef idx="0">
+            <a:schemeClr val="accent1"/>
+          </a:effectRef>
+          <a:fontRef idx="minor">
+            <a:schemeClr val="lt1"/>
+          </a:fontRef>
+        </p:style>
+        <p:txBody>
+          <a:bodyPr rtlCol="0" anchor="ctr"/>
+          <a:lstStyle/>
+          <a:p>
+            <a:pPr algn="ctr"/>
+            <a:endParaRPr lang="en-US"/>
+          </a:p>
+        </p:txBody>
+      </p:sp>
+      <p:sp>
+        <p:nvSpPr>
+          <p:cNvPr id="4" name="Oval 3">
+            <a:extLst>
+              <a:ext uri="{FF2B5EF4-FFF2-40B4-BE49-F238E27FC236}">
+                <a16:creationId xmlns:a16="http://schemas.microsoft.com/office/drawing/2014/main" id="{F69EF27F-49E5-C0EE-FD35-D0593BF264FF}"/>
+              </a:ext>
+            </a:extLst>
+          </p:cNvPr>
+          <p:cNvSpPr/>
+          <p:nvPr/>
+        </p:nvSpPr>
+        <p:spPr>
+          <a:xfrm>
+            <a:off x="3076956" y="1906524"/>
+            <a:ext cx="722376" cy="722376"/>
+          </a:xfrm>
+          <a:prstGeom prst="ellipse">
+            <a:avLst/>
+          </a:prstGeom>
+          <a:solidFill>
+            <a:srgbClr val="FF0000"/>
+          </a:solidFill>
+          <a:ln w="38100">
+            <a:noFill/>
+          </a:ln>
+        </p:spPr>
+        <p:style>
+          <a:lnRef idx="2">
+            <a:schemeClr val="accent1">
+              <a:shade val="15000"/>
+            </a:schemeClr>
+          </a:lnRef>
+          <a:fillRef idx="1">
+            <a:schemeClr val="accent1"/>
+          </a:fillRef>
+          <a:effectRef idx="0">
+            <a:schemeClr val="accent1"/>
+          </a:effectRef>
+          <a:fontRef idx="minor">
+            <a:schemeClr val="lt1"/>
+          </a:fontRef>
+        </p:style>
+        <p:txBody>
+          <a:bodyPr rtlCol="0" anchor="ctr"/>
+          <a:lstStyle/>
+          <a:p>
+            <a:pPr algn="ctr"/>
+            <a:endParaRPr lang="en-US"/>
+          </a:p>
+        </p:txBody>
+      </p:sp>
+      <p:sp>
+        <p:nvSpPr>
+          <p:cNvPr id="5" name="Oval 4">
+            <a:extLst>
+              <a:ext uri="{FF2B5EF4-FFF2-40B4-BE49-F238E27FC236}">
+                <a16:creationId xmlns:a16="http://schemas.microsoft.com/office/drawing/2014/main" id="{B052DA2A-77DF-A752-55F6-B8B719C3489C}"/>
+              </a:ext>
+            </a:extLst>
+          </p:cNvPr>
+          <p:cNvSpPr/>
+          <p:nvPr/>
+        </p:nvSpPr>
+        <p:spPr>
+          <a:xfrm>
+            <a:off x="5373624" y="4241292"/>
+            <a:ext cx="722376" cy="722376"/>
+          </a:xfrm>
+          <a:prstGeom prst="ellipse">
+            <a:avLst/>
+          </a:prstGeom>
+          <a:solidFill>
+            <a:srgbClr val="9E0000"/>
+          </a:solidFill>
+          <a:ln w="38100">
+            <a:noFill/>
+          </a:ln>
+        </p:spPr>
+        <p:style>
+          <a:lnRef idx="2">
+            <a:schemeClr val="accent1">
+              <a:shade val="15000"/>
+            </a:schemeClr>
+          </a:lnRef>
+          <a:fillRef idx="1">
+            <a:schemeClr val="accent1"/>
+          </a:fillRef>
+          <a:effectRef idx="0">
+            <a:schemeClr val="accent1"/>
+          </a:effectRef>
+          <a:fontRef idx="minor">
+            <a:schemeClr val="lt1"/>
+          </a:fontRef>
+        </p:style>
+        <p:txBody>
+          <a:bodyPr rtlCol="0" anchor="ctr"/>
+          <a:lstStyle/>
+          <a:p>
+            <a:pPr algn="ctr"/>
+            <a:endParaRPr lang="en-US"/>
+          </a:p>
+        </p:txBody>
+      </p:sp>
+      <p:sp>
+        <p:nvSpPr>
+          <p:cNvPr id="6" name="Rectangle: Rounded Corners 5">
+            <a:extLst>
+              <a:ext uri="{FF2B5EF4-FFF2-40B4-BE49-F238E27FC236}">
+                <a16:creationId xmlns:a16="http://schemas.microsoft.com/office/drawing/2014/main" id="{1C7FD094-CE69-09BC-2CE1-1552E845F00D}"/>
+              </a:ext>
+            </a:extLst>
+          </p:cNvPr>
+          <p:cNvSpPr/>
+          <p:nvPr/>
+        </p:nvSpPr>
+        <p:spPr>
+          <a:xfrm>
+            <a:off x="6205728" y="1368831"/>
+            <a:ext cx="231648" cy="1371600"/>
+          </a:xfrm>
+          <a:prstGeom prst="roundRect">
+            <a:avLst>
+              <a:gd name="adj" fmla="val 50000"/>
+            </a:avLst>
+          </a:prstGeom>
+          <a:solidFill>
+            <a:schemeClr val="bg1"/>
+          </a:solidFill>
+          <a:ln>
+            <a:noFill/>
+          </a:ln>
+        </p:spPr>
+        <p:style>
+          <a:lnRef idx="2">
+            <a:schemeClr val="accent1">
+              <a:shade val="15000"/>
+            </a:schemeClr>
+          </a:lnRef>
+          <a:fillRef idx="1">
+            <a:schemeClr val="accent1"/>
+          </a:fillRef>
+          <a:effectRef idx="0">
+            <a:schemeClr val="accent1"/>
+          </a:effectRef>
+          <a:fontRef idx="minor">
+            <a:schemeClr val="lt1"/>
+          </a:fontRef>
+        </p:style>
+        <p:txBody>
+          <a:bodyPr rtlCol="0" anchor="ctr"/>
+          <a:lstStyle/>
+          <a:p>
+            <a:pPr algn="ctr"/>
+            <a:endParaRPr lang="en-US" dirty="0"/>
+          </a:p>
+        </p:txBody>
+      </p:sp>
+      <p:sp>
+        <p:nvSpPr>
+          <p:cNvPr id="9" name="Rectangle: Rounded Corners 8">
+            <a:extLst>
+              <a:ext uri="{FF2B5EF4-FFF2-40B4-BE49-F238E27FC236}">
+                <a16:creationId xmlns:a16="http://schemas.microsoft.com/office/drawing/2014/main" id="{A3060A11-8479-E656-85DD-A34559B1019B}"/>
+              </a:ext>
+            </a:extLst>
+          </p:cNvPr>
+          <p:cNvSpPr/>
+          <p:nvPr/>
+        </p:nvSpPr>
+        <p:spPr>
+          <a:xfrm rot="19640493">
+            <a:off x="6427556" y="1321074"/>
+            <a:ext cx="231648" cy="890016"/>
+          </a:xfrm>
+          <a:prstGeom prst="roundRect">
+            <a:avLst>
+              <a:gd name="adj" fmla="val 50000"/>
+            </a:avLst>
+          </a:prstGeom>
+          <a:solidFill>
+            <a:schemeClr val="bg1"/>
+          </a:solidFill>
+          <a:ln>
+            <a:noFill/>
+          </a:ln>
+        </p:spPr>
+        <p:style>
+          <a:lnRef idx="2">
+            <a:schemeClr val="accent1">
+              <a:shade val="15000"/>
+            </a:schemeClr>
+          </a:lnRef>
+          <a:fillRef idx="1">
+            <a:schemeClr val="accent1"/>
+          </a:fillRef>
+          <a:effectRef idx="0">
+            <a:schemeClr val="accent1"/>
+          </a:effectRef>
+          <a:fontRef idx="minor">
+            <a:schemeClr val="lt1"/>
+          </a:fontRef>
+        </p:style>
+        <p:txBody>
+          <a:bodyPr rtlCol="0" anchor="ctr"/>
+          <a:lstStyle/>
+          <a:p>
+            <a:pPr algn="ctr"/>
+            <a:endParaRPr lang="en-US"/>
+          </a:p>
+        </p:txBody>
+      </p:sp>
+      <p:sp>
+        <p:nvSpPr>
+          <p:cNvPr id="10" name="Rectangle: Rounded Corners 9">
+            <a:extLst>
+              <a:ext uri="{FF2B5EF4-FFF2-40B4-BE49-F238E27FC236}">
+                <a16:creationId xmlns:a16="http://schemas.microsoft.com/office/drawing/2014/main" id="{B8A27028-F89C-3D8D-59AC-D3750A8DFCA2}"/>
+              </a:ext>
+            </a:extLst>
+          </p:cNvPr>
+          <p:cNvSpPr/>
+          <p:nvPr/>
+        </p:nvSpPr>
+        <p:spPr>
+          <a:xfrm rot="1959507" flipH="1">
+            <a:off x="5980176" y="1324588"/>
+            <a:ext cx="231648" cy="890016"/>
+          </a:xfrm>
+          <a:prstGeom prst="roundRect">
+            <a:avLst>
+              <a:gd name="adj" fmla="val 50000"/>
+            </a:avLst>
+          </a:prstGeom>
+          <a:solidFill>
+            <a:schemeClr val="bg1"/>
+          </a:solidFill>
+          <a:ln>
+            <a:noFill/>
+          </a:ln>
+        </p:spPr>
+        <p:style>
+          <a:lnRef idx="2">
+            <a:schemeClr val="accent1">
+              <a:shade val="15000"/>
+            </a:schemeClr>
+          </a:lnRef>
+          <a:fillRef idx="1">
+            <a:schemeClr val="accent1"/>
+          </a:fillRef>
+          <a:effectRef idx="0">
+            <a:schemeClr val="accent1"/>
+          </a:effectRef>
+          <a:fontRef idx="minor">
+            <a:schemeClr val="lt1"/>
+          </a:fontRef>
+        </p:style>
+        <p:txBody>
+          <a:bodyPr rtlCol="0" anchor="ctr"/>
+          <a:lstStyle/>
+          <a:p>
+            <a:pPr algn="ctr"/>
+            <a:endParaRPr lang="en-US"/>
+          </a:p>
+        </p:txBody>
+      </p:sp>
+      <p:pic>
+        <p:nvPicPr>
+          <p:cNvPr id="11" name="Picture 10">
+            <a:extLst>
+              <a:ext uri="{FF2B5EF4-FFF2-40B4-BE49-F238E27FC236}">
+                <a16:creationId xmlns:a16="http://schemas.microsoft.com/office/drawing/2014/main" id="{4B8178CD-B8FF-1F55-AC6C-E71DBBEADFC0}"/>
+              </a:ext>
+            </a:extLst>
+          </p:cNvPr>
+          <p:cNvPicPr>
+            <a:picLocks noChangeAspect="1"/>
+          </p:cNvPicPr>
+          <p:nvPr/>
+        </p:nvPicPr>
+        <p:blipFill>
+          <a:blip r:embed="rId2"/>
+          <a:stretch>
+            <a:fillRect/>
+          </a:stretch>
+        </p:blipFill>
+        <p:spPr>
+          <a:xfrm>
+            <a:off x="5487395" y="4288917"/>
+            <a:ext cx="494833" cy="651096"/>
+          </a:xfrm>
+          <a:prstGeom prst="rect">
+            <a:avLst/>
+          </a:prstGeom>
+        </p:spPr>
+      </p:pic>
+      <p:pic>
+        <p:nvPicPr>
+          <p:cNvPr id="16" name="Picture 15">
+            <a:extLst>
+              <a:ext uri="{FF2B5EF4-FFF2-40B4-BE49-F238E27FC236}">
+                <a16:creationId xmlns:a16="http://schemas.microsoft.com/office/drawing/2014/main" id="{D6C5BB60-5D46-5B8C-2F79-5206BBC31221}"/>
+              </a:ext>
+            </a:extLst>
+          </p:cNvPr>
+          <p:cNvPicPr>
+            <a:picLocks noChangeAspect="1"/>
+          </p:cNvPicPr>
+          <p:nvPr/>
+        </p:nvPicPr>
+        <p:blipFill>
+          <a:blip r:embed="rId3"/>
+          <a:stretch>
+            <a:fillRect/>
+          </a:stretch>
+        </p:blipFill>
+        <p:spPr>
+          <a:xfrm>
+            <a:off x="5736305" y="3069305"/>
+            <a:ext cx="719390" cy="719390"/>
+          </a:xfrm>
+          <a:prstGeom prst="rect">
+            <a:avLst/>
+          </a:prstGeom>
+        </p:spPr>
+      </p:pic>
+      <p:sp>
+        <p:nvSpPr>
+          <p:cNvPr id="17" name="Oval 16">
+            <a:extLst>
+              <a:ext uri="{FF2B5EF4-FFF2-40B4-BE49-F238E27FC236}">
+                <a16:creationId xmlns:a16="http://schemas.microsoft.com/office/drawing/2014/main" id="{D24BA7B5-5084-8DB2-21FE-746D5D338CB7}"/>
+              </a:ext>
+            </a:extLst>
+          </p:cNvPr>
+          <p:cNvSpPr/>
+          <p:nvPr/>
+        </p:nvSpPr>
+        <p:spPr>
+          <a:xfrm>
+            <a:off x="7480660" y="4228305"/>
+            <a:ext cx="722376" cy="722376"/>
+          </a:xfrm>
+          <a:prstGeom prst="ellipse">
+            <a:avLst/>
+          </a:prstGeom>
+          <a:solidFill>
+            <a:srgbClr val="9E0000"/>
+          </a:solidFill>
+          <a:ln w="38100">
+            <a:noFill/>
+          </a:ln>
+        </p:spPr>
+        <p:style>
+          <a:lnRef idx="2">
+            <a:schemeClr val="accent1">
+              <a:shade val="15000"/>
+            </a:schemeClr>
+          </a:lnRef>
+          <a:fillRef idx="1">
+            <a:schemeClr val="accent1"/>
+          </a:fillRef>
+          <a:effectRef idx="0">
+            <a:schemeClr val="accent1"/>
+          </a:effectRef>
+          <a:fontRef idx="minor">
+            <a:schemeClr val="lt1"/>
+          </a:fontRef>
+        </p:style>
+        <p:txBody>
+          <a:bodyPr rtlCol="0" anchor="ctr"/>
+          <a:lstStyle/>
+          <a:p>
+            <a:pPr algn="ctr"/>
+            <a:endParaRPr lang="en-US"/>
+          </a:p>
+        </p:txBody>
+      </p:sp>
+      <p:sp>
+        <p:nvSpPr>
+          <p:cNvPr id="19" name="Freeform: Shape 18">
+            <a:extLst>
+              <a:ext uri="{FF2B5EF4-FFF2-40B4-BE49-F238E27FC236}">
+                <a16:creationId xmlns:a16="http://schemas.microsoft.com/office/drawing/2014/main" id="{F8C9DC3A-F4C7-E52F-4686-CC02E2E81D61}"/>
+              </a:ext>
+            </a:extLst>
+          </p:cNvPr>
+          <p:cNvSpPr/>
+          <p:nvPr/>
+        </p:nvSpPr>
+        <p:spPr>
+          <a:xfrm rot="10800000">
+            <a:off x="7685110" y="4383540"/>
+            <a:ext cx="294425" cy="411905"/>
+          </a:xfrm>
+          <a:custGeom>
+            <a:avLst/>
+            <a:gdLst>
+              <a:gd name="connsiteX0" fmla="*/ 263185 w 494833"/>
+              <a:gd name="connsiteY0" fmla="*/ 576455 h 692279"/>
+              <a:gd name="connsiteX1" fmla="*/ 263185 w 494833"/>
+              <a:gd name="connsiteY1" fmla="*/ 115824 h 692279"/>
+              <a:gd name="connsiteX2" fmla="*/ 379009 w 494833"/>
+              <a:gd name="connsiteY2" fmla="*/ 0 h 692279"/>
+              <a:gd name="connsiteX3" fmla="*/ 494833 w 494833"/>
+              <a:gd name="connsiteY3" fmla="*/ 115824 h 692279"/>
+              <a:gd name="connsiteX4" fmla="*/ 494833 w 494833"/>
+              <a:gd name="connsiteY4" fmla="*/ 576455 h 692279"/>
+              <a:gd name="connsiteX5" fmla="*/ 379009 w 494833"/>
+              <a:gd name="connsiteY5" fmla="*/ 692279 h 692279"/>
+              <a:gd name="connsiteX6" fmla="*/ 263185 w 494833"/>
+              <a:gd name="connsiteY6" fmla="*/ 576455 h 692279"/>
+              <a:gd name="connsiteX7" fmla="*/ 0 w 494833"/>
+              <a:gd name="connsiteY7" fmla="*/ 576455 h 692279"/>
+              <a:gd name="connsiteX8" fmla="*/ 0 w 494833"/>
+              <a:gd name="connsiteY8" fmla="*/ 115824 h 692279"/>
+              <a:gd name="connsiteX9" fmla="*/ 115824 w 494833"/>
+              <a:gd name="connsiteY9" fmla="*/ 0 h 692279"/>
+              <a:gd name="connsiteX10" fmla="*/ 231648 w 494833"/>
+              <a:gd name="connsiteY10" fmla="*/ 115824 h 692279"/>
+              <a:gd name="connsiteX11" fmla="*/ 231648 w 494833"/>
+              <a:gd name="connsiteY11" fmla="*/ 576455 h 692279"/>
+              <a:gd name="connsiteX12" fmla="*/ 115824 w 494833"/>
+              <a:gd name="connsiteY12" fmla="*/ 692279 h 692279"/>
+              <a:gd name="connsiteX13" fmla="*/ 0 w 494833"/>
+              <a:gd name="connsiteY13" fmla="*/ 576455 h 692279"/>
+            </a:gdLst>
+            <a:ahLst/>
+            <a:cxnLst>
+              <a:cxn ang="0">
+                <a:pos x="connsiteX0" y="connsiteY0"/>
+              </a:cxn>
+              <a:cxn ang="0">
+                <a:pos x="connsiteX1" y="connsiteY1"/>
+              </a:cxn>
+              <a:cxn ang="0">
+                <a:pos x="connsiteX2" y="connsiteY2"/>
+              </a:cxn>
+              <a:cxn ang="0">
+                <a:pos x="connsiteX3" y="connsiteY3"/>
+              </a:cxn>
+              <a:cxn ang="0">
+                <a:pos x="connsiteX4" y="connsiteY4"/>
+              </a:cxn>
+              <a:cxn ang="0">
+                <a:pos x="connsiteX5" y="connsiteY5"/>
+              </a:cxn>
+              <a:cxn ang="0">
+                <a:pos x="connsiteX6" y="connsiteY6"/>
+              </a:cxn>
+              <a:cxn ang="0">
+                <a:pos x="connsiteX7" y="connsiteY7"/>
+              </a:cxn>
+              <a:cxn ang="0">
+                <a:pos x="connsiteX8" y="connsiteY8"/>
+              </a:cxn>
+              <a:cxn ang="0">
+                <a:pos x="connsiteX9" y="connsiteY9"/>
+              </a:cxn>
+              <a:cxn ang="0">
+                <a:pos x="connsiteX10" y="connsiteY10"/>
+              </a:cxn>
+              <a:cxn ang="0">
+                <a:pos x="connsiteX11" y="connsiteY11"/>
+              </a:cxn>
+              <a:cxn ang="0">
+                <a:pos x="connsiteX12" y="connsiteY12"/>
+              </a:cxn>
+              <a:cxn ang="0">
+                <a:pos x="connsiteX13" y="connsiteY13"/>
+              </a:cxn>
+            </a:cxnLst>
+            <a:rect l="l" t="t" r="r" b="b"/>
+            <a:pathLst>
+              <a:path w="494833" h="692279">
+                <a:moveTo>
+                  <a:pt x="263185" y="576455"/>
+                </a:moveTo>
+                <a:lnTo>
+                  <a:pt x="263185" y="115824"/>
+                </a:lnTo>
+                <a:cubicBezTo>
+                  <a:pt x="263185" y="51856"/>
+                  <a:pt x="315041" y="0"/>
+                  <a:pt x="379009" y="0"/>
+                </a:cubicBezTo>
+                <a:cubicBezTo>
+                  <a:pt x="442977" y="0"/>
+                  <a:pt x="494833" y="51856"/>
+                  <a:pt x="494833" y="115824"/>
+                </a:cubicBezTo>
+                <a:lnTo>
+                  <a:pt x="494833" y="576455"/>
+                </a:lnTo>
+                <a:cubicBezTo>
+                  <a:pt x="494833" y="640423"/>
+                  <a:pt x="442977" y="692279"/>
+                  <a:pt x="379009" y="692279"/>
+                </a:cubicBezTo>
+                <a:cubicBezTo>
+                  <a:pt x="315041" y="692279"/>
+                  <a:pt x="263185" y="640423"/>
+                  <a:pt x="263185" y="576455"/>
+                </a:cubicBezTo>
+                <a:close/>
+                <a:moveTo>
+                  <a:pt x="0" y="576455"/>
+                </a:moveTo>
+                <a:lnTo>
+                  <a:pt x="0" y="115824"/>
+                </a:lnTo>
+                <a:cubicBezTo>
+                  <a:pt x="0" y="51856"/>
+                  <a:pt x="51856" y="0"/>
+                  <a:pt x="115824" y="0"/>
+                </a:cubicBezTo>
+                <a:cubicBezTo>
+                  <a:pt x="179792" y="0"/>
+                  <a:pt x="231648" y="51856"/>
+                  <a:pt x="231648" y="115824"/>
+                </a:cubicBezTo>
+                <a:lnTo>
+                  <a:pt x="231648" y="576455"/>
+                </a:lnTo>
+                <a:cubicBezTo>
+                  <a:pt x="231648" y="640423"/>
+                  <a:pt x="179792" y="692279"/>
+                  <a:pt x="115824" y="692279"/>
+                </a:cubicBezTo>
+                <a:cubicBezTo>
+                  <a:pt x="51856" y="692279"/>
+                  <a:pt x="0" y="640423"/>
+                  <a:pt x="0" y="576455"/>
+                </a:cubicBezTo>
+                <a:close/>
+              </a:path>
+            </a:pathLst>
+          </a:custGeom>
+          <a:solidFill>
+            <a:schemeClr val="bg1"/>
+          </a:solidFill>
+          <a:ln>
+            <a:noFill/>
+          </a:ln>
+        </p:spPr>
+        <p:style>
+          <a:lnRef idx="2">
+            <a:schemeClr val="accent1">
+              <a:shade val="15000"/>
+            </a:schemeClr>
+          </a:lnRef>
+          <a:fillRef idx="1">
+            <a:schemeClr val="accent1"/>
+          </a:fillRef>
+          <a:effectRef idx="0">
+            <a:schemeClr val="accent1"/>
+          </a:effectRef>
+          <a:fontRef idx="minor">
+            <a:schemeClr val="lt1"/>
+          </a:fontRef>
+        </p:style>
+        <p:txBody>
+          <a:bodyPr wrap="square" rtlCol="0" anchor="ctr">
+            <a:noAutofit/>
+          </a:bodyPr>
+          <a:lstStyle/>
+          <a:p>
+            <a:pPr algn="ctr"/>
+            <a:endParaRPr lang="en-US" dirty="0"/>
+          </a:p>
+        </p:txBody>
+      </p:sp>
+      <p:pic>
+        <p:nvPicPr>
+          <p:cNvPr id="20" name="Picture 19">
+            <a:extLst>
+              <a:ext uri="{FF2B5EF4-FFF2-40B4-BE49-F238E27FC236}">
+                <a16:creationId xmlns:a16="http://schemas.microsoft.com/office/drawing/2014/main" id="{A1E1D5A2-A614-FBB3-DA4C-D97D32AD680C}"/>
+              </a:ext>
+            </a:extLst>
+          </p:cNvPr>
+          <p:cNvPicPr>
+            <a:picLocks noChangeAspect="1"/>
+          </p:cNvPicPr>
+          <p:nvPr/>
+        </p:nvPicPr>
+        <p:blipFill>
+          <a:blip r:embed="rId4"/>
+          <a:stretch>
+            <a:fillRect/>
+          </a:stretch>
+        </p:blipFill>
+        <p:spPr>
+          <a:xfrm>
+            <a:off x="6543380" y="3069305"/>
+            <a:ext cx="725487" cy="719390"/>
+          </a:xfrm>
+          <a:prstGeom prst="rect">
+            <a:avLst/>
+          </a:prstGeom>
+        </p:spPr>
+      </p:pic>
+      <p:pic>
+        <p:nvPicPr>
+          <p:cNvPr id="21" name="Picture 20">
+            <a:extLst>
+              <a:ext uri="{FF2B5EF4-FFF2-40B4-BE49-F238E27FC236}">
+                <a16:creationId xmlns:a16="http://schemas.microsoft.com/office/drawing/2014/main" id="{94E35B1E-6C8E-04EB-AC7D-90EE20388FD2}"/>
+              </a:ext>
+            </a:extLst>
+          </p:cNvPr>
+          <p:cNvPicPr>
+            <a:picLocks noChangeAspect="1"/>
+          </p:cNvPicPr>
+          <p:nvPr/>
+        </p:nvPicPr>
+        <p:blipFill>
+          <a:blip r:embed="rId2"/>
+          <a:stretch>
+            <a:fillRect/>
+          </a:stretch>
+        </p:blipFill>
+        <p:spPr>
+          <a:xfrm>
+            <a:off x="7356552" y="1542351"/>
+            <a:ext cx="1042506" cy="1371719"/>
+          </a:xfrm>
+          <a:prstGeom prst="rect">
+            <a:avLst/>
+          </a:prstGeom>
+        </p:spPr>
+      </p:pic>
+      <p:pic>
+        <p:nvPicPr>
+          <p:cNvPr id="22" name="Picture 21">
+            <a:extLst>
+              <a:ext uri="{FF2B5EF4-FFF2-40B4-BE49-F238E27FC236}">
+                <a16:creationId xmlns:a16="http://schemas.microsoft.com/office/drawing/2014/main" id="{DE9D63CD-54A5-21AC-B29A-D2EA4045015C}"/>
+              </a:ext>
+            </a:extLst>
+          </p:cNvPr>
+          <p:cNvPicPr>
+            <a:picLocks noChangeAspect="1"/>
+          </p:cNvPicPr>
+          <p:nvPr/>
+        </p:nvPicPr>
+        <p:blipFill>
+          <a:blip r:embed="rId2"/>
+          <a:stretch>
+            <a:fillRect/>
+          </a:stretch>
+        </p:blipFill>
+        <p:spPr>
+          <a:xfrm rot="5400000">
+            <a:off x="7939779" y="2124357"/>
+            <a:ext cx="1042506" cy="1371719"/>
+          </a:xfrm>
+          <a:prstGeom prst="rect">
+            <a:avLst/>
+          </a:prstGeom>
+        </p:spPr>
+      </p:pic>
+      <p:pic>
+        <p:nvPicPr>
+          <p:cNvPr id="23" name="Picture 22">
+            <a:extLst>
+              <a:ext uri="{FF2B5EF4-FFF2-40B4-BE49-F238E27FC236}">
+                <a16:creationId xmlns:a16="http://schemas.microsoft.com/office/drawing/2014/main" id="{F64DAF32-6F5B-030F-B33B-A1BF1B4E5FAD}"/>
+              </a:ext>
+            </a:extLst>
+          </p:cNvPr>
+          <p:cNvPicPr>
+            <a:picLocks noChangeAspect="1"/>
+          </p:cNvPicPr>
+          <p:nvPr/>
+        </p:nvPicPr>
+        <p:blipFill>
+          <a:blip r:embed="rId2"/>
+          <a:stretch>
+            <a:fillRect/>
+          </a:stretch>
+        </p:blipFill>
+        <p:spPr>
+          <a:xfrm rot="16200000" flipH="1">
+            <a:off x="6782850" y="2122156"/>
+            <a:ext cx="1042506" cy="1371719"/>
+          </a:xfrm>
+          <a:prstGeom prst="rect">
+            <a:avLst/>
+          </a:prstGeom>
+        </p:spPr>
+      </p:pic>
+      <p:pic>
+        <p:nvPicPr>
+          <p:cNvPr id="24" name="Picture 23">
+            <a:extLst>
+              <a:ext uri="{FF2B5EF4-FFF2-40B4-BE49-F238E27FC236}">
+                <a16:creationId xmlns:a16="http://schemas.microsoft.com/office/drawing/2014/main" id="{5D44053F-13C8-69AE-8197-2A5408BDE832}"/>
+              </a:ext>
+            </a:extLst>
+          </p:cNvPr>
+          <p:cNvPicPr>
+            <a:picLocks noChangeAspect="1"/>
+          </p:cNvPicPr>
+          <p:nvPr/>
+        </p:nvPicPr>
+        <p:blipFill>
+          <a:blip r:embed="rId2"/>
+          <a:stretch>
+            <a:fillRect/>
+          </a:stretch>
+        </p:blipFill>
+        <p:spPr>
+          <a:xfrm flipV="1">
+            <a:off x="7374871" y="2759127"/>
+            <a:ext cx="1042506" cy="1371719"/>
+          </a:xfrm>
+          <a:prstGeom prst="rect">
+            <a:avLst/>
+          </a:prstGeom>
+        </p:spPr>
+      </p:pic>
+      <p:pic>
+        <p:nvPicPr>
+          <p:cNvPr id="25" name="Picture 24">
+            <a:extLst>
+              <a:ext uri="{FF2B5EF4-FFF2-40B4-BE49-F238E27FC236}">
+                <a16:creationId xmlns:a16="http://schemas.microsoft.com/office/drawing/2014/main" id="{E214337D-03C8-6F21-BF4B-A737D2BC97AF}"/>
+              </a:ext>
+            </a:extLst>
+          </p:cNvPr>
+          <p:cNvPicPr>
+            <a:picLocks noChangeAspect="1"/>
+          </p:cNvPicPr>
+          <p:nvPr/>
+        </p:nvPicPr>
+        <p:blipFill>
+          <a:blip r:embed="rId5"/>
+          <a:stretch>
+            <a:fillRect/>
+          </a:stretch>
+        </p:blipFill>
+        <p:spPr>
+          <a:xfrm>
+            <a:off x="3205617" y="2054631"/>
+            <a:ext cx="456099" cy="468218"/>
+          </a:xfrm>
+          <a:prstGeom prst="rect">
+            <a:avLst/>
+          </a:prstGeom>
+        </p:spPr>
+      </p:pic>
+    </p:spTree>
+    <p:extLst>
+      <p:ext uri="{BB962C8B-B14F-4D97-AF65-F5344CB8AC3E}">
+        <p14:creationId xmlns:p14="http://schemas.microsoft.com/office/powerpoint/2010/main" val="1979871144"/>
+      </p:ext>
+    </p:extLst>
+  </p:cSld>
+  <p:clrMapOvr>
+    <a:masterClrMapping/>
+  </p:clrMapOvr>
+</p:sld>
+</file>
+
 <file path=ppt/slides/slide2.xml><?xml version="1.0" encoding="utf-8"?>
 <p:sld xmlns:a="http://schemas.openxmlformats.org/drawingml/2006/main" xmlns:r="http://schemas.openxmlformats.org/officeDocument/2006/relationships" xmlns:p="http://schemas.openxmlformats.org/presentationml/2006/main">
   <p:cSld>
@@ -14189,7 +15032,7 @@
         </p:blipFill>
         <p:spPr>
           <a:xfrm>
-            <a:off x="11572680" y="2464126"/>
+            <a:off x="13313955" y="1426556"/>
             <a:ext cx="4602879" cy="5096698"/>
           </a:xfrm>
           <a:prstGeom prst="rect">
